--- a/Mapping London’s crime with R.pptx
+++ b/Mapping London’s crime with R.pptx
@@ -6,11 +6,20 @@
   </p:sldMasterIdLst>
   <p:sldIdLst>
     <p:sldId id="256" r:id="rId2"/>
-    <p:sldId id="257" r:id="rId3"/>
-    <p:sldId id="258" r:id="rId4"/>
-    <p:sldId id="259" r:id="rId5"/>
-    <p:sldId id="260" r:id="rId6"/>
-    <p:sldId id="261" r:id="rId7"/>
+    <p:sldId id="262" r:id="rId3"/>
+    <p:sldId id="263" r:id="rId4"/>
+    <p:sldId id="257" r:id="rId5"/>
+    <p:sldId id="258" r:id="rId6"/>
+    <p:sldId id="259" r:id="rId7"/>
+    <p:sldId id="260" r:id="rId8"/>
+    <p:sldId id="261" r:id="rId9"/>
+    <p:sldId id="264" r:id="rId10"/>
+    <p:sldId id="265" r:id="rId11"/>
+    <p:sldId id="266" r:id="rId12"/>
+    <p:sldId id="267" r:id="rId13"/>
+    <p:sldId id="268" r:id="rId14"/>
+    <p:sldId id="269" r:id="rId15"/>
+    <p:sldId id="270" r:id="rId16"/>
   </p:sldIdLst>
   <p:sldSz cx="12192000" cy="6858000"/>
   <p:notesSz cx="6858000" cy="9144000"/>
@@ -109,6 +118,11 @@
       </a:defRPr>
     </a:lvl9pPr>
   </p:defaultTextStyle>
+  <p:extLst>
+    <p:ext uri="{EFAFB233-063F-42B5-8137-9DF3F51BA10A}">
+      <p15:sldGuideLst xmlns:p15="http://schemas.microsoft.com/office/powerpoint/2012/main"/>
+    </p:ext>
+  </p:extLst>
 </p:presentation>
 </file>
 
@@ -243,7 +257,7 @@
           <a:p>
             <a:fld id="{395A1842-CE8E-4D71-A84C-441E7EA682F5}" type="datetimeFigureOut">
               <a:rPr lang="en-GB" smtClean="0"/>
-              <a:t>24/03/2017</a:t>
+              <a:t>27/03/2017</a:t>
             </a:fld>
             <a:endParaRPr lang="en-GB"/>
           </a:p>
@@ -413,7 +427,7 @@
           <a:p>
             <a:fld id="{395A1842-CE8E-4D71-A84C-441E7EA682F5}" type="datetimeFigureOut">
               <a:rPr lang="en-GB" smtClean="0"/>
-              <a:t>24/03/2017</a:t>
+              <a:t>27/03/2017</a:t>
             </a:fld>
             <a:endParaRPr lang="en-GB"/>
           </a:p>
@@ -593,7 +607,7 @@
           <a:p>
             <a:fld id="{395A1842-CE8E-4D71-A84C-441E7EA682F5}" type="datetimeFigureOut">
               <a:rPr lang="en-GB" smtClean="0"/>
-              <a:t>24/03/2017</a:t>
+              <a:t>27/03/2017</a:t>
             </a:fld>
             <a:endParaRPr lang="en-GB"/>
           </a:p>
@@ -763,7 +777,7 @@
           <a:p>
             <a:fld id="{395A1842-CE8E-4D71-A84C-441E7EA682F5}" type="datetimeFigureOut">
               <a:rPr lang="en-GB" smtClean="0"/>
-              <a:t>24/03/2017</a:t>
+              <a:t>27/03/2017</a:t>
             </a:fld>
             <a:endParaRPr lang="en-GB"/>
           </a:p>
@@ -1009,7 +1023,7 @@
           <a:p>
             <a:fld id="{395A1842-CE8E-4D71-A84C-441E7EA682F5}" type="datetimeFigureOut">
               <a:rPr lang="en-GB" smtClean="0"/>
-              <a:t>24/03/2017</a:t>
+              <a:t>27/03/2017</a:t>
             </a:fld>
             <a:endParaRPr lang="en-GB"/>
           </a:p>
@@ -1241,7 +1255,7 @@
           <a:p>
             <a:fld id="{395A1842-CE8E-4D71-A84C-441E7EA682F5}" type="datetimeFigureOut">
               <a:rPr lang="en-GB" smtClean="0"/>
-              <a:t>24/03/2017</a:t>
+              <a:t>27/03/2017</a:t>
             </a:fld>
             <a:endParaRPr lang="en-GB"/>
           </a:p>
@@ -1608,7 +1622,7 @@
           <a:p>
             <a:fld id="{395A1842-CE8E-4D71-A84C-441E7EA682F5}" type="datetimeFigureOut">
               <a:rPr lang="en-GB" smtClean="0"/>
-              <a:t>24/03/2017</a:t>
+              <a:t>27/03/2017</a:t>
             </a:fld>
             <a:endParaRPr lang="en-GB"/>
           </a:p>
@@ -1726,7 +1740,7 @@
           <a:p>
             <a:fld id="{395A1842-CE8E-4D71-A84C-441E7EA682F5}" type="datetimeFigureOut">
               <a:rPr lang="en-GB" smtClean="0"/>
-              <a:t>24/03/2017</a:t>
+              <a:t>27/03/2017</a:t>
             </a:fld>
             <a:endParaRPr lang="en-GB"/>
           </a:p>
@@ -1821,7 +1835,7 @@
           <a:p>
             <a:fld id="{395A1842-CE8E-4D71-A84C-441E7EA682F5}" type="datetimeFigureOut">
               <a:rPr lang="en-GB" smtClean="0"/>
-              <a:t>24/03/2017</a:t>
+              <a:t>27/03/2017</a:t>
             </a:fld>
             <a:endParaRPr lang="en-GB"/>
           </a:p>
@@ -2098,7 +2112,7 @@
           <a:p>
             <a:fld id="{395A1842-CE8E-4D71-A84C-441E7EA682F5}" type="datetimeFigureOut">
               <a:rPr lang="en-GB" smtClean="0"/>
-              <a:t>24/03/2017</a:t>
+              <a:t>27/03/2017</a:t>
             </a:fld>
             <a:endParaRPr lang="en-GB"/>
           </a:p>
@@ -2351,7 +2365,7 @@
           <a:p>
             <a:fld id="{395A1842-CE8E-4D71-A84C-441E7EA682F5}" type="datetimeFigureOut">
               <a:rPr lang="en-GB" smtClean="0"/>
-              <a:t>24/03/2017</a:t>
+              <a:t>27/03/2017</a:t>
             </a:fld>
             <a:endParaRPr lang="en-GB"/>
           </a:p>
@@ -2564,7 +2578,7 @@
           <a:p>
             <a:fld id="{395A1842-CE8E-4D71-A84C-441E7EA682F5}" type="datetimeFigureOut">
               <a:rPr lang="en-GB" smtClean="0"/>
-              <a:t>24/03/2017</a:t>
+              <a:t>27/03/2017</a:t>
             </a:fld>
             <a:endParaRPr lang="en-GB"/>
           </a:p>
@@ -2981,8 +2995,8 @@
         </p:nvSpPr>
         <p:spPr>
           <a:xfrm>
-            <a:off x="1649835" y="637563"/>
-            <a:ext cx="9144000" cy="4303552"/>
+            <a:off x="1683391" y="209724"/>
+            <a:ext cx="9144000" cy="3431097"/>
           </a:xfrm>
         </p:spPr>
         <p:txBody>
@@ -2993,7 +3007,1933 @@
           <a:p>
             <a:r>
               <a:rPr lang="en-GB" dirty="0"/>
-              <a:t>Mapping London’s crime with R and Shiny web applications and  clustering areas of similar crimes using Self-Organising Maps (SOMs)</a:t>
+              <a:t>Mapping London’s crime with Shiny web applications built in R and Self-Organising Maps (SOMs)</a:t>
+            </a:r>
+          </a:p>
+        </p:txBody>
+      </p:sp>
+      <p:pic>
+        <p:nvPicPr>
+          <p:cNvPr id="6" name="Picture 5"/>
+          <p:cNvPicPr>
+            <a:picLocks noChangeAspect="1"/>
+          </p:cNvPicPr>
+          <p:nvPr/>
+        </p:nvPicPr>
+        <p:blipFill>
+          <a:blip r:embed="rId2">
+            <a:extLst>
+              <a:ext uri="{28A0092B-C50C-407E-A947-70E740481C1C}">
+                <a14:useLocalDpi xmlns:a14="http://schemas.microsoft.com/office/drawing/2010/main" val="0"/>
+              </a:ext>
+            </a:extLst>
+          </a:blip>
+          <a:stretch>
+            <a:fillRect/>
+          </a:stretch>
+        </p:blipFill>
+        <p:spPr>
+          <a:xfrm>
+            <a:off x="342353" y="3858935"/>
+            <a:ext cx="3801808" cy="2592980"/>
+          </a:xfrm>
+          <a:prstGeom prst="rect">
+            <a:avLst/>
+          </a:prstGeom>
+        </p:spPr>
+      </p:pic>
+      <p:pic>
+        <p:nvPicPr>
+          <p:cNvPr id="8" name="Picture 7"/>
+          <p:cNvPicPr>
+            <a:picLocks noChangeAspect="1"/>
+          </p:cNvPicPr>
+          <p:nvPr/>
+        </p:nvPicPr>
+        <p:blipFill>
+          <a:blip r:embed="rId3">
+            <a:extLst>
+              <a:ext uri="{28A0092B-C50C-407E-A947-70E740481C1C}">
+                <a14:useLocalDpi xmlns:a14="http://schemas.microsoft.com/office/drawing/2010/main" val="0"/>
+              </a:ext>
+            </a:extLst>
+          </a:blip>
+          <a:stretch>
+            <a:fillRect/>
+          </a:stretch>
+        </p:blipFill>
+        <p:spPr>
+          <a:xfrm>
+            <a:off x="8080567" y="3716323"/>
+            <a:ext cx="3920409" cy="2767927"/>
+          </a:xfrm>
+          <a:prstGeom prst="rect">
+            <a:avLst/>
+          </a:prstGeom>
+        </p:spPr>
+      </p:pic>
+      <p:pic>
+        <p:nvPicPr>
+          <p:cNvPr id="10" name="Picture 9"/>
+          <p:cNvPicPr>
+            <a:picLocks noChangeAspect="1"/>
+          </p:cNvPicPr>
+          <p:nvPr/>
+        </p:nvPicPr>
+        <p:blipFill>
+          <a:blip r:embed="rId4">
+            <a:extLst>
+              <a:ext uri="{28A0092B-C50C-407E-A947-70E740481C1C}">
+                <a14:useLocalDpi xmlns:a14="http://schemas.microsoft.com/office/drawing/2010/main" val="0"/>
+              </a:ext>
+            </a:extLst>
+          </a:blip>
+          <a:stretch>
+            <a:fillRect/>
+          </a:stretch>
+        </p:blipFill>
+        <p:spPr>
+          <a:xfrm>
+            <a:off x="4301630" y="3716324"/>
+            <a:ext cx="3874610" cy="2735592"/>
+          </a:xfrm>
+          <a:prstGeom prst="rect">
+            <a:avLst/>
+          </a:prstGeom>
+        </p:spPr>
+      </p:pic>
+    </p:spTree>
+    <p:extLst>
+      <p:ext uri="{BB962C8B-B14F-4D97-AF65-F5344CB8AC3E}">
+        <p14:creationId xmlns:p14="http://schemas.microsoft.com/office/powerpoint/2010/main" val="4017749142"/>
+      </p:ext>
+    </p:extLst>
+  </p:cSld>
+  <p:clrMapOvr>
+    <a:masterClrMapping/>
+  </p:clrMapOvr>
+</p:sld>
+</file>
+
+<file path=ppt/slides/slide10.xml><?xml version="1.0" encoding="utf-8"?>
+<p:sld xmlns:a="http://schemas.openxmlformats.org/drawingml/2006/main" xmlns:r="http://schemas.openxmlformats.org/officeDocument/2006/relationships" xmlns:p="http://schemas.openxmlformats.org/presentationml/2006/main">
+  <p:cSld>
+    <p:spTree>
+      <p:nvGrpSpPr>
+        <p:cNvPr id="1" name=""/>
+        <p:cNvGrpSpPr/>
+        <p:nvPr/>
+      </p:nvGrpSpPr>
+      <p:grpSpPr>
+        <a:xfrm>
+          <a:off x="0" y="0"/>
+          <a:ext cx="0" cy="0"/>
+          <a:chOff x="0" y="0"/>
+          <a:chExt cx="0" cy="0"/>
+        </a:xfrm>
+      </p:grpSpPr>
+      <p:sp>
+        <p:nvSpPr>
+          <p:cNvPr id="3" name="Content Placeholder 2"/>
+          <p:cNvSpPr>
+            <a:spLocks noGrp="1"/>
+          </p:cNvSpPr>
+          <p:nvPr>
+            <p:ph idx="1"/>
+          </p:nvPr>
+        </p:nvSpPr>
+        <p:spPr>
+          <a:xfrm>
+            <a:off x="612395" y="407886"/>
+            <a:ext cx="11039913" cy="548459"/>
+          </a:xfrm>
+        </p:spPr>
+        <p:txBody>
+          <a:bodyPr/>
+          <a:lstStyle/>
+          <a:p>
+            <a:pPr marL="0" indent="0" algn="ctr">
+              <a:buNone/>
+            </a:pPr>
+            <a:r>
+              <a:rPr lang="en-GB" dirty="0"/>
+              <a:t>Plot learning rate: computed distances between centroids/nodes and data</a:t>
+            </a:r>
+          </a:p>
+        </p:txBody>
+      </p:sp>
+      <p:pic>
+        <p:nvPicPr>
+          <p:cNvPr id="5" name="Picture 4"/>
+          <p:cNvPicPr>
+            <a:picLocks noChangeAspect="1"/>
+          </p:cNvPicPr>
+          <p:nvPr/>
+        </p:nvPicPr>
+        <p:blipFill>
+          <a:blip r:embed="rId2">
+            <a:extLst>
+              <a:ext uri="{28A0092B-C50C-407E-A947-70E740481C1C}">
+                <a14:useLocalDpi xmlns:a14="http://schemas.microsoft.com/office/drawing/2010/main" val="0"/>
+              </a:ext>
+            </a:extLst>
+          </a:blip>
+          <a:stretch>
+            <a:fillRect/>
+          </a:stretch>
+        </p:blipFill>
+        <p:spPr>
+          <a:xfrm>
+            <a:off x="2279883" y="1079645"/>
+            <a:ext cx="7581900" cy="5353050"/>
+          </a:xfrm>
+          <a:prstGeom prst="rect">
+            <a:avLst/>
+          </a:prstGeom>
+        </p:spPr>
+      </p:pic>
+    </p:spTree>
+    <p:extLst>
+      <p:ext uri="{BB962C8B-B14F-4D97-AF65-F5344CB8AC3E}">
+        <p14:creationId xmlns:p14="http://schemas.microsoft.com/office/powerpoint/2010/main" val="1553817360"/>
+      </p:ext>
+    </p:extLst>
+  </p:cSld>
+  <p:clrMapOvr>
+    <a:masterClrMapping/>
+  </p:clrMapOvr>
+</p:sld>
+</file>
+
+<file path=ppt/slides/slide11.xml><?xml version="1.0" encoding="utf-8"?>
+<p:sld xmlns:a="http://schemas.openxmlformats.org/drawingml/2006/main" xmlns:r="http://schemas.openxmlformats.org/officeDocument/2006/relationships" xmlns:p="http://schemas.openxmlformats.org/presentationml/2006/main">
+  <p:cSld>
+    <p:spTree>
+      <p:nvGrpSpPr>
+        <p:cNvPr id="1" name=""/>
+        <p:cNvGrpSpPr/>
+        <p:nvPr/>
+      </p:nvGrpSpPr>
+      <p:grpSpPr>
+        <a:xfrm>
+          <a:off x="0" y="0"/>
+          <a:ext cx="0" cy="0"/>
+          <a:chOff x="0" y="0"/>
+          <a:chExt cx="0" cy="0"/>
+        </a:xfrm>
+      </p:grpSpPr>
+      <p:sp>
+        <p:nvSpPr>
+          <p:cNvPr id="3" name="Content Placeholder 2"/>
+          <p:cNvSpPr>
+            <a:spLocks noGrp="1"/>
+          </p:cNvSpPr>
+          <p:nvPr>
+            <p:ph idx="1"/>
+          </p:nvPr>
+        </p:nvSpPr>
+        <p:spPr>
+          <a:xfrm>
+            <a:off x="854978" y="424665"/>
+            <a:ext cx="10515600" cy="540070"/>
+          </a:xfrm>
+        </p:spPr>
+        <p:txBody>
+          <a:bodyPr/>
+          <a:lstStyle/>
+          <a:p>
+            <a:pPr marL="0" indent="0" algn="ctr">
+              <a:buNone/>
+            </a:pPr>
+            <a:r>
+              <a:rPr lang="en-GB" dirty="0"/>
+              <a:t>Plot the number of data points mapped to each node</a:t>
+            </a:r>
+          </a:p>
+        </p:txBody>
+      </p:sp>
+      <p:pic>
+        <p:nvPicPr>
+          <p:cNvPr id="5" name="Picture 4"/>
+          <p:cNvPicPr>
+            <a:picLocks noChangeAspect="1"/>
+          </p:cNvPicPr>
+          <p:nvPr/>
+        </p:nvPicPr>
+        <p:blipFill>
+          <a:blip r:embed="rId2">
+            <a:extLst>
+              <a:ext uri="{28A0092B-C50C-407E-A947-70E740481C1C}">
+                <a14:useLocalDpi xmlns:a14="http://schemas.microsoft.com/office/drawing/2010/main" val="0"/>
+              </a:ext>
+            </a:extLst>
+          </a:blip>
+          <a:stretch>
+            <a:fillRect/>
+          </a:stretch>
+        </p:blipFill>
+        <p:spPr>
+          <a:xfrm>
+            <a:off x="854978" y="1062868"/>
+            <a:ext cx="7581900" cy="5353050"/>
+          </a:xfrm>
+          <a:prstGeom prst="rect">
+            <a:avLst/>
+          </a:prstGeom>
+        </p:spPr>
+      </p:pic>
+      <p:graphicFrame>
+        <p:nvGraphicFramePr>
+          <p:cNvPr id="7" name="Table 6"/>
+          <p:cNvGraphicFramePr>
+            <a:graphicFrameLocks noGrp="1"/>
+          </p:cNvGraphicFramePr>
+          <p:nvPr>
+            <p:extLst>
+              <p:ext uri="{D42A27DB-BD31-4B8C-83A1-F6EECF244321}">
+                <p14:modId xmlns:p14="http://schemas.microsoft.com/office/powerpoint/2010/main" val="2462556924"/>
+              </p:ext>
+            </p:extLst>
+          </p:nvPr>
+        </p:nvGraphicFramePr>
+        <p:xfrm>
+          <a:off x="8514825" y="1442906"/>
+          <a:ext cx="1518408" cy="4457700"/>
+        </p:xfrm>
+        <a:graphic>
+          <a:graphicData uri="http://schemas.openxmlformats.org/drawingml/2006/table">
+            <a:tbl>
+              <a:tblPr/>
+              <a:tblGrid>
+                <a:gridCol w="759204">
+                  <a:extLst>
+                    <a:ext uri="{9D8B030D-6E8A-4147-A177-3AD203B41FA5}">
+                      <a16:colId xmlns:a16="http://schemas.microsoft.com/office/drawing/2014/main" val="1792486185"/>
+                    </a:ext>
+                  </a:extLst>
+                </a:gridCol>
+                <a:gridCol w="759204">
+                  <a:extLst>
+                    <a:ext uri="{9D8B030D-6E8A-4147-A177-3AD203B41FA5}">
+                      <a16:colId xmlns:a16="http://schemas.microsoft.com/office/drawing/2014/main" val="569943430"/>
+                    </a:ext>
+                  </a:extLst>
+                </a:gridCol>
+              </a:tblGrid>
+              <a:tr h="202197">
+                <a:tc>
+                  <a:txBody>
+                    <a:bodyPr/>
+                    <a:lstStyle/>
+                    <a:p>
+                      <a:pPr algn="r" fontAlgn="b"/>
+                      <a:r>
+                        <a:rPr lang="en-GB" sz="1400" b="1" i="0" u="sng" strike="noStrike" dirty="0">
+                          <a:solidFill>
+                            <a:srgbClr val="000000"/>
+                          </a:solidFill>
+                          <a:effectLst/>
+                          <a:latin typeface="Calibri" panose="020F0502020204030204" pitchFamily="34" charset="0"/>
+                        </a:rPr>
+                        <a:t>NODE</a:t>
+                      </a:r>
+                    </a:p>
+                  </a:txBody>
+                  <a:tcPr marL="9525" marR="9525" marT="9525" marB="0" anchor="b">
+                    <a:lnL>
+                      <a:noFill/>
+                    </a:lnL>
+                    <a:lnR>
+                      <a:noFill/>
+                    </a:lnR>
+                    <a:lnT>
+                      <a:noFill/>
+                    </a:lnT>
+                    <a:lnB>
+                      <a:noFill/>
+                    </a:lnB>
+                  </a:tcPr>
+                </a:tc>
+                <a:tc>
+                  <a:txBody>
+                    <a:bodyPr/>
+                    <a:lstStyle/>
+                    <a:p>
+                      <a:pPr algn="r" fontAlgn="b"/>
+                      <a:r>
+                        <a:rPr lang="en-GB" sz="1400" b="1" i="0" u="sng" strike="noStrike" dirty="0">
+                          <a:solidFill>
+                            <a:srgbClr val="000000"/>
+                          </a:solidFill>
+                          <a:effectLst/>
+                          <a:latin typeface="Calibri" panose="020F0502020204030204" pitchFamily="34" charset="0"/>
+                        </a:rPr>
+                        <a:t>COUNT</a:t>
+                      </a:r>
+                    </a:p>
+                  </a:txBody>
+                  <a:tcPr marL="9525" marR="9525" marT="9525" marB="0" anchor="b">
+                    <a:lnL>
+                      <a:noFill/>
+                    </a:lnL>
+                    <a:lnR>
+                      <a:noFill/>
+                    </a:lnR>
+                    <a:lnT>
+                      <a:noFill/>
+                    </a:lnT>
+                    <a:lnB>
+                      <a:noFill/>
+                    </a:lnB>
+                  </a:tcPr>
+                </a:tc>
+                <a:extLst>
+                  <a:ext uri="{0D108BD9-81ED-4DB2-BD59-A6C34878D82A}">
+                    <a16:rowId xmlns:a16="http://schemas.microsoft.com/office/drawing/2014/main" val="3219951740"/>
+                  </a:ext>
+                </a:extLst>
+              </a:tr>
+              <a:tr h="202197">
+                <a:tc>
+                  <a:txBody>
+                    <a:bodyPr/>
+                    <a:lstStyle/>
+                    <a:p>
+                      <a:pPr algn="r" fontAlgn="b"/>
+                      <a:r>
+                        <a:rPr lang="en-GB" sz="1400" b="1" i="0" u="none" strike="noStrike" dirty="0">
+                          <a:solidFill>
+                            <a:srgbClr val="000000"/>
+                          </a:solidFill>
+                          <a:effectLst/>
+                          <a:latin typeface="Calibri" panose="020F0502020204030204" pitchFamily="34" charset="0"/>
+                        </a:rPr>
+                        <a:t>100</a:t>
+                      </a:r>
+                    </a:p>
+                  </a:txBody>
+                  <a:tcPr marL="9525" marR="9525" marT="9525" marB="0" anchor="b">
+                    <a:lnL>
+                      <a:noFill/>
+                    </a:lnL>
+                    <a:lnR>
+                      <a:noFill/>
+                    </a:lnR>
+                    <a:lnT>
+                      <a:noFill/>
+                    </a:lnT>
+                    <a:lnB>
+                      <a:noFill/>
+                    </a:lnB>
+                  </a:tcPr>
+                </a:tc>
+                <a:tc>
+                  <a:txBody>
+                    <a:bodyPr/>
+                    <a:lstStyle/>
+                    <a:p>
+                      <a:pPr algn="r" fontAlgn="b"/>
+                      <a:r>
+                        <a:rPr lang="en-GB" sz="1400" b="1" i="0" u="none" strike="noStrike" dirty="0">
+                          <a:solidFill>
+                            <a:srgbClr val="000000"/>
+                          </a:solidFill>
+                          <a:effectLst/>
+                          <a:latin typeface="Calibri" panose="020F0502020204030204" pitchFamily="34" charset="0"/>
+                        </a:rPr>
+                        <a:t>317</a:t>
+                      </a:r>
+                    </a:p>
+                  </a:txBody>
+                  <a:tcPr marL="9525" marR="9525" marT="9525" marB="0" anchor="b">
+                    <a:lnL>
+                      <a:noFill/>
+                    </a:lnL>
+                    <a:lnR>
+                      <a:noFill/>
+                    </a:lnR>
+                    <a:lnT>
+                      <a:noFill/>
+                    </a:lnT>
+                    <a:lnB>
+                      <a:noFill/>
+                    </a:lnB>
+                  </a:tcPr>
+                </a:tc>
+                <a:extLst>
+                  <a:ext uri="{0D108BD9-81ED-4DB2-BD59-A6C34878D82A}">
+                    <a16:rowId xmlns:a16="http://schemas.microsoft.com/office/drawing/2014/main" val="2235256191"/>
+                  </a:ext>
+                </a:extLst>
+              </a:tr>
+              <a:tr h="202197">
+                <a:tc>
+                  <a:txBody>
+                    <a:bodyPr/>
+                    <a:lstStyle/>
+                    <a:p>
+                      <a:pPr algn="r" fontAlgn="b"/>
+                      <a:r>
+                        <a:rPr lang="en-GB" sz="1400" b="1" i="0" u="none" strike="noStrike">
+                          <a:solidFill>
+                            <a:srgbClr val="000000"/>
+                          </a:solidFill>
+                          <a:effectLst/>
+                          <a:latin typeface="Calibri" panose="020F0502020204030204" pitchFamily="34" charset="0"/>
+                        </a:rPr>
+                        <a:t>89</a:t>
+                      </a:r>
+                    </a:p>
+                  </a:txBody>
+                  <a:tcPr marL="9525" marR="9525" marT="9525" marB="0" anchor="b">
+                    <a:lnL>
+                      <a:noFill/>
+                    </a:lnL>
+                    <a:lnR>
+                      <a:noFill/>
+                    </a:lnR>
+                    <a:lnT>
+                      <a:noFill/>
+                    </a:lnT>
+                    <a:lnB>
+                      <a:noFill/>
+                    </a:lnB>
+                  </a:tcPr>
+                </a:tc>
+                <a:tc>
+                  <a:txBody>
+                    <a:bodyPr/>
+                    <a:lstStyle/>
+                    <a:p>
+                      <a:pPr algn="r" fontAlgn="b"/>
+                      <a:r>
+                        <a:rPr lang="en-GB" sz="1400" b="1" i="0" u="none" strike="noStrike" dirty="0">
+                          <a:solidFill>
+                            <a:srgbClr val="000000"/>
+                          </a:solidFill>
+                          <a:effectLst/>
+                          <a:latin typeface="Calibri" panose="020F0502020204030204" pitchFamily="34" charset="0"/>
+                        </a:rPr>
+                        <a:t>143</a:t>
+                      </a:r>
+                    </a:p>
+                  </a:txBody>
+                  <a:tcPr marL="9525" marR="9525" marT="9525" marB="0" anchor="b">
+                    <a:lnL>
+                      <a:noFill/>
+                    </a:lnL>
+                    <a:lnR>
+                      <a:noFill/>
+                    </a:lnR>
+                    <a:lnT>
+                      <a:noFill/>
+                    </a:lnT>
+                    <a:lnB>
+                      <a:noFill/>
+                    </a:lnB>
+                  </a:tcPr>
+                </a:tc>
+                <a:extLst>
+                  <a:ext uri="{0D108BD9-81ED-4DB2-BD59-A6C34878D82A}">
+                    <a16:rowId xmlns:a16="http://schemas.microsoft.com/office/drawing/2014/main" val="3301065826"/>
+                  </a:ext>
+                </a:extLst>
+              </a:tr>
+              <a:tr h="202197">
+                <a:tc>
+                  <a:txBody>
+                    <a:bodyPr/>
+                    <a:lstStyle/>
+                    <a:p>
+                      <a:pPr algn="r" fontAlgn="b"/>
+                      <a:r>
+                        <a:rPr lang="en-GB" sz="1400" b="1" i="0" u="none" strike="noStrike">
+                          <a:solidFill>
+                            <a:srgbClr val="000000"/>
+                          </a:solidFill>
+                          <a:effectLst/>
+                          <a:latin typeface="Calibri" panose="020F0502020204030204" pitchFamily="34" charset="0"/>
+                        </a:rPr>
+                        <a:t>30</a:t>
+                      </a:r>
+                    </a:p>
+                  </a:txBody>
+                  <a:tcPr marL="9525" marR="9525" marT="9525" marB="0" anchor="b">
+                    <a:lnL>
+                      <a:noFill/>
+                    </a:lnL>
+                    <a:lnR>
+                      <a:noFill/>
+                    </a:lnR>
+                    <a:lnT>
+                      <a:noFill/>
+                    </a:lnT>
+                    <a:lnB>
+                      <a:noFill/>
+                    </a:lnB>
+                  </a:tcPr>
+                </a:tc>
+                <a:tc>
+                  <a:txBody>
+                    <a:bodyPr/>
+                    <a:lstStyle/>
+                    <a:p>
+                      <a:pPr algn="r" fontAlgn="b"/>
+                      <a:r>
+                        <a:rPr lang="en-GB" sz="1400" b="1" i="0" u="none" strike="noStrike" dirty="0">
+                          <a:solidFill>
+                            <a:srgbClr val="000000"/>
+                          </a:solidFill>
+                          <a:effectLst/>
+                          <a:latin typeface="Calibri" panose="020F0502020204030204" pitchFamily="34" charset="0"/>
+                        </a:rPr>
+                        <a:t>139</a:t>
+                      </a:r>
+                    </a:p>
+                  </a:txBody>
+                  <a:tcPr marL="9525" marR="9525" marT="9525" marB="0" anchor="b">
+                    <a:lnL>
+                      <a:noFill/>
+                    </a:lnL>
+                    <a:lnR>
+                      <a:noFill/>
+                    </a:lnR>
+                    <a:lnT>
+                      <a:noFill/>
+                    </a:lnT>
+                    <a:lnB>
+                      <a:noFill/>
+                    </a:lnB>
+                  </a:tcPr>
+                </a:tc>
+                <a:extLst>
+                  <a:ext uri="{0D108BD9-81ED-4DB2-BD59-A6C34878D82A}">
+                    <a16:rowId xmlns:a16="http://schemas.microsoft.com/office/drawing/2014/main" val="3529016627"/>
+                  </a:ext>
+                </a:extLst>
+              </a:tr>
+              <a:tr h="202197">
+                <a:tc>
+                  <a:txBody>
+                    <a:bodyPr/>
+                    <a:lstStyle/>
+                    <a:p>
+                      <a:pPr algn="r" fontAlgn="b"/>
+                      <a:r>
+                        <a:rPr lang="en-GB" sz="1400" b="1" i="0" u="none" strike="noStrike">
+                          <a:solidFill>
+                            <a:srgbClr val="000000"/>
+                          </a:solidFill>
+                          <a:effectLst/>
+                          <a:latin typeface="Calibri" panose="020F0502020204030204" pitchFamily="34" charset="0"/>
+                        </a:rPr>
+                        <a:t>69</a:t>
+                      </a:r>
+                    </a:p>
+                  </a:txBody>
+                  <a:tcPr marL="9525" marR="9525" marT="9525" marB="0" anchor="b">
+                    <a:lnL>
+                      <a:noFill/>
+                    </a:lnL>
+                    <a:lnR>
+                      <a:noFill/>
+                    </a:lnR>
+                    <a:lnT>
+                      <a:noFill/>
+                    </a:lnT>
+                    <a:lnB>
+                      <a:noFill/>
+                    </a:lnB>
+                  </a:tcPr>
+                </a:tc>
+                <a:tc>
+                  <a:txBody>
+                    <a:bodyPr/>
+                    <a:lstStyle/>
+                    <a:p>
+                      <a:pPr algn="r" fontAlgn="b"/>
+                      <a:r>
+                        <a:rPr lang="en-GB" sz="1400" b="1" i="0" u="none" strike="noStrike" dirty="0">
+                          <a:solidFill>
+                            <a:srgbClr val="000000"/>
+                          </a:solidFill>
+                          <a:effectLst/>
+                          <a:latin typeface="Calibri" panose="020F0502020204030204" pitchFamily="34" charset="0"/>
+                        </a:rPr>
+                        <a:t>130</a:t>
+                      </a:r>
+                    </a:p>
+                  </a:txBody>
+                  <a:tcPr marL="9525" marR="9525" marT="9525" marB="0" anchor="b">
+                    <a:lnL>
+                      <a:noFill/>
+                    </a:lnL>
+                    <a:lnR>
+                      <a:noFill/>
+                    </a:lnR>
+                    <a:lnT>
+                      <a:noFill/>
+                    </a:lnT>
+                    <a:lnB>
+                      <a:noFill/>
+                    </a:lnB>
+                  </a:tcPr>
+                </a:tc>
+                <a:extLst>
+                  <a:ext uri="{0D108BD9-81ED-4DB2-BD59-A6C34878D82A}">
+                    <a16:rowId xmlns:a16="http://schemas.microsoft.com/office/drawing/2014/main" val="1648210810"/>
+                  </a:ext>
+                </a:extLst>
+              </a:tr>
+              <a:tr h="202197">
+                <a:tc>
+                  <a:txBody>
+                    <a:bodyPr/>
+                    <a:lstStyle/>
+                    <a:p>
+                      <a:pPr algn="r" fontAlgn="b"/>
+                      <a:r>
+                        <a:rPr lang="en-GB" sz="1400" b="1" i="0" u="none" strike="noStrike">
+                          <a:solidFill>
+                            <a:srgbClr val="000000"/>
+                          </a:solidFill>
+                          <a:effectLst/>
+                          <a:latin typeface="Calibri" panose="020F0502020204030204" pitchFamily="34" charset="0"/>
+                        </a:rPr>
+                        <a:t>68</a:t>
+                      </a:r>
+                    </a:p>
+                  </a:txBody>
+                  <a:tcPr marL="9525" marR="9525" marT="9525" marB="0" anchor="b">
+                    <a:lnL>
+                      <a:noFill/>
+                    </a:lnL>
+                    <a:lnR>
+                      <a:noFill/>
+                    </a:lnR>
+                    <a:lnT>
+                      <a:noFill/>
+                    </a:lnT>
+                    <a:lnB>
+                      <a:noFill/>
+                    </a:lnB>
+                  </a:tcPr>
+                </a:tc>
+                <a:tc>
+                  <a:txBody>
+                    <a:bodyPr/>
+                    <a:lstStyle/>
+                    <a:p>
+                      <a:pPr algn="r" fontAlgn="b"/>
+                      <a:r>
+                        <a:rPr lang="en-GB" sz="1400" b="1" i="0" u="none" strike="noStrike" dirty="0">
+                          <a:solidFill>
+                            <a:srgbClr val="000000"/>
+                          </a:solidFill>
+                          <a:effectLst/>
+                          <a:latin typeface="Calibri" panose="020F0502020204030204" pitchFamily="34" charset="0"/>
+                        </a:rPr>
+                        <a:t>118</a:t>
+                      </a:r>
+                    </a:p>
+                  </a:txBody>
+                  <a:tcPr marL="9525" marR="9525" marT="9525" marB="0" anchor="b">
+                    <a:lnL>
+                      <a:noFill/>
+                    </a:lnL>
+                    <a:lnR>
+                      <a:noFill/>
+                    </a:lnR>
+                    <a:lnT>
+                      <a:noFill/>
+                    </a:lnT>
+                    <a:lnB>
+                      <a:noFill/>
+                    </a:lnB>
+                  </a:tcPr>
+                </a:tc>
+                <a:extLst>
+                  <a:ext uri="{0D108BD9-81ED-4DB2-BD59-A6C34878D82A}">
+                    <a16:rowId xmlns:a16="http://schemas.microsoft.com/office/drawing/2014/main" val="2245590149"/>
+                  </a:ext>
+                </a:extLst>
+              </a:tr>
+              <a:tr h="202197">
+                <a:tc>
+                  <a:txBody>
+                    <a:bodyPr/>
+                    <a:lstStyle/>
+                    <a:p>
+                      <a:pPr algn="r" fontAlgn="b"/>
+                      <a:r>
+                        <a:rPr lang="en-GB" sz="1400" b="1" i="0" u="none" strike="noStrike">
+                          <a:solidFill>
+                            <a:srgbClr val="000000"/>
+                          </a:solidFill>
+                          <a:effectLst/>
+                          <a:latin typeface="Calibri" panose="020F0502020204030204" pitchFamily="34" charset="0"/>
+                        </a:rPr>
+                        <a:t>70</a:t>
+                      </a:r>
+                    </a:p>
+                  </a:txBody>
+                  <a:tcPr marL="9525" marR="9525" marT="9525" marB="0" anchor="b">
+                    <a:lnL>
+                      <a:noFill/>
+                    </a:lnL>
+                    <a:lnR>
+                      <a:noFill/>
+                    </a:lnR>
+                    <a:lnT>
+                      <a:noFill/>
+                    </a:lnT>
+                    <a:lnB>
+                      <a:noFill/>
+                    </a:lnB>
+                  </a:tcPr>
+                </a:tc>
+                <a:tc>
+                  <a:txBody>
+                    <a:bodyPr/>
+                    <a:lstStyle/>
+                    <a:p>
+                      <a:pPr algn="r" fontAlgn="b"/>
+                      <a:r>
+                        <a:rPr lang="en-GB" sz="1400" b="1" i="0" u="none" strike="noStrike" dirty="0">
+                          <a:solidFill>
+                            <a:srgbClr val="000000"/>
+                          </a:solidFill>
+                          <a:effectLst/>
+                          <a:latin typeface="Calibri" panose="020F0502020204030204" pitchFamily="34" charset="0"/>
+                        </a:rPr>
+                        <a:t>115</a:t>
+                      </a:r>
+                    </a:p>
+                  </a:txBody>
+                  <a:tcPr marL="9525" marR="9525" marT="9525" marB="0" anchor="b">
+                    <a:lnL>
+                      <a:noFill/>
+                    </a:lnL>
+                    <a:lnR>
+                      <a:noFill/>
+                    </a:lnR>
+                    <a:lnT>
+                      <a:noFill/>
+                    </a:lnT>
+                    <a:lnB>
+                      <a:noFill/>
+                    </a:lnB>
+                  </a:tcPr>
+                </a:tc>
+                <a:extLst>
+                  <a:ext uri="{0D108BD9-81ED-4DB2-BD59-A6C34878D82A}">
+                    <a16:rowId xmlns:a16="http://schemas.microsoft.com/office/drawing/2014/main" val="612883762"/>
+                  </a:ext>
+                </a:extLst>
+              </a:tr>
+              <a:tr h="202197">
+                <a:tc>
+                  <a:txBody>
+                    <a:bodyPr/>
+                    <a:lstStyle/>
+                    <a:p>
+                      <a:pPr algn="r" fontAlgn="b"/>
+                      <a:r>
+                        <a:rPr lang="en-GB" sz="1400" b="1" i="0" u="none" strike="noStrike">
+                          <a:solidFill>
+                            <a:srgbClr val="000000"/>
+                          </a:solidFill>
+                          <a:effectLst/>
+                          <a:latin typeface="Calibri" panose="020F0502020204030204" pitchFamily="34" charset="0"/>
+                        </a:rPr>
+                        <a:t>28</a:t>
+                      </a:r>
+                    </a:p>
+                  </a:txBody>
+                  <a:tcPr marL="9525" marR="9525" marT="9525" marB="0" anchor="b">
+                    <a:lnL>
+                      <a:noFill/>
+                    </a:lnL>
+                    <a:lnR>
+                      <a:noFill/>
+                    </a:lnR>
+                    <a:lnT>
+                      <a:noFill/>
+                    </a:lnT>
+                    <a:lnB>
+                      <a:noFill/>
+                    </a:lnB>
+                  </a:tcPr>
+                </a:tc>
+                <a:tc>
+                  <a:txBody>
+                    <a:bodyPr/>
+                    <a:lstStyle/>
+                    <a:p>
+                      <a:pPr algn="r" fontAlgn="b"/>
+                      <a:r>
+                        <a:rPr lang="en-GB" sz="1400" b="1" i="0" u="none" strike="noStrike" dirty="0">
+                          <a:solidFill>
+                            <a:srgbClr val="000000"/>
+                          </a:solidFill>
+                          <a:effectLst/>
+                          <a:latin typeface="Calibri" panose="020F0502020204030204" pitchFamily="34" charset="0"/>
+                        </a:rPr>
+                        <a:t>105</a:t>
+                      </a:r>
+                    </a:p>
+                  </a:txBody>
+                  <a:tcPr marL="9525" marR="9525" marT="9525" marB="0" anchor="b">
+                    <a:lnL>
+                      <a:noFill/>
+                    </a:lnL>
+                    <a:lnR>
+                      <a:noFill/>
+                    </a:lnR>
+                    <a:lnT>
+                      <a:noFill/>
+                    </a:lnT>
+                    <a:lnB>
+                      <a:noFill/>
+                    </a:lnB>
+                  </a:tcPr>
+                </a:tc>
+                <a:extLst>
+                  <a:ext uri="{0D108BD9-81ED-4DB2-BD59-A6C34878D82A}">
+                    <a16:rowId xmlns:a16="http://schemas.microsoft.com/office/drawing/2014/main" val="2185001170"/>
+                  </a:ext>
+                </a:extLst>
+              </a:tr>
+              <a:tr h="202197">
+                <a:tc>
+                  <a:txBody>
+                    <a:bodyPr/>
+                    <a:lstStyle/>
+                    <a:p>
+                      <a:pPr algn="r" fontAlgn="b"/>
+                      <a:r>
+                        <a:rPr lang="en-GB" sz="1400" b="1" i="0" u="none" strike="noStrike">
+                          <a:solidFill>
+                            <a:srgbClr val="000000"/>
+                          </a:solidFill>
+                          <a:effectLst/>
+                          <a:latin typeface="Calibri" panose="020F0502020204030204" pitchFamily="34" charset="0"/>
+                        </a:rPr>
+                        <a:t>86</a:t>
+                      </a:r>
+                    </a:p>
+                  </a:txBody>
+                  <a:tcPr marL="9525" marR="9525" marT="9525" marB="0" anchor="b">
+                    <a:lnL>
+                      <a:noFill/>
+                    </a:lnL>
+                    <a:lnR>
+                      <a:noFill/>
+                    </a:lnR>
+                    <a:lnT>
+                      <a:noFill/>
+                    </a:lnT>
+                    <a:lnB>
+                      <a:noFill/>
+                    </a:lnB>
+                  </a:tcPr>
+                </a:tc>
+                <a:tc>
+                  <a:txBody>
+                    <a:bodyPr/>
+                    <a:lstStyle/>
+                    <a:p>
+                      <a:pPr algn="r" fontAlgn="b"/>
+                      <a:r>
+                        <a:rPr lang="en-GB" sz="1400" b="1" i="0" u="none" strike="noStrike" dirty="0">
+                          <a:solidFill>
+                            <a:srgbClr val="000000"/>
+                          </a:solidFill>
+                          <a:effectLst/>
+                          <a:latin typeface="Calibri" panose="020F0502020204030204" pitchFamily="34" charset="0"/>
+                        </a:rPr>
+                        <a:t>103</a:t>
+                      </a:r>
+                    </a:p>
+                  </a:txBody>
+                  <a:tcPr marL="9525" marR="9525" marT="9525" marB="0" anchor="b">
+                    <a:lnL>
+                      <a:noFill/>
+                    </a:lnL>
+                    <a:lnR>
+                      <a:noFill/>
+                    </a:lnR>
+                    <a:lnT>
+                      <a:noFill/>
+                    </a:lnT>
+                    <a:lnB>
+                      <a:noFill/>
+                    </a:lnB>
+                  </a:tcPr>
+                </a:tc>
+                <a:extLst>
+                  <a:ext uri="{0D108BD9-81ED-4DB2-BD59-A6C34878D82A}">
+                    <a16:rowId xmlns:a16="http://schemas.microsoft.com/office/drawing/2014/main" val="2357316530"/>
+                  </a:ext>
+                </a:extLst>
+              </a:tr>
+              <a:tr h="202197">
+                <a:tc>
+                  <a:txBody>
+                    <a:bodyPr/>
+                    <a:lstStyle/>
+                    <a:p>
+                      <a:pPr algn="r" fontAlgn="b"/>
+                      <a:r>
+                        <a:rPr lang="en-GB" sz="1400" b="1" i="0" u="none" strike="noStrike">
+                          <a:solidFill>
+                            <a:srgbClr val="000000"/>
+                          </a:solidFill>
+                          <a:effectLst/>
+                          <a:latin typeface="Calibri" panose="020F0502020204030204" pitchFamily="34" charset="0"/>
+                        </a:rPr>
+                        <a:t>80</a:t>
+                      </a:r>
+                    </a:p>
+                  </a:txBody>
+                  <a:tcPr marL="9525" marR="9525" marT="9525" marB="0" anchor="b">
+                    <a:lnL>
+                      <a:noFill/>
+                    </a:lnL>
+                    <a:lnR>
+                      <a:noFill/>
+                    </a:lnR>
+                    <a:lnT>
+                      <a:noFill/>
+                    </a:lnT>
+                    <a:lnB>
+                      <a:noFill/>
+                    </a:lnB>
+                  </a:tcPr>
+                </a:tc>
+                <a:tc>
+                  <a:txBody>
+                    <a:bodyPr/>
+                    <a:lstStyle/>
+                    <a:p>
+                      <a:pPr algn="r" fontAlgn="b"/>
+                      <a:r>
+                        <a:rPr lang="en-GB" sz="1400" b="1" i="0" u="none" strike="noStrike" dirty="0">
+                          <a:solidFill>
+                            <a:srgbClr val="000000"/>
+                          </a:solidFill>
+                          <a:effectLst/>
+                          <a:latin typeface="Calibri" panose="020F0502020204030204" pitchFamily="34" charset="0"/>
+                        </a:rPr>
+                        <a:t>100</a:t>
+                      </a:r>
+                    </a:p>
+                  </a:txBody>
+                  <a:tcPr marL="9525" marR="9525" marT="9525" marB="0" anchor="b">
+                    <a:lnL>
+                      <a:noFill/>
+                    </a:lnL>
+                    <a:lnR>
+                      <a:noFill/>
+                    </a:lnR>
+                    <a:lnT>
+                      <a:noFill/>
+                    </a:lnT>
+                    <a:lnB>
+                      <a:noFill/>
+                    </a:lnB>
+                  </a:tcPr>
+                </a:tc>
+                <a:extLst>
+                  <a:ext uri="{0D108BD9-81ED-4DB2-BD59-A6C34878D82A}">
+                    <a16:rowId xmlns:a16="http://schemas.microsoft.com/office/drawing/2014/main" val="935639453"/>
+                  </a:ext>
+                </a:extLst>
+              </a:tr>
+              <a:tr h="202197">
+                <a:tc>
+                  <a:txBody>
+                    <a:bodyPr/>
+                    <a:lstStyle/>
+                    <a:p>
+                      <a:pPr algn="r" fontAlgn="b"/>
+                      <a:r>
+                        <a:rPr lang="en-GB" sz="1400" b="1" i="0" u="none" strike="noStrike">
+                          <a:solidFill>
+                            <a:srgbClr val="000000"/>
+                          </a:solidFill>
+                          <a:effectLst/>
+                          <a:latin typeface="Calibri" panose="020F0502020204030204" pitchFamily="34" charset="0"/>
+                        </a:rPr>
+                        <a:t>20</a:t>
+                      </a:r>
+                    </a:p>
+                  </a:txBody>
+                  <a:tcPr marL="9525" marR="9525" marT="9525" marB="0" anchor="b">
+                    <a:lnL>
+                      <a:noFill/>
+                    </a:lnL>
+                    <a:lnR>
+                      <a:noFill/>
+                    </a:lnR>
+                    <a:lnT>
+                      <a:noFill/>
+                    </a:lnT>
+                    <a:lnB>
+                      <a:noFill/>
+                    </a:lnB>
+                  </a:tcPr>
+                </a:tc>
+                <a:tc>
+                  <a:txBody>
+                    <a:bodyPr/>
+                    <a:lstStyle/>
+                    <a:p>
+                      <a:pPr algn="r" fontAlgn="b"/>
+                      <a:r>
+                        <a:rPr lang="en-GB" sz="1400" b="1" i="0" u="none" strike="noStrike" dirty="0">
+                          <a:solidFill>
+                            <a:srgbClr val="000000"/>
+                          </a:solidFill>
+                          <a:effectLst/>
+                          <a:latin typeface="Calibri" panose="020F0502020204030204" pitchFamily="34" charset="0"/>
+                        </a:rPr>
+                        <a:t>99</a:t>
+                      </a:r>
+                    </a:p>
+                  </a:txBody>
+                  <a:tcPr marL="9525" marR="9525" marT="9525" marB="0" anchor="b">
+                    <a:lnL>
+                      <a:noFill/>
+                    </a:lnL>
+                    <a:lnR>
+                      <a:noFill/>
+                    </a:lnR>
+                    <a:lnT>
+                      <a:noFill/>
+                    </a:lnT>
+                    <a:lnB>
+                      <a:noFill/>
+                    </a:lnB>
+                  </a:tcPr>
+                </a:tc>
+                <a:extLst>
+                  <a:ext uri="{0D108BD9-81ED-4DB2-BD59-A6C34878D82A}">
+                    <a16:rowId xmlns:a16="http://schemas.microsoft.com/office/drawing/2014/main" val="2713335753"/>
+                  </a:ext>
+                </a:extLst>
+              </a:tr>
+              <a:tr h="202197">
+                <a:tc>
+                  <a:txBody>
+                    <a:bodyPr/>
+                    <a:lstStyle/>
+                    <a:p>
+                      <a:pPr algn="r" fontAlgn="b"/>
+                      <a:r>
+                        <a:rPr lang="en-GB" sz="1400" b="1" i="0" u="none" strike="noStrike">
+                          <a:solidFill>
+                            <a:srgbClr val="000000"/>
+                          </a:solidFill>
+                          <a:effectLst/>
+                          <a:latin typeface="Calibri" panose="020F0502020204030204" pitchFamily="34" charset="0"/>
+                        </a:rPr>
+                        <a:t>50</a:t>
+                      </a:r>
+                    </a:p>
+                  </a:txBody>
+                  <a:tcPr marL="9525" marR="9525" marT="9525" marB="0" anchor="b">
+                    <a:lnL>
+                      <a:noFill/>
+                    </a:lnL>
+                    <a:lnR>
+                      <a:noFill/>
+                    </a:lnR>
+                    <a:lnT>
+                      <a:noFill/>
+                    </a:lnT>
+                    <a:lnB>
+                      <a:noFill/>
+                    </a:lnB>
+                  </a:tcPr>
+                </a:tc>
+                <a:tc>
+                  <a:txBody>
+                    <a:bodyPr/>
+                    <a:lstStyle/>
+                    <a:p>
+                      <a:pPr algn="r" fontAlgn="b"/>
+                      <a:r>
+                        <a:rPr lang="en-GB" sz="1400" b="1" i="0" u="none" strike="noStrike" dirty="0">
+                          <a:solidFill>
+                            <a:srgbClr val="000000"/>
+                          </a:solidFill>
+                          <a:effectLst/>
+                          <a:latin typeface="Calibri" panose="020F0502020204030204" pitchFamily="34" charset="0"/>
+                        </a:rPr>
+                        <a:t>99</a:t>
+                      </a:r>
+                    </a:p>
+                  </a:txBody>
+                  <a:tcPr marL="9525" marR="9525" marT="9525" marB="0" anchor="b">
+                    <a:lnL>
+                      <a:noFill/>
+                    </a:lnL>
+                    <a:lnR>
+                      <a:noFill/>
+                    </a:lnR>
+                    <a:lnT>
+                      <a:noFill/>
+                    </a:lnT>
+                    <a:lnB>
+                      <a:noFill/>
+                    </a:lnB>
+                  </a:tcPr>
+                </a:tc>
+                <a:extLst>
+                  <a:ext uri="{0D108BD9-81ED-4DB2-BD59-A6C34878D82A}">
+                    <a16:rowId xmlns:a16="http://schemas.microsoft.com/office/drawing/2014/main" val="4162638026"/>
+                  </a:ext>
+                </a:extLst>
+              </a:tr>
+              <a:tr h="202197">
+                <a:tc>
+                  <a:txBody>
+                    <a:bodyPr/>
+                    <a:lstStyle/>
+                    <a:p>
+                      <a:pPr algn="r" fontAlgn="b"/>
+                      <a:r>
+                        <a:rPr lang="en-GB" sz="1400" b="1" i="0" u="none" strike="noStrike">
+                          <a:solidFill>
+                            <a:srgbClr val="000000"/>
+                          </a:solidFill>
+                          <a:effectLst/>
+                          <a:latin typeface="Calibri" panose="020F0502020204030204" pitchFamily="34" charset="0"/>
+                        </a:rPr>
+                        <a:t>87</a:t>
+                      </a:r>
+                    </a:p>
+                  </a:txBody>
+                  <a:tcPr marL="9525" marR="9525" marT="9525" marB="0" anchor="b">
+                    <a:lnL>
+                      <a:noFill/>
+                    </a:lnL>
+                    <a:lnR>
+                      <a:noFill/>
+                    </a:lnR>
+                    <a:lnT>
+                      <a:noFill/>
+                    </a:lnT>
+                    <a:lnB>
+                      <a:noFill/>
+                    </a:lnB>
+                  </a:tcPr>
+                </a:tc>
+                <a:tc>
+                  <a:txBody>
+                    <a:bodyPr/>
+                    <a:lstStyle/>
+                    <a:p>
+                      <a:pPr algn="r" fontAlgn="b"/>
+                      <a:r>
+                        <a:rPr lang="en-GB" sz="1400" b="1" i="0" u="none" strike="noStrike" dirty="0">
+                          <a:solidFill>
+                            <a:srgbClr val="000000"/>
+                          </a:solidFill>
+                          <a:effectLst/>
+                          <a:latin typeface="Calibri" panose="020F0502020204030204" pitchFamily="34" charset="0"/>
+                        </a:rPr>
+                        <a:t>99</a:t>
+                      </a:r>
+                    </a:p>
+                  </a:txBody>
+                  <a:tcPr marL="9525" marR="9525" marT="9525" marB="0" anchor="b">
+                    <a:lnL>
+                      <a:noFill/>
+                    </a:lnL>
+                    <a:lnR>
+                      <a:noFill/>
+                    </a:lnR>
+                    <a:lnT>
+                      <a:noFill/>
+                    </a:lnT>
+                    <a:lnB>
+                      <a:noFill/>
+                    </a:lnB>
+                  </a:tcPr>
+                </a:tc>
+                <a:extLst>
+                  <a:ext uri="{0D108BD9-81ED-4DB2-BD59-A6C34878D82A}">
+                    <a16:rowId xmlns:a16="http://schemas.microsoft.com/office/drawing/2014/main" val="3815947573"/>
+                  </a:ext>
+                </a:extLst>
+              </a:tr>
+              <a:tr h="202197">
+                <a:tc>
+                  <a:txBody>
+                    <a:bodyPr/>
+                    <a:lstStyle/>
+                    <a:p>
+                      <a:pPr algn="r" fontAlgn="b"/>
+                      <a:r>
+                        <a:rPr lang="en-GB" sz="1400" b="1" i="0" u="none" strike="noStrike">
+                          <a:solidFill>
+                            <a:srgbClr val="000000"/>
+                          </a:solidFill>
+                          <a:effectLst/>
+                          <a:latin typeface="Calibri" panose="020F0502020204030204" pitchFamily="34" charset="0"/>
+                        </a:rPr>
+                        <a:t>98</a:t>
+                      </a:r>
+                    </a:p>
+                  </a:txBody>
+                  <a:tcPr marL="9525" marR="9525" marT="9525" marB="0" anchor="b">
+                    <a:lnL>
+                      <a:noFill/>
+                    </a:lnL>
+                    <a:lnR>
+                      <a:noFill/>
+                    </a:lnR>
+                    <a:lnT>
+                      <a:noFill/>
+                    </a:lnT>
+                    <a:lnB>
+                      <a:noFill/>
+                    </a:lnB>
+                  </a:tcPr>
+                </a:tc>
+                <a:tc>
+                  <a:txBody>
+                    <a:bodyPr/>
+                    <a:lstStyle/>
+                    <a:p>
+                      <a:pPr algn="r" fontAlgn="b"/>
+                      <a:r>
+                        <a:rPr lang="en-GB" sz="1400" b="1" i="0" u="none" strike="noStrike" dirty="0">
+                          <a:solidFill>
+                            <a:srgbClr val="000000"/>
+                          </a:solidFill>
+                          <a:effectLst/>
+                          <a:latin typeface="Calibri" panose="020F0502020204030204" pitchFamily="34" charset="0"/>
+                        </a:rPr>
+                        <a:t>97</a:t>
+                      </a:r>
+                    </a:p>
+                  </a:txBody>
+                  <a:tcPr marL="9525" marR="9525" marT="9525" marB="0" anchor="b">
+                    <a:lnL>
+                      <a:noFill/>
+                    </a:lnL>
+                    <a:lnR>
+                      <a:noFill/>
+                    </a:lnR>
+                    <a:lnT>
+                      <a:noFill/>
+                    </a:lnT>
+                    <a:lnB>
+                      <a:noFill/>
+                    </a:lnB>
+                  </a:tcPr>
+                </a:tc>
+                <a:extLst>
+                  <a:ext uri="{0D108BD9-81ED-4DB2-BD59-A6C34878D82A}">
+                    <a16:rowId xmlns:a16="http://schemas.microsoft.com/office/drawing/2014/main" val="3703003700"/>
+                  </a:ext>
+                </a:extLst>
+              </a:tr>
+              <a:tr h="202197">
+                <a:tc>
+                  <a:txBody>
+                    <a:bodyPr/>
+                    <a:lstStyle/>
+                    <a:p>
+                      <a:pPr algn="r" fontAlgn="b"/>
+                      <a:r>
+                        <a:rPr lang="en-GB" sz="1400" b="1" i="0" u="none" strike="noStrike">
+                          <a:solidFill>
+                            <a:srgbClr val="000000"/>
+                          </a:solidFill>
+                          <a:effectLst/>
+                          <a:latin typeface="Calibri" panose="020F0502020204030204" pitchFamily="34" charset="0"/>
+                        </a:rPr>
+                        <a:t>47</a:t>
+                      </a:r>
+                    </a:p>
+                  </a:txBody>
+                  <a:tcPr marL="9525" marR="9525" marT="9525" marB="0" anchor="b">
+                    <a:lnL>
+                      <a:noFill/>
+                    </a:lnL>
+                    <a:lnR>
+                      <a:noFill/>
+                    </a:lnR>
+                    <a:lnT>
+                      <a:noFill/>
+                    </a:lnT>
+                    <a:lnB>
+                      <a:noFill/>
+                    </a:lnB>
+                  </a:tcPr>
+                </a:tc>
+                <a:tc>
+                  <a:txBody>
+                    <a:bodyPr/>
+                    <a:lstStyle/>
+                    <a:p>
+                      <a:pPr algn="r" fontAlgn="b"/>
+                      <a:r>
+                        <a:rPr lang="en-GB" sz="1400" b="1" i="0" u="none" strike="noStrike" dirty="0">
+                          <a:solidFill>
+                            <a:srgbClr val="000000"/>
+                          </a:solidFill>
+                          <a:effectLst/>
+                          <a:latin typeface="Calibri" panose="020F0502020204030204" pitchFamily="34" charset="0"/>
+                        </a:rPr>
+                        <a:t>96</a:t>
+                      </a:r>
+                    </a:p>
+                  </a:txBody>
+                  <a:tcPr marL="9525" marR="9525" marT="9525" marB="0" anchor="b">
+                    <a:lnL>
+                      <a:noFill/>
+                    </a:lnL>
+                    <a:lnR>
+                      <a:noFill/>
+                    </a:lnR>
+                    <a:lnT>
+                      <a:noFill/>
+                    </a:lnT>
+                    <a:lnB>
+                      <a:noFill/>
+                    </a:lnB>
+                  </a:tcPr>
+                </a:tc>
+                <a:extLst>
+                  <a:ext uri="{0D108BD9-81ED-4DB2-BD59-A6C34878D82A}">
+                    <a16:rowId xmlns:a16="http://schemas.microsoft.com/office/drawing/2014/main" val="1187999618"/>
+                  </a:ext>
+                </a:extLst>
+              </a:tr>
+              <a:tr h="202197">
+                <a:tc>
+                  <a:txBody>
+                    <a:bodyPr/>
+                    <a:lstStyle/>
+                    <a:p>
+                      <a:pPr algn="r" fontAlgn="b"/>
+                      <a:r>
+                        <a:rPr lang="en-GB" sz="1400" b="1" i="0" u="none" strike="noStrike">
+                          <a:solidFill>
+                            <a:srgbClr val="000000"/>
+                          </a:solidFill>
+                          <a:effectLst/>
+                          <a:latin typeface="Calibri" panose="020F0502020204030204" pitchFamily="34" charset="0"/>
+                        </a:rPr>
+                        <a:t>40</a:t>
+                      </a:r>
+                    </a:p>
+                  </a:txBody>
+                  <a:tcPr marL="9525" marR="9525" marT="9525" marB="0" anchor="b">
+                    <a:lnL>
+                      <a:noFill/>
+                    </a:lnL>
+                    <a:lnR>
+                      <a:noFill/>
+                    </a:lnR>
+                    <a:lnT>
+                      <a:noFill/>
+                    </a:lnT>
+                    <a:lnB>
+                      <a:noFill/>
+                    </a:lnB>
+                  </a:tcPr>
+                </a:tc>
+                <a:tc>
+                  <a:txBody>
+                    <a:bodyPr/>
+                    <a:lstStyle/>
+                    <a:p>
+                      <a:pPr algn="r" fontAlgn="b"/>
+                      <a:r>
+                        <a:rPr lang="en-GB" sz="1400" b="1" i="0" u="none" strike="noStrike" dirty="0">
+                          <a:solidFill>
+                            <a:srgbClr val="000000"/>
+                          </a:solidFill>
+                          <a:effectLst/>
+                          <a:latin typeface="Calibri" panose="020F0502020204030204" pitchFamily="34" charset="0"/>
+                        </a:rPr>
+                        <a:t>95</a:t>
+                      </a:r>
+                    </a:p>
+                  </a:txBody>
+                  <a:tcPr marL="9525" marR="9525" marT="9525" marB="0" anchor="b">
+                    <a:lnL>
+                      <a:noFill/>
+                    </a:lnL>
+                    <a:lnR>
+                      <a:noFill/>
+                    </a:lnR>
+                    <a:lnT>
+                      <a:noFill/>
+                    </a:lnT>
+                    <a:lnB>
+                      <a:noFill/>
+                    </a:lnB>
+                  </a:tcPr>
+                </a:tc>
+                <a:extLst>
+                  <a:ext uri="{0D108BD9-81ED-4DB2-BD59-A6C34878D82A}">
+                    <a16:rowId xmlns:a16="http://schemas.microsoft.com/office/drawing/2014/main" val="1153666219"/>
+                  </a:ext>
+                </a:extLst>
+              </a:tr>
+              <a:tr h="202197">
+                <a:tc>
+                  <a:txBody>
+                    <a:bodyPr/>
+                    <a:lstStyle/>
+                    <a:p>
+                      <a:pPr algn="r" fontAlgn="b"/>
+                      <a:r>
+                        <a:rPr lang="en-GB" sz="1400" b="1" i="0" u="none" strike="noStrike">
+                          <a:solidFill>
+                            <a:srgbClr val="000000"/>
+                          </a:solidFill>
+                          <a:effectLst/>
+                          <a:latin typeface="Calibri" panose="020F0502020204030204" pitchFamily="34" charset="0"/>
+                        </a:rPr>
+                        <a:t>10</a:t>
+                      </a:r>
+                    </a:p>
+                  </a:txBody>
+                  <a:tcPr marL="9525" marR="9525" marT="9525" marB="0" anchor="b">
+                    <a:lnL>
+                      <a:noFill/>
+                    </a:lnL>
+                    <a:lnR>
+                      <a:noFill/>
+                    </a:lnR>
+                    <a:lnT>
+                      <a:noFill/>
+                    </a:lnT>
+                    <a:lnB>
+                      <a:noFill/>
+                    </a:lnB>
+                  </a:tcPr>
+                </a:tc>
+                <a:tc>
+                  <a:txBody>
+                    <a:bodyPr/>
+                    <a:lstStyle/>
+                    <a:p>
+                      <a:pPr algn="r" fontAlgn="b"/>
+                      <a:r>
+                        <a:rPr lang="en-GB" sz="1400" b="1" i="0" u="none" strike="noStrike" dirty="0">
+                          <a:solidFill>
+                            <a:srgbClr val="000000"/>
+                          </a:solidFill>
+                          <a:effectLst/>
+                          <a:latin typeface="Calibri" panose="020F0502020204030204" pitchFamily="34" charset="0"/>
+                        </a:rPr>
+                        <a:t>86</a:t>
+                      </a:r>
+                    </a:p>
+                  </a:txBody>
+                  <a:tcPr marL="9525" marR="9525" marT="9525" marB="0" anchor="b">
+                    <a:lnL>
+                      <a:noFill/>
+                    </a:lnL>
+                    <a:lnR>
+                      <a:noFill/>
+                    </a:lnR>
+                    <a:lnT>
+                      <a:noFill/>
+                    </a:lnT>
+                    <a:lnB>
+                      <a:noFill/>
+                    </a:lnB>
+                  </a:tcPr>
+                </a:tc>
+                <a:extLst>
+                  <a:ext uri="{0D108BD9-81ED-4DB2-BD59-A6C34878D82A}">
+                    <a16:rowId xmlns:a16="http://schemas.microsoft.com/office/drawing/2014/main" val="1303514413"/>
+                  </a:ext>
+                </a:extLst>
+              </a:tr>
+              <a:tr h="202197">
+                <a:tc>
+                  <a:txBody>
+                    <a:bodyPr/>
+                    <a:lstStyle/>
+                    <a:p>
+                      <a:pPr algn="r" fontAlgn="b"/>
+                      <a:r>
+                        <a:rPr lang="en-GB" sz="1400" b="1" i="0" u="none" strike="noStrike">
+                          <a:solidFill>
+                            <a:srgbClr val="000000"/>
+                          </a:solidFill>
+                          <a:effectLst/>
+                          <a:latin typeface="Calibri" panose="020F0502020204030204" pitchFamily="34" charset="0"/>
+                        </a:rPr>
+                        <a:t>79</a:t>
+                      </a:r>
+                    </a:p>
+                  </a:txBody>
+                  <a:tcPr marL="9525" marR="9525" marT="9525" marB="0" anchor="b">
+                    <a:lnL>
+                      <a:noFill/>
+                    </a:lnL>
+                    <a:lnR>
+                      <a:noFill/>
+                    </a:lnR>
+                    <a:lnT>
+                      <a:noFill/>
+                    </a:lnT>
+                    <a:lnB>
+                      <a:noFill/>
+                    </a:lnB>
+                  </a:tcPr>
+                </a:tc>
+                <a:tc>
+                  <a:txBody>
+                    <a:bodyPr/>
+                    <a:lstStyle/>
+                    <a:p>
+                      <a:pPr algn="r" fontAlgn="b"/>
+                      <a:r>
+                        <a:rPr lang="en-GB" sz="1400" b="1" i="0" u="none" strike="noStrike" dirty="0">
+                          <a:solidFill>
+                            <a:srgbClr val="000000"/>
+                          </a:solidFill>
+                          <a:effectLst/>
+                          <a:latin typeface="Calibri" panose="020F0502020204030204" pitchFamily="34" charset="0"/>
+                        </a:rPr>
+                        <a:t>85</a:t>
+                      </a:r>
+                    </a:p>
+                  </a:txBody>
+                  <a:tcPr marL="9525" marR="9525" marT="9525" marB="0" anchor="b">
+                    <a:lnL>
+                      <a:noFill/>
+                    </a:lnL>
+                    <a:lnR>
+                      <a:noFill/>
+                    </a:lnR>
+                    <a:lnT>
+                      <a:noFill/>
+                    </a:lnT>
+                    <a:lnB>
+                      <a:noFill/>
+                    </a:lnB>
+                  </a:tcPr>
+                </a:tc>
+                <a:extLst>
+                  <a:ext uri="{0D108BD9-81ED-4DB2-BD59-A6C34878D82A}">
+                    <a16:rowId xmlns:a16="http://schemas.microsoft.com/office/drawing/2014/main" val="1031917000"/>
+                  </a:ext>
+                </a:extLst>
+              </a:tr>
+              <a:tr h="202197">
+                <a:tc>
+                  <a:txBody>
+                    <a:bodyPr/>
+                    <a:lstStyle/>
+                    <a:p>
+                      <a:pPr algn="r" fontAlgn="b"/>
+                      <a:r>
+                        <a:rPr lang="en-GB" sz="1400" b="1" i="0" u="none" strike="noStrike">
+                          <a:solidFill>
+                            <a:srgbClr val="000000"/>
+                          </a:solidFill>
+                          <a:effectLst/>
+                          <a:latin typeface="Calibri" panose="020F0502020204030204" pitchFamily="34" charset="0"/>
+                        </a:rPr>
+                        <a:t>49</a:t>
+                      </a:r>
+                    </a:p>
+                  </a:txBody>
+                  <a:tcPr marL="9525" marR="9525" marT="9525" marB="0" anchor="b">
+                    <a:lnL>
+                      <a:noFill/>
+                    </a:lnL>
+                    <a:lnR>
+                      <a:noFill/>
+                    </a:lnR>
+                    <a:lnT>
+                      <a:noFill/>
+                    </a:lnT>
+                    <a:lnB>
+                      <a:noFill/>
+                    </a:lnB>
+                  </a:tcPr>
+                </a:tc>
+                <a:tc>
+                  <a:txBody>
+                    <a:bodyPr/>
+                    <a:lstStyle/>
+                    <a:p>
+                      <a:pPr algn="r" fontAlgn="b"/>
+                      <a:r>
+                        <a:rPr lang="en-GB" sz="1400" b="1" i="0" u="none" strike="noStrike" dirty="0">
+                          <a:solidFill>
+                            <a:srgbClr val="000000"/>
+                          </a:solidFill>
+                          <a:effectLst/>
+                          <a:latin typeface="Calibri" panose="020F0502020204030204" pitchFamily="34" charset="0"/>
+                        </a:rPr>
+                        <a:t>82</a:t>
+                      </a:r>
+                    </a:p>
+                  </a:txBody>
+                  <a:tcPr marL="9525" marR="9525" marT="9525" marB="0" anchor="b">
+                    <a:lnL>
+                      <a:noFill/>
+                    </a:lnL>
+                    <a:lnR>
+                      <a:noFill/>
+                    </a:lnR>
+                    <a:lnT>
+                      <a:noFill/>
+                    </a:lnT>
+                    <a:lnB>
+                      <a:noFill/>
+                    </a:lnB>
+                  </a:tcPr>
+                </a:tc>
+                <a:extLst>
+                  <a:ext uri="{0D108BD9-81ED-4DB2-BD59-A6C34878D82A}">
+                    <a16:rowId xmlns:a16="http://schemas.microsoft.com/office/drawing/2014/main" val="1359641544"/>
+                  </a:ext>
+                </a:extLst>
+              </a:tr>
+              <a:tr h="202197">
+                <a:tc>
+                  <a:txBody>
+                    <a:bodyPr/>
+                    <a:lstStyle/>
+                    <a:p>
+                      <a:pPr algn="r" fontAlgn="b"/>
+                      <a:r>
+                        <a:rPr lang="en-GB" sz="1400" b="1" i="0" u="none" strike="noStrike">
+                          <a:solidFill>
+                            <a:srgbClr val="000000"/>
+                          </a:solidFill>
+                          <a:effectLst/>
+                          <a:latin typeface="Calibri" panose="020F0502020204030204" pitchFamily="34" charset="0"/>
+                        </a:rPr>
+                        <a:t>9</a:t>
+                      </a:r>
+                    </a:p>
+                  </a:txBody>
+                  <a:tcPr marL="9525" marR="9525" marT="9525" marB="0" anchor="b">
+                    <a:lnL>
+                      <a:noFill/>
+                    </a:lnL>
+                    <a:lnR>
+                      <a:noFill/>
+                    </a:lnR>
+                    <a:lnT>
+                      <a:noFill/>
+                    </a:lnT>
+                    <a:lnB>
+                      <a:noFill/>
+                    </a:lnB>
+                  </a:tcPr>
+                </a:tc>
+                <a:tc>
+                  <a:txBody>
+                    <a:bodyPr/>
+                    <a:lstStyle/>
+                    <a:p>
+                      <a:pPr algn="r" fontAlgn="b"/>
+                      <a:r>
+                        <a:rPr lang="en-GB" sz="1400" b="1" i="0" u="none" strike="noStrike" dirty="0">
+                          <a:solidFill>
+                            <a:srgbClr val="000000"/>
+                          </a:solidFill>
+                          <a:effectLst/>
+                          <a:latin typeface="Calibri" panose="020F0502020204030204" pitchFamily="34" charset="0"/>
+                        </a:rPr>
+                        <a:t>81</a:t>
+                      </a:r>
+                    </a:p>
+                  </a:txBody>
+                  <a:tcPr marL="9525" marR="9525" marT="9525" marB="0" anchor="b">
+                    <a:lnL>
+                      <a:noFill/>
+                    </a:lnL>
+                    <a:lnR>
+                      <a:noFill/>
+                    </a:lnR>
+                    <a:lnT>
+                      <a:noFill/>
+                    </a:lnT>
+                    <a:lnB>
+                      <a:noFill/>
+                    </a:lnB>
+                  </a:tcPr>
+                </a:tc>
+                <a:extLst>
+                  <a:ext uri="{0D108BD9-81ED-4DB2-BD59-A6C34878D82A}">
+                    <a16:rowId xmlns:a16="http://schemas.microsoft.com/office/drawing/2014/main" val="2512215541"/>
+                  </a:ext>
+                </a:extLst>
+              </a:tr>
+            </a:tbl>
+          </a:graphicData>
+        </a:graphic>
+      </p:graphicFrame>
+      <p:sp>
+        <p:nvSpPr>
+          <p:cNvPr id="8" name="TextBox 7"/>
+          <p:cNvSpPr txBox="1"/>
+          <p:nvPr/>
+        </p:nvSpPr>
+        <p:spPr>
+          <a:xfrm>
+            <a:off x="2608974" y="6185085"/>
+            <a:ext cx="1266739" cy="461665"/>
+          </a:xfrm>
+          <a:prstGeom prst="rect">
+            <a:avLst/>
+          </a:prstGeom>
+          <a:noFill/>
+        </p:spPr>
+        <p:txBody>
+          <a:bodyPr wrap="square" rtlCol="0">
+            <a:spAutoFit/>
+          </a:bodyPr>
+          <a:lstStyle/>
+          <a:p>
+            <a:r>
+              <a:rPr lang="en-GB" sz="2400" dirty="0"/>
+              <a:t>1, 2, 3…</a:t>
+            </a:r>
+          </a:p>
+        </p:txBody>
+      </p:sp>
+      <p:cxnSp>
+        <p:nvCxnSpPr>
+          <p:cNvPr id="10" name="Straight Arrow Connector 9"/>
+          <p:cNvCxnSpPr>
+            <a:cxnSpLocks/>
+          </p:cNvCxnSpPr>
+          <p:nvPr/>
+        </p:nvCxnSpPr>
+        <p:spPr>
+          <a:xfrm>
+            <a:off x="3875713" y="6409754"/>
+            <a:ext cx="763398" cy="6163"/>
+          </a:xfrm>
+          <a:prstGeom prst="straightConnector1">
+            <a:avLst/>
+          </a:prstGeom>
+          <a:ln w="38100">
+            <a:solidFill>
+              <a:schemeClr val="tx1"/>
+            </a:solidFill>
+            <a:tailEnd type="triangle"/>
+          </a:ln>
+        </p:spPr>
+        <p:style>
+          <a:lnRef idx="1">
+            <a:schemeClr val="accent1"/>
+          </a:lnRef>
+          <a:fillRef idx="0">
+            <a:schemeClr val="accent1"/>
+          </a:fillRef>
+          <a:effectRef idx="0">
+            <a:schemeClr val="accent1"/>
+          </a:effectRef>
+          <a:fontRef idx="minor">
+            <a:schemeClr val="tx1"/>
+          </a:fontRef>
+        </p:style>
+      </p:cxnSp>
+      <p:sp>
+        <p:nvSpPr>
+          <p:cNvPr id="17" name="TextBox 16"/>
+          <p:cNvSpPr txBox="1"/>
+          <p:nvPr/>
+        </p:nvSpPr>
+        <p:spPr>
+          <a:xfrm>
+            <a:off x="6701578" y="1212073"/>
+            <a:ext cx="705901" cy="461665"/>
+          </a:xfrm>
+          <a:prstGeom prst="rect">
+            <a:avLst/>
+          </a:prstGeom>
+          <a:noFill/>
+        </p:spPr>
+        <p:txBody>
+          <a:bodyPr wrap="square" rtlCol="0">
+            <a:spAutoFit/>
+          </a:bodyPr>
+          <a:lstStyle/>
+          <a:p>
+            <a:r>
+              <a:rPr lang="en-GB" sz="2400" dirty="0"/>
+              <a:t>100</a:t>
+            </a:r>
+          </a:p>
+        </p:txBody>
+      </p:sp>
+      <p:sp>
+        <p:nvSpPr>
+          <p:cNvPr id="18" name="TextBox 17"/>
+          <p:cNvSpPr txBox="1"/>
+          <p:nvPr/>
+        </p:nvSpPr>
+        <p:spPr>
+          <a:xfrm>
+            <a:off x="2361585" y="1212073"/>
+            <a:ext cx="494778" cy="461665"/>
+          </a:xfrm>
+          <a:prstGeom prst="rect">
+            <a:avLst/>
+          </a:prstGeom>
+          <a:noFill/>
+        </p:spPr>
+        <p:txBody>
+          <a:bodyPr wrap="square" rtlCol="0">
+            <a:spAutoFit/>
+          </a:bodyPr>
+          <a:lstStyle/>
+          <a:p>
+            <a:r>
+              <a:rPr lang="en-GB" sz="2400" dirty="0"/>
+              <a:t>91</a:t>
+            </a:r>
+          </a:p>
+        </p:txBody>
+      </p:sp>
+      <p:sp>
+        <p:nvSpPr>
+          <p:cNvPr id="19" name="TextBox 18"/>
+          <p:cNvSpPr txBox="1"/>
+          <p:nvPr/>
+        </p:nvSpPr>
+        <p:spPr>
+          <a:xfrm>
+            <a:off x="7054528" y="6052386"/>
+            <a:ext cx="543714" cy="461665"/>
+          </a:xfrm>
+          <a:prstGeom prst="rect">
+            <a:avLst/>
+          </a:prstGeom>
+          <a:noFill/>
+        </p:spPr>
+        <p:txBody>
+          <a:bodyPr wrap="square" rtlCol="0">
+            <a:spAutoFit/>
+          </a:bodyPr>
+          <a:lstStyle/>
+          <a:p>
+            <a:r>
+              <a:rPr lang="en-GB" sz="2400" dirty="0"/>
+              <a:t>10</a:t>
             </a:r>
           </a:p>
         </p:txBody>
@@ -3001,7 +4941,1450 @@
     </p:spTree>
     <p:extLst>
       <p:ext uri="{BB962C8B-B14F-4D97-AF65-F5344CB8AC3E}">
-        <p14:creationId xmlns:p14="http://schemas.microsoft.com/office/powerpoint/2010/main" val="4017749142"/>
+        <p14:creationId xmlns:p14="http://schemas.microsoft.com/office/powerpoint/2010/main" val="644070139"/>
+      </p:ext>
+    </p:extLst>
+  </p:cSld>
+  <p:clrMapOvr>
+    <a:masterClrMapping/>
+  </p:clrMapOvr>
+</p:sld>
+</file>
+
+<file path=ppt/slides/slide12.xml><?xml version="1.0" encoding="utf-8"?>
+<p:sld xmlns:a="http://schemas.openxmlformats.org/drawingml/2006/main" xmlns:r="http://schemas.openxmlformats.org/officeDocument/2006/relationships" xmlns:p="http://schemas.openxmlformats.org/presentationml/2006/main">
+  <p:cSld>
+    <p:spTree>
+      <p:nvGrpSpPr>
+        <p:cNvPr id="1" name=""/>
+        <p:cNvGrpSpPr/>
+        <p:nvPr/>
+      </p:nvGrpSpPr>
+      <p:grpSpPr>
+        <a:xfrm>
+          <a:off x="0" y="0"/>
+          <a:ext cx="0" cy="0"/>
+          <a:chOff x="0" y="0"/>
+          <a:chExt cx="0" cy="0"/>
+        </a:xfrm>
+      </p:grpSpPr>
+      <p:sp>
+        <p:nvSpPr>
+          <p:cNvPr id="3" name="Content Placeholder 2"/>
+          <p:cNvSpPr>
+            <a:spLocks noGrp="1"/>
+          </p:cNvSpPr>
+          <p:nvPr>
+            <p:ph idx="1"/>
+          </p:nvPr>
+        </p:nvSpPr>
+        <p:spPr>
+          <a:xfrm>
+            <a:off x="804644" y="323996"/>
+            <a:ext cx="10515600" cy="514903"/>
+          </a:xfrm>
+        </p:spPr>
+        <p:txBody>
+          <a:bodyPr/>
+          <a:lstStyle/>
+          <a:p>
+            <a:pPr marL="0" indent="0" algn="ctr">
+              <a:buNone/>
+            </a:pPr>
+            <a:r>
+              <a:rPr lang="en-GB" dirty="0"/>
+              <a:t>Node vectors represented by a segments plot</a:t>
+            </a:r>
+          </a:p>
+        </p:txBody>
+      </p:sp>
+      <p:pic>
+        <p:nvPicPr>
+          <p:cNvPr id="5" name="Picture 4"/>
+          <p:cNvPicPr>
+            <a:picLocks noChangeAspect="1"/>
+          </p:cNvPicPr>
+          <p:nvPr/>
+        </p:nvPicPr>
+        <p:blipFill>
+          <a:blip r:embed="rId2">
+            <a:extLst>
+              <a:ext uri="{28A0092B-C50C-407E-A947-70E740481C1C}">
+                <a14:useLocalDpi xmlns:a14="http://schemas.microsoft.com/office/drawing/2010/main" val="0"/>
+              </a:ext>
+            </a:extLst>
+          </a:blip>
+          <a:stretch>
+            <a:fillRect/>
+          </a:stretch>
+        </p:blipFill>
+        <p:spPr>
+          <a:xfrm>
+            <a:off x="1874949" y="838899"/>
+            <a:ext cx="8213994" cy="5799327"/>
+          </a:xfrm>
+          <a:prstGeom prst="rect">
+            <a:avLst/>
+          </a:prstGeom>
+        </p:spPr>
+      </p:pic>
+      <p:sp>
+        <p:nvSpPr>
+          <p:cNvPr id="6" name="TextBox 5"/>
+          <p:cNvSpPr txBox="1"/>
+          <p:nvPr/>
+        </p:nvSpPr>
+        <p:spPr>
+          <a:xfrm>
+            <a:off x="1098957" y="4286774"/>
+            <a:ext cx="2424419" cy="1323439"/>
+          </a:xfrm>
+          <a:prstGeom prst="rect">
+            <a:avLst/>
+          </a:prstGeom>
+          <a:noFill/>
+        </p:spPr>
+        <p:txBody>
+          <a:bodyPr wrap="square" rtlCol="0">
+            <a:spAutoFit/>
+          </a:bodyPr>
+          <a:lstStyle/>
+          <a:p>
+            <a:r>
+              <a:rPr lang="en-GB" sz="2000" dirty="0"/>
+              <a:t>Highest crimes associated with the bottom left corner nodes</a:t>
+            </a:r>
+          </a:p>
+        </p:txBody>
+      </p:sp>
+    </p:spTree>
+    <p:extLst>
+      <p:ext uri="{BB962C8B-B14F-4D97-AF65-F5344CB8AC3E}">
+        <p14:creationId xmlns:p14="http://schemas.microsoft.com/office/powerpoint/2010/main" val="2738881845"/>
+      </p:ext>
+    </p:extLst>
+  </p:cSld>
+  <p:clrMapOvr>
+    <a:masterClrMapping/>
+  </p:clrMapOvr>
+</p:sld>
+</file>
+
+<file path=ppt/slides/slide13.xml><?xml version="1.0" encoding="utf-8"?>
+<p:sld xmlns:a="http://schemas.openxmlformats.org/drawingml/2006/main" xmlns:r="http://schemas.openxmlformats.org/officeDocument/2006/relationships" xmlns:p="http://schemas.openxmlformats.org/presentationml/2006/main">
+  <p:cSld>
+    <p:spTree>
+      <p:nvGrpSpPr>
+        <p:cNvPr id="1" name=""/>
+        <p:cNvGrpSpPr/>
+        <p:nvPr/>
+      </p:nvGrpSpPr>
+      <p:grpSpPr>
+        <a:xfrm>
+          <a:off x="0" y="0"/>
+          <a:ext cx="0" cy="0"/>
+          <a:chOff x="0" y="0"/>
+          <a:chExt cx="0" cy="0"/>
+        </a:xfrm>
+      </p:grpSpPr>
+      <p:sp>
+        <p:nvSpPr>
+          <p:cNvPr id="3" name="Content Placeholder 2"/>
+          <p:cNvSpPr>
+            <a:spLocks noGrp="1"/>
+          </p:cNvSpPr>
+          <p:nvPr>
+            <p:ph idx="1"/>
+          </p:nvPr>
+        </p:nvSpPr>
+        <p:spPr>
+          <a:xfrm>
+            <a:off x="838200" y="236267"/>
+            <a:ext cx="10515600" cy="506514"/>
+          </a:xfrm>
+        </p:spPr>
+        <p:txBody>
+          <a:bodyPr/>
+          <a:lstStyle/>
+          <a:p>
+            <a:pPr marL="0" indent="0" algn="ctr">
+              <a:buNone/>
+            </a:pPr>
+            <a:r>
+              <a:rPr lang="en-GB" dirty="0"/>
+              <a:t>Better visualisation of 6 variables or more using individual heatmaps</a:t>
+            </a:r>
+          </a:p>
+        </p:txBody>
+      </p:sp>
+      <p:pic>
+        <p:nvPicPr>
+          <p:cNvPr id="5" name="Picture 4"/>
+          <p:cNvPicPr>
+            <a:picLocks noChangeAspect="1"/>
+          </p:cNvPicPr>
+          <p:nvPr/>
+        </p:nvPicPr>
+        <p:blipFill>
+          <a:blip r:embed="rId2">
+            <a:extLst>
+              <a:ext uri="{28A0092B-C50C-407E-A947-70E740481C1C}">
+                <a14:useLocalDpi xmlns:a14="http://schemas.microsoft.com/office/drawing/2010/main" val="0"/>
+              </a:ext>
+            </a:extLst>
+          </a:blip>
+          <a:stretch>
+            <a:fillRect/>
+          </a:stretch>
+        </p:blipFill>
+        <p:spPr>
+          <a:xfrm>
+            <a:off x="211887" y="846492"/>
+            <a:ext cx="3915497" cy="2764459"/>
+          </a:xfrm>
+          <a:prstGeom prst="rect">
+            <a:avLst/>
+          </a:prstGeom>
+          <a:ln w="3175">
+            <a:noFill/>
+          </a:ln>
+        </p:spPr>
+      </p:pic>
+      <p:pic>
+        <p:nvPicPr>
+          <p:cNvPr id="7" name="Picture 6"/>
+          <p:cNvPicPr>
+            <a:picLocks noChangeAspect="1"/>
+          </p:cNvPicPr>
+          <p:nvPr/>
+        </p:nvPicPr>
+        <p:blipFill>
+          <a:blip r:embed="rId3">
+            <a:extLst>
+              <a:ext uri="{28A0092B-C50C-407E-A947-70E740481C1C}">
+                <a14:useLocalDpi xmlns:a14="http://schemas.microsoft.com/office/drawing/2010/main" val="0"/>
+              </a:ext>
+            </a:extLst>
+          </a:blip>
+          <a:stretch>
+            <a:fillRect/>
+          </a:stretch>
+        </p:blipFill>
+        <p:spPr>
+          <a:xfrm>
+            <a:off x="3780087" y="846492"/>
+            <a:ext cx="3915497" cy="2764459"/>
+          </a:xfrm>
+          <a:prstGeom prst="rect">
+            <a:avLst/>
+          </a:prstGeom>
+          <a:ln w="3175">
+            <a:noFill/>
+          </a:ln>
+        </p:spPr>
+      </p:pic>
+      <p:pic>
+        <p:nvPicPr>
+          <p:cNvPr id="11" name="Picture 10"/>
+          <p:cNvPicPr>
+            <a:picLocks noChangeAspect="1"/>
+          </p:cNvPicPr>
+          <p:nvPr/>
+        </p:nvPicPr>
+        <p:blipFill>
+          <a:blip r:embed="rId4">
+            <a:extLst>
+              <a:ext uri="{28A0092B-C50C-407E-A947-70E740481C1C}">
+                <a14:useLocalDpi xmlns:a14="http://schemas.microsoft.com/office/drawing/2010/main" val="0"/>
+              </a:ext>
+            </a:extLst>
+          </a:blip>
+          <a:stretch>
+            <a:fillRect/>
+          </a:stretch>
+        </p:blipFill>
+        <p:spPr>
+          <a:xfrm>
+            <a:off x="3780086" y="3756606"/>
+            <a:ext cx="3915497" cy="2764459"/>
+          </a:xfrm>
+          <a:prstGeom prst="rect">
+            <a:avLst/>
+          </a:prstGeom>
+        </p:spPr>
+      </p:pic>
+      <p:pic>
+        <p:nvPicPr>
+          <p:cNvPr id="14" name="Picture 13"/>
+          <p:cNvPicPr>
+            <a:picLocks noChangeAspect="1"/>
+          </p:cNvPicPr>
+          <p:nvPr/>
+        </p:nvPicPr>
+        <p:blipFill>
+          <a:blip r:embed="rId5">
+            <a:extLst>
+              <a:ext uri="{28A0092B-C50C-407E-A947-70E740481C1C}">
+                <a14:useLocalDpi xmlns:a14="http://schemas.microsoft.com/office/drawing/2010/main" val="0"/>
+              </a:ext>
+            </a:extLst>
+          </a:blip>
+          <a:stretch>
+            <a:fillRect/>
+          </a:stretch>
+        </p:blipFill>
+        <p:spPr>
+          <a:xfrm>
+            <a:off x="211887" y="3722255"/>
+            <a:ext cx="3964151" cy="2798810"/>
+          </a:xfrm>
+          <a:prstGeom prst="rect">
+            <a:avLst/>
+          </a:prstGeom>
+        </p:spPr>
+      </p:pic>
+      <p:sp>
+        <p:nvSpPr>
+          <p:cNvPr id="16" name="TextBox 15"/>
+          <p:cNvSpPr txBox="1"/>
+          <p:nvPr/>
+        </p:nvSpPr>
+        <p:spPr>
+          <a:xfrm>
+            <a:off x="7860484" y="2291094"/>
+            <a:ext cx="3833769" cy="2862322"/>
+          </a:xfrm>
+          <a:prstGeom prst="rect">
+            <a:avLst/>
+          </a:prstGeom>
+          <a:noFill/>
+        </p:spPr>
+        <p:txBody>
+          <a:bodyPr wrap="square" rtlCol="0">
+            <a:spAutoFit/>
+          </a:bodyPr>
+          <a:lstStyle/>
+          <a:p>
+            <a:pPr marL="285750" indent="-285750">
+              <a:buFont typeface="Arial" panose="020B0604020202020204" pitchFamily="34" charset="0"/>
+              <a:buChar char="•"/>
+            </a:pPr>
+            <a:r>
+              <a:rPr lang="en-GB" dirty="0"/>
+              <a:t>Node 1 featuring highest recordings of most crimes</a:t>
+            </a:r>
+          </a:p>
+          <a:p>
+            <a:pPr marL="285750" indent="-285750">
+              <a:buFont typeface="Arial" panose="020B0604020202020204" pitchFamily="34" charset="0"/>
+              <a:buChar char="•"/>
+            </a:pPr>
+            <a:r>
+              <a:rPr lang="en-GB" dirty="0"/>
+              <a:t>Frequency table indicates 6 areas mapped to node 1:</a:t>
+            </a:r>
+          </a:p>
+          <a:p>
+            <a:pPr marL="800100" lvl="1" indent="-342900">
+              <a:buFont typeface="+mj-lt"/>
+              <a:buAutoNum type="arabicPeriod"/>
+            </a:pPr>
+            <a:r>
+              <a:rPr lang="en-GB" dirty="0"/>
+              <a:t>City of London 001F</a:t>
+            </a:r>
+          </a:p>
+          <a:p>
+            <a:pPr marL="800100" lvl="1" indent="-342900">
+              <a:buFont typeface="+mj-lt"/>
+              <a:buAutoNum type="arabicPeriod"/>
+            </a:pPr>
+            <a:r>
+              <a:rPr lang="en-GB" dirty="0"/>
+              <a:t>Newham 013G</a:t>
+            </a:r>
+          </a:p>
+          <a:p>
+            <a:pPr marL="800100" lvl="1" indent="-342900">
+              <a:buFont typeface="+mj-lt"/>
+              <a:buAutoNum type="arabicPeriod"/>
+            </a:pPr>
+            <a:r>
+              <a:rPr lang="en-GB" dirty="0"/>
+              <a:t>Westminster 013B</a:t>
+            </a:r>
+          </a:p>
+          <a:p>
+            <a:pPr marL="800100" lvl="1" indent="-342900">
+              <a:buFont typeface="+mj-lt"/>
+              <a:buAutoNum type="arabicPeriod"/>
+            </a:pPr>
+            <a:r>
+              <a:rPr lang="en-GB" dirty="0"/>
+              <a:t>Westminster 013E</a:t>
+            </a:r>
+          </a:p>
+          <a:p>
+            <a:pPr marL="800100" lvl="1" indent="-342900">
+              <a:buFont typeface="+mj-lt"/>
+              <a:buAutoNum type="arabicPeriod"/>
+            </a:pPr>
+            <a:r>
+              <a:rPr lang="en-GB" dirty="0"/>
+              <a:t>Westminster 018A</a:t>
+            </a:r>
+          </a:p>
+          <a:p>
+            <a:pPr marL="800100" lvl="1" indent="-342900">
+              <a:buFont typeface="+mj-lt"/>
+              <a:buAutoNum type="arabicPeriod"/>
+            </a:pPr>
+            <a:r>
+              <a:rPr lang="en-GB" dirty="0"/>
+              <a:t>Westminster 018C</a:t>
+            </a:r>
+          </a:p>
+        </p:txBody>
+      </p:sp>
+    </p:spTree>
+    <p:extLst>
+      <p:ext uri="{BB962C8B-B14F-4D97-AF65-F5344CB8AC3E}">
+        <p14:creationId xmlns:p14="http://schemas.microsoft.com/office/powerpoint/2010/main" val="2180466105"/>
+      </p:ext>
+    </p:extLst>
+  </p:cSld>
+  <p:clrMapOvr>
+    <a:masterClrMapping/>
+  </p:clrMapOvr>
+</p:sld>
+</file>
+
+<file path=ppt/slides/slide14.xml><?xml version="1.0" encoding="utf-8"?>
+<p:sld xmlns:a="http://schemas.openxmlformats.org/drawingml/2006/main" xmlns:r="http://schemas.openxmlformats.org/officeDocument/2006/relationships" xmlns:p="http://schemas.openxmlformats.org/presentationml/2006/main">
+  <p:cSld>
+    <p:spTree>
+      <p:nvGrpSpPr>
+        <p:cNvPr id="1" name=""/>
+        <p:cNvGrpSpPr/>
+        <p:nvPr/>
+      </p:nvGrpSpPr>
+      <p:grpSpPr>
+        <a:xfrm>
+          <a:off x="0" y="0"/>
+          <a:ext cx="0" cy="0"/>
+          <a:chOff x="0" y="0"/>
+          <a:chExt cx="0" cy="0"/>
+        </a:xfrm>
+      </p:grpSpPr>
+      <p:graphicFrame>
+        <p:nvGraphicFramePr>
+          <p:cNvPr id="5" name="Content Placeholder 4"/>
+          <p:cNvGraphicFramePr>
+            <a:graphicFrameLocks noGrp="1"/>
+          </p:cNvGraphicFramePr>
+          <p:nvPr>
+            <p:ph idx="1"/>
+            <p:extLst>
+              <p:ext uri="{D42A27DB-BD31-4B8C-83A1-F6EECF244321}">
+                <p14:modId xmlns:p14="http://schemas.microsoft.com/office/powerpoint/2010/main" val="551283870"/>
+              </p:ext>
+            </p:extLst>
+          </p:nvPr>
+        </p:nvGraphicFramePr>
+        <p:xfrm>
+          <a:off x="687198" y="860891"/>
+          <a:ext cx="4698534" cy="2595880"/>
+        </p:xfrm>
+        <a:graphic>
+          <a:graphicData uri="http://schemas.openxmlformats.org/drawingml/2006/table">
+            <a:tbl>
+              <a:tblPr firstRow="1" bandRow="1">
+                <a:tableStyleId>{5940675A-B579-460E-94D1-54222C63F5DA}</a:tableStyleId>
+              </a:tblPr>
+              <a:tblGrid>
+                <a:gridCol w="2349267">
+                  <a:extLst>
+                    <a:ext uri="{9D8B030D-6E8A-4147-A177-3AD203B41FA5}">
+                      <a16:colId xmlns:a16="http://schemas.microsoft.com/office/drawing/2014/main" val="223845377"/>
+                    </a:ext>
+                  </a:extLst>
+                </a:gridCol>
+                <a:gridCol w="2349267">
+                  <a:extLst>
+                    <a:ext uri="{9D8B030D-6E8A-4147-A177-3AD203B41FA5}">
+                      <a16:colId xmlns:a16="http://schemas.microsoft.com/office/drawing/2014/main" val="2356276671"/>
+                    </a:ext>
+                  </a:extLst>
+                </a:gridCol>
+              </a:tblGrid>
+              <a:tr h="370840">
+                <a:tc>
+                  <a:txBody>
+                    <a:bodyPr/>
+                    <a:lstStyle/>
+                    <a:p>
+                      <a:r>
+                        <a:rPr lang="en-GB" b="1" dirty="0"/>
+                        <a:t>AREA</a:t>
+                      </a:r>
+                    </a:p>
+                  </a:txBody>
+                  <a:tcPr/>
+                </a:tc>
+                <a:tc>
+                  <a:txBody>
+                    <a:bodyPr/>
+                    <a:lstStyle/>
+                    <a:p>
+                      <a:r>
+                        <a:rPr lang="en-GB" b="1" dirty="0"/>
+                        <a:t>BICYCLE THEFT</a:t>
+                      </a:r>
+                    </a:p>
+                  </a:txBody>
+                  <a:tcPr/>
+                </a:tc>
+                <a:extLst>
+                  <a:ext uri="{0D108BD9-81ED-4DB2-BD59-A6C34878D82A}">
+                    <a16:rowId xmlns:a16="http://schemas.microsoft.com/office/drawing/2014/main" val="2977328182"/>
+                  </a:ext>
+                </a:extLst>
+              </a:tr>
+              <a:tr h="370840">
+                <a:tc>
+                  <a:txBody>
+                    <a:bodyPr/>
+                    <a:lstStyle/>
+                    <a:p>
+                      <a:pPr marL="0" marR="0" lvl="0" indent="0" algn="l" defTabSz="914400" rtl="0" eaLnBrk="1" fontAlgn="auto" latinLnBrk="0" hangingPunct="1">
+                        <a:lnSpc>
+                          <a:spcPct val="100000"/>
+                        </a:lnSpc>
+                        <a:spcBef>
+                          <a:spcPts val="0"/>
+                        </a:spcBef>
+                        <a:spcAft>
+                          <a:spcPts val="0"/>
+                        </a:spcAft>
+                        <a:buClrTx/>
+                        <a:buSzTx/>
+                        <a:buFontTx/>
+                        <a:buNone/>
+                        <a:tabLst/>
+                        <a:defRPr/>
+                      </a:pPr>
+                      <a:r>
+                        <a:rPr lang="en-GB" dirty="0"/>
+                        <a:t>City of London 001F</a:t>
+                      </a:r>
+                    </a:p>
+                  </a:txBody>
+                  <a:tcPr/>
+                </a:tc>
+                <a:tc>
+                  <a:txBody>
+                    <a:bodyPr/>
+                    <a:lstStyle/>
+                    <a:p>
+                      <a:r>
+                        <a:rPr lang="en-GB" dirty="0"/>
+                        <a:t>216</a:t>
+                      </a:r>
+                    </a:p>
+                  </a:txBody>
+                  <a:tcPr/>
+                </a:tc>
+                <a:extLst>
+                  <a:ext uri="{0D108BD9-81ED-4DB2-BD59-A6C34878D82A}">
+                    <a16:rowId xmlns:a16="http://schemas.microsoft.com/office/drawing/2014/main" val="3764086445"/>
+                  </a:ext>
+                </a:extLst>
+              </a:tr>
+              <a:tr h="370840">
+                <a:tc>
+                  <a:txBody>
+                    <a:bodyPr/>
+                    <a:lstStyle/>
+                    <a:p>
+                      <a:pPr marL="0" marR="0" lvl="0" indent="0" algn="l" defTabSz="914400" rtl="0" eaLnBrk="1" fontAlgn="auto" latinLnBrk="0" hangingPunct="1">
+                        <a:lnSpc>
+                          <a:spcPct val="100000"/>
+                        </a:lnSpc>
+                        <a:spcBef>
+                          <a:spcPts val="0"/>
+                        </a:spcBef>
+                        <a:spcAft>
+                          <a:spcPts val="0"/>
+                        </a:spcAft>
+                        <a:buClrTx/>
+                        <a:buSzTx/>
+                        <a:buFontTx/>
+                        <a:buNone/>
+                        <a:tabLst/>
+                        <a:defRPr/>
+                      </a:pPr>
+                      <a:r>
+                        <a:rPr lang="en-GB" dirty="0"/>
+                        <a:t>Newham 013G</a:t>
+                      </a:r>
+                    </a:p>
+                  </a:txBody>
+                  <a:tcPr/>
+                </a:tc>
+                <a:tc>
+                  <a:txBody>
+                    <a:bodyPr/>
+                    <a:lstStyle/>
+                    <a:p>
+                      <a:r>
+                        <a:rPr lang="en-GB" dirty="0"/>
+                        <a:t>112</a:t>
+                      </a:r>
+                    </a:p>
+                  </a:txBody>
+                  <a:tcPr/>
+                </a:tc>
+                <a:extLst>
+                  <a:ext uri="{0D108BD9-81ED-4DB2-BD59-A6C34878D82A}">
+                    <a16:rowId xmlns:a16="http://schemas.microsoft.com/office/drawing/2014/main" val="889417728"/>
+                  </a:ext>
+                </a:extLst>
+              </a:tr>
+              <a:tr h="370840">
+                <a:tc>
+                  <a:txBody>
+                    <a:bodyPr/>
+                    <a:lstStyle/>
+                    <a:p>
+                      <a:r>
+                        <a:rPr lang="en-GB" dirty="0"/>
+                        <a:t>Westminster 013B</a:t>
+                      </a:r>
+                    </a:p>
+                  </a:txBody>
+                  <a:tcPr/>
+                </a:tc>
+                <a:tc>
+                  <a:txBody>
+                    <a:bodyPr/>
+                    <a:lstStyle/>
+                    <a:p>
+                      <a:r>
+                        <a:rPr lang="en-GB" dirty="0"/>
+                        <a:t>81</a:t>
+                      </a:r>
+                    </a:p>
+                  </a:txBody>
+                  <a:tcPr/>
+                </a:tc>
+                <a:extLst>
+                  <a:ext uri="{0D108BD9-81ED-4DB2-BD59-A6C34878D82A}">
+                    <a16:rowId xmlns:a16="http://schemas.microsoft.com/office/drawing/2014/main" val="688456147"/>
+                  </a:ext>
+                </a:extLst>
+              </a:tr>
+              <a:tr h="370840">
+                <a:tc>
+                  <a:txBody>
+                    <a:bodyPr/>
+                    <a:lstStyle/>
+                    <a:p>
+                      <a:r>
+                        <a:rPr lang="en-GB" dirty="0"/>
+                        <a:t>Westminster 013E</a:t>
+                      </a:r>
+                    </a:p>
+                  </a:txBody>
+                  <a:tcPr/>
+                </a:tc>
+                <a:tc>
+                  <a:txBody>
+                    <a:bodyPr/>
+                    <a:lstStyle/>
+                    <a:p>
+                      <a:r>
+                        <a:rPr lang="en-GB" dirty="0"/>
+                        <a:t>64</a:t>
+                      </a:r>
+                    </a:p>
+                  </a:txBody>
+                  <a:tcPr/>
+                </a:tc>
+                <a:extLst>
+                  <a:ext uri="{0D108BD9-81ED-4DB2-BD59-A6C34878D82A}">
+                    <a16:rowId xmlns:a16="http://schemas.microsoft.com/office/drawing/2014/main" val="3228892487"/>
+                  </a:ext>
+                </a:extLst>
+              </a:tr>
+              <a:tr h="370840">
+                <a:tc>
+                  <a:txBody>
+                    <a:bodyPr/>
+                    <a:lstStyle/>
+                    <a:p>
+                      <a:r>
+                        <a:rPr lang="en-GB" dirty="0"/>
+                        <a:t>Westminster 018A</a:t>
+                      </a:r>
+                    </a:p>
+                  </a:txBody>
+                  <a:tcPr/>
+                </a:tc>
+                <a:tc>
+                  <a:txBody>
+                    <a:bodyPr/>
+                    <a:lstStyle/>
+                    <a:p>
+                      <a:r>
+                        <a:rPr lang="en-GB" dirty="0"/>
+                        <a:t>53</a:t>
+                      </a:r>
+                    </a:p>
+                  </a:txBody>
+                  <a:tcPr/>
+                </a:tc>
+                <a:extLst>
+                  <a:ext uri="{0D108BD9-81ED-4DB2-BD59-A6C34878D82A}">
+                    <a16:rowId xmlns:a16="http://schemas.microsoft.com/office/drawing/2014/main" val="395363088"/>
+                  </a:ext>
+                </a:extLst>
+              </a:tr>
+              <a:tr h="370840">
+                <a:tc>
+                  <a:txBody>
+                    <a:bodyPr/>
+                    <a:lstStyle/>
+                    <a:p>
+                      <a:r>
+                        <a:rPr lang="en-GB" dirty="0"/>
+                        <a:t>Westminster 018C</a:t>
+                      </a:r>
+                    </a:p>
+                  </a:txBody>
+                  <a:tcPr/>
+                </a:tc>
+                <a:tc>
+                  <a:txBody>
+                    <a:bodyPr/>
+                    <a:lstStyle/>
+                    <a:p>
+                      <a:r>
+                        <a:rPr lang="en-GB" dirty="0"/>
+                        <a:t>66</a:t>
+                      </a:r>
+                    </a:p>
+                  </a:txBody>
+                  <a:tcPr/>
+                </a:tc>
+                <a:extLst>
+                  <a:ext uri="{0D108BD9-81ED-4DB2-BD59-A6C34878D82A}">
+                    <a16:rowId xmlns:a16="http://schemas.microsoft.com/office/drawing/2014/main" val="1040701272"/>
+                  </a:ext>
+                </a:extLst>
+              </a:tr>
+            </a:tbl>
+          </a:graphicData>
+        </a:graphic>
+      </p:graphicFrame>
+      <p:sp>
+        <p:nvSpPr>
+          <p:cNvPr id="6" name="TextBox 5"/>
+          <p:cNvSpPr txBox="1"/>
+          <p:nvPr/>
+        </p:nvSpPr>
+        <p:spPr>
+          <a:xfrm>
+            <a:off x="687198" y="3704759"/>
+            <a:ext cx="10914776" cy="461665"/>
+          </a:xfrm>
+          <a:prstGeom prst="rect">
+            <a:avLst/>
+          </a:prstGeom>
+          <a:noFill/>
+        </p:spPr>
+        <p:txBody>
+          <a:bodyPr wrap="square" rtlCol="0">
+            <a:spAutoFit/>
+          </a:bodyPr>
+          <a:lstStyle/>
+          <a:p>
+            <a:r>
+              <a:rPr lang="en-GB" sz="2400" dirty="0"/>
+              <a:t>Node 3 represents the highest vehicle crime rates: 10 areas mapped to node 3</a:t>
+            </a:r>
+          </a:p>
+        </p:txBody>
+      </p:sp>
+      <p:sp>
+        <p:nvSpPr>
+          <p:cNvPr id="7" name="TextBox 6"/>
+          <p:cNvSpPr txBox="1"/>
+          <p:nvPr/>
+        </p:nvSpPr>
+        <p:spPr>
+          <a:xfrm>
+            <a:off x="687198" y="275097"/>
+            <a:ext cx="10755385" cy="461665"/>
+          </a:xfrm>
+          <a:prstGeom prst="rect">
+            <a:avLst/>
+          </a:prstGeom>
+          <a:noFill/>
+        </p:spPr>
+        <p:txBody>
+          <a:bodyPr wrap="square" rtlCol="0">
+            <a:spAutoFit/>
+          </a:bodyPr>
+          <a:lstStyle/>
+          <a:p>
+            <a:r>
+              <a:rPr lang="en-GB" sz="2400" dirty="0"/>
+              <a:t>Node 1 also represents the highest bicycle theft rates: 6 areas mapped to node 1</a:t>
+            </a:r>
+          </a:p>
+        </p:txBody>
+      </p:sp>
+      <p:graphicFrame>
+        <p:nvGraphicFramePr>
+          <p:cNvPr id="8" name="Content Placeholder 4"/>
+          <p:cNvGraphicFramePr>
+            <a:graphicFrameLocks/>
+          </p:cNvGraphicFramePr>
+          <p:nvPr>
+            <p:extLst>
+              <p:ext uri="{D42A27DB-BD31-4B8C-83A1-F6EECF244321}">
+                <p14:modId xmlns:p14="http://schemas.microsoft.com/office/powerpoint/2010/main" val="1914181385"/>
+              </p:ext>
+            </p:extLst>
+          </p:nvPr>
+        </p:nvGraphicFramePr>
+        <p:xfrm>
+          <a:off x="687196" y="4287287"/>
+          <a:ext cx="6208554" cy="1854200"/>
+        </p:xfrm>
+        <a:graphic>
+          <a:graphicData uri="http://schemas.openxmlformats.org/drawingml/2006/table">
+            <a:tbl>
+              <a:tblPr firstRow="1" bandRow="1">
+                <a:tableStyleId>{5940675A-B579-460E-94D1-54222C63F5DA}</a:tableStyleId>
+              </a:tblPr>
+              <a:tblGrid>
+                <a:gridCol w="3104277">
+                  <a:extLst>
+                    <a:ext uri="{9D8B030D-6E8A-4147-A177-3AD203B41FA5}">
+                      <a16:colId xmlns:a16="http://schemas.microsoft.com/office/drawing/2014/main" val="223845377"/>
+                    </a:ext>
+                  </a:extLst>
+                </a:gridCol>
+                <a:gridCol w="3104277">
+                  <a:extLst>
+                    <a:ext uri="{9D8B030D-6E8A-4147-A177-3AD203B41FA5}">
+                      <a16:colId xmlns:a16="http://schemas.microsoft.com/office/drawing/2014/main" val="2356276671"/>
+                    </a:ext>
+                  </a:extLst>
+                </a:gridCol>
+              </a:tblGrid>
+              <a:tr h="370840">
+                <a:tc>
+                  <a:txBody>
+                    <a:bodyPr/>
+                    <a:lstStyle/>
+                    <a:p>
+                      <a:r>
+                        <a:rPr lang="en-GB" b="1" dirty="0"/>
+                        <a:t>AREA</a:t>
+                      </a:r>
+                    </a:p>
+                  </a:txBody>
+                  <a:tcPr/>
+                </a:tc>
+                <a:tc>
+                  <a:txBody>
+                    <a:bodyPr/>
+                    <a:lstStyle/>
+                    <a:p>
+                      <a:r>
+                        <a:rPr lang="en-GB" b="1" dirty="0"/>
+                        <a:t>VEHICLE CRIME</a:t>
+                      </a:r>
+                    </a:p>
+                  </a:txBody>
+                  <a:tcPr/>
+                </a:tc>
+                <a:extLst>
+                  <a:ext uri="{0D108BD9-81ED-4DB2-BD59-A6C34878D82A}">
+                    <a16:rowId xmlns:a16="http://schemas.microsoft.com/office/drawing/2014/main" val="2977328182"/>
+                  </a:ext>
+                </a:extLst>
+              </a:tr>
+              <a:tr h="370840">
+                <a:tc>
+                  <a:txBody>
+                    <a:bodyPr/>
+                    <a:lstStyle/>
+                    <a:p>
+                      <a:pPr marL="0" marR="0" lvl="0" indent="0" algn="l" defTabSz="914400" rtl="0" eaLnBrk="1" fontAlgn="auto" latinLnBrk="0" hangingPunct="1">
+                        <a:lnSpc>
+                          <a:spcPct val="100000"/>
+                        </a:lnSpc>
+                        <a:spcBef>
+                          <a:spcPts val="0"/>
+                        </a:spcBef>
+                        <a:spcAft>
+                          <a:spcPts val="0"/>
+                        </a:spcAft>
+                        <a:buClrTx/>
+                        <a:buSzTx/>
+                        <a:buFontTx/>
+                        <a:buNone/>
+                        <a:tabLst/>
+                        <a:defRPr/>
+                      </a:pPr>
+                      <a:r>
+                        <a:rPr lang="en-GB" dirty="0"/>
+                        <a:t>Kensington and Chelsea 012A</a:t>
+                      </a:r>
+                    </a:p>
+                  </a:txBody>
+                  <a:tcPr/>
+                </a:tc>
+                <a:tc>
+                  <a:txBody>
+                    <a:bodyPr/>
+                    <a:lstStyle/>
+                    <a:p>
+                      <a:r>
+                        <a:rPr lang="en-GB" dirty="0"/>
+                        <a:t>163</a:t>
+                      </a:r>
+                    </a:p>
+                  </a:txBody>
+                  <a:tcPr/>
+                </a:tc>
+                <a:extLst>
+                  <a:ext uri="{0D108BD9-81ED-4DB2-BD59-A6C34878D82A}">
+                    <a16:rowId xmlns:a16="http://schemas.microsoft.com/office/drawing/2014/main" val="3764086445"/>
+                  </a:ext>
+                </a:extLst>
+              </a:tr>
+              <a:tr h="370840">
+                <a:tc>
+                  <a:txBody>
+                    <a:bodyPr/>
+                    <a:lstStyle/>
+                    <a:p>
+                      <a:r>
+                        <a:rPr lang="en-GB" dirty="0"/>
+                        <a:t>Ealing 015E</a:t>
+                      </a:r>
+                    </a:p>
+                  </a:txBody>
+                  <a:tcPr/>
+                </a:tc>
+                <a:tc>
+                  <a:txBody>
+                    <a:bodyPr/>
+                    <a:lstStyle/>
+                    <a:p>
+                      <a:r>
+                        <a:rPr lang="en-GB" dirty="0"/>
+                        <a:t>130</a:t>
+                      </a:r>
+                    </a:p>
+                  </a:txBody>
+                  <a:tcPr/>
+                </a:tc>
+                <a:extLst>
+                  <a:ext uri="{0D108BD9-81ED-4DB2-BD59-A6C34878D82A}">
+                    <a16:rowId xmlns:a16="http://schemas.microsoft.com/office/drawing/2014/main" val="889417728"/>
+                  </a:ext>
+                </a:extLst>
+              </a:tr>
+              <a:tr h="370840">
+                <a:tc>
+                  <a:txBody>
+                    <a:bodyPr/>
+                    <a:lstStyle/>
+                    <a:p>
+                      <a:r>
+                        <a:rPr lang="en-GB" dirty="0"/>
+                        <a:t>Enfield 033F</a:t>
+                      </a:r>
+                    </a:p>
+                  </a:txBody>
+                  <a:tcPr/>
+                </a:tc>
+                <a:tc>
+                  <a:txBody>
+                    <a:bodyPr/>
+                    <a:lstStyle/>
+                    <a:p>
+                      <a:r>
+                        <a:rPr lang="en-GB" dirty="0"/>
+                        <a:t>134</a:t>
+                      </a:r>
+                    </a:p>
+                  </a:txBody>
+                  <a:tcPr/>
+                </a:tc>
+                <a:extLst>
+                  <a:ext uri="{0D108BD9-81ED-4DB2-BD59-A6C34878D82A}">
+                    <a16:rowId xmlns:a16="http://schemas.microsoft.com/office/drawing/2014/main" val="688456147"/>
+                  </a:ext>
+                </a:extLst>
+              </a:tr>
+              <a:tr h="370840">
+                <a:tc>
+                  <a:txBody>
+                    <a:bodyPr/>
+                    <a:lstStyle/>
+                    <a:p>
+                      <a:r>
+                        <a:rPr lang="en-GB" dirty="0"/>
+                        <a:t>Newham 033B</a:t>
+                      </a:r>
+                    </a:p>
+                  </a:txBody>
+                  <a:tcPr/>
+                </a:tc>
+                <a:tc>
+                  <a:txBody>
+                    <a:bodyPr/>
+                    <a:lstStyle/>
+                    <a:p>
+                      <a:r>
+                        <a:rPr lang="en-GB" dirty="0"/>
+                        <a:t>115</a:t>
+                      </a:r>
+                    </a:p>
+                  </a:txBody>
+                  <a:tcPr/>
+                </a:tc>
+                <a:extLst>
+                  <a:ext uri="{0D108BD9-81ED-4DB2-BD59-A6C34878D82A}">
+                    <a16:rowId xmlns:a16="http://schemas.microsoft.com/office/drawing/2014/main" val="3228892487"/>
+                  </a:ext>
+                </a:extLst>
+              </a:tr>
+            </a:tbl>
+          </a:graphicData>
+        </a:graphic>
+      </p:graphicFrame>
+      <p:sp>
+        <p:nvSpPr>
+          <p:cNvPr id="9" name="TextBox 8"/>
+          <p:cNvSpPr txBox="1"/>
+          <p:nvPr/>
+        </p:nvSpPr>
+        <p:spPr>
+          <a:xfrm>
+            <a:off x="5788404" y="857625"/>
+            <a:ext cx="2718034" cy="369332"/>
+          </a:xfrm>
+          <a:prstGeom prst="rect">
+            <a:avLst/>
+          </a:prstGeom>
+          <a:noFill/>
+        </p:spPr>
+        <p:txBody>
+          <a:bodyPr wrap="square" rtlCol="0">
+            <a:spAutoFit/>
+          </a:bodyPr>
+          <a:lstStyle/>
+          <a:p>
+            <a:r>
+              <a:rPr lang="en-GB" dirty="0"/>
+              <a:t>Average bicycle theft: 3.59</a:t>
+            </a:r>
+          </a:p>
+        </p:txBody>
+      </p:sp>
+      <p:sp>
+        <p:nvSpPr>
+          <p:cNvPr id="10" name="TextBox 9"/>
+          <p:cNvSpPr txBox="1"/>
+          <p:nvPr/>
+        </p:nvSpPr>
+        <p:spPr>
+          <a:xfrm>
+            <a:off x="7073317" y="4259313"/>
+            <a:ext cx="3127696" cy="369332"/>
+          </a:xfrm>
+          <a:prstGeom prst="rect">
+            <a:avLst/>
+          </a:prstGeom>
+          <a:noFill/>
+        </p:spPr>
+        <p:txBody>
+          <a:bodyPr wrap="square" rtlCol="0">
+            <a:spAutoFit/>
+          </a:bodyPr>
+          <a:lstStyle/>
+          <a:p>
+            <a:r>
+              <a:rPr lang="en-GB" dirty="0"/>
+              <a:t>Average vehicle crime: 17.36</a:t>
+            </a:r>
+          </a:p>
+        </p:txBody>
+      </p:sp>
+    </p:spTree>
+    <p:extLst>
+      <p:ext uri="{BB962C8B-B14F-4D97-AF65-F5344CB8AC3E}">
+        <p14:creationId xmlns:p14="http://schemas.microsoft.com/office/powerpoint/2010/main" val="2291362872"/>
+      </p:ext>
+    </p:extLst>
+  </p:cSld>
+  <p:clrMapOvr>
+    <a:masterClrMapping/>
+  </p:clrMapOvr>
+</p:sld>
+</file>
+
+<file path=ppt/slides/slide15.xml><?xml version="1.0" encoding="utf-8"?>
+<p:sld xmlns:a="http://schemas.openxmlformats.org/drawingml/2006/main" xmlns:r="http://schemas.openxmlformats.org/officeDocument/2006/relationships" xmlns:p="http://schemas.openxmlformats.org/presentationml/2006/main">
+  <p:cSld>
+    <p:spTree>
+      <p:nvGrpSpPr>
+        <p:cNvPr id="1" name=""/>
+        <p:cNvGrpSpPr/>
+        <p:nvPr/>
+      </p:nvGrpSpPr>
+      <p:grpSpPr>
+        <a:xfrm>
+          <a:off x="0" y="0"/>
+          <a:ext cx="0" cy="0"/>
+          <a:chOff x="0" y="0"/>
+          <a:chExt cx="0" cy="0"/>
+        </a:xfrm>
+      </p:grpSpPr>
+      <p:sp>
+        <p:nvSpPr>
+          <p:cNvPr id="2" name="Title 1"/>
+          <p:cNvSpPr>
+            <a:spLocks noGrp="1"/>
+          </p:cNvSpPr>
+          <p:nvPr>
+            <p:ph type="title"/>
+          </p:nvPr>
+        </p:nvSpPr>
+        <p:spPr>
+          <a:xfrm>
+            <a:off x="838200" y="365126"/>
+            <a:ext cx="10515600" cy="759000"/>
+          </a:xfrm>
+        </p:spPr>
+        <p:txBody>
+          <a:bodyPr/>
+          <a:lstStyle/>
+          <a:p>
+            <a:pPr algn="ctr"/>
+            <a:r>
+              <a:rPr lang="en-GB" b="1" dirty="0"/>
+              <a:t>Conclusion</a:t>
+            </a:r>
+          </a:p>
+        </p:txBody>
+      </p:sp>
+      <p:sp>
+        <p:nvSpPr>
+          <p:cNvPr id="3" name="Content Placeholder 2"/>
+          <p:cNvSpPr>
+            <a:spLocks noGrp="1"/>
+          </p:cNvSpPr>
+          <p:nvPr>
+            <p:ph idx="1"/>
+          </p:nvPr>
+        </p:nvSpPr>
+        <p:spPr>
+          <a:xfrm>
+            <a:off x="838200" y="1204840"/>
+            <a:ext cx="10515600" cy="1957810"/>
+          </a:xfrm>
+        </p:spPr>
+        <p:txBody>
+          <a:bodyPr>
+            <a:normAutofit fontScale="92500" lnSpcReduction="20000"/>
+          </a:bodyPr>
+          <a:lstStyle/>
+          <a:p>
+            <a:r>
+              <a:rPr lang="en-GB" dirty="0"/>
+              <a:t>Shiny application showed a geographic representation of crime incidences</a:t>
+            </a:r>
+          </a:p>
+          <a:p>
+            <a:r>
+              <a:rPr lang="en-GB" dirty="0"/>
+              <a:t>SOM are effective in clustering and segmentation</a:t>
+            </a:r>
+          </a:p>
+          <a:p>
+            <a:r>
+              <a:rPr lang="en-GB" dirty="0"/>
+              <a:t>Ability to identify areas of similar crimes</a:t>
+            </a:r>
+          </a:p>
+          <a:p>
+            <a:r>
+              <a:rPr lang="en-GB" dirty="0"/>
+              <a:t>Identify areas with higher levels of certain types of crime e.g. “bicycle theft” and “vehicle crime”</a:t>
+            </a:r>
+          </a:p>
+        </p:txBody>
+      </p:sp>
+      <p:sp>
+        <p:nvSpPr>
+          <p:cNvPr id="4" name="Title 1"/>
+          <p:cNvSpPr txBox="1">
+            <a:spLocks/>
+          </p:cNvSpPr>
+          <p:nvPr/>
+        </p:nvSpPr>
+        <p:spPr>
+          <a:xfrm>
+            <a:off x="838200" y="3436603"/>
+            <a:ext cx="10515600" cy="759000"/>
+          </a:xfrm>
+          <a:prstGeom prst="rect">
+            <a:avLst/>
+          </a:prstGeom>
+        </p:spPr>
+        <p:txBody>
+          <a:bodyPr vert="horz" lIns="91440" tIns="45720" rIns="91440" bIns="45720" rtlCol="0" anchor="ctr">
+            <a:normAutofit/>
+          </a:bodyPr>
+          <a:lstStyle>
+            <a:lvl1pPr algn="l" defTabSz="914400" rtl="0" eaLnBrk="1" latinLnBrk="0" hangingPunct="1">
+              <a:lnSpc>
+                <a:spcPct val="90000"/>
+              </a:lnSpc>
+              <a:spcBef>
+                <a:spcPct val="0"/>
+              </a:spcBef>
+              <a:buNone/>
+              <a:defRPr sz="4400" kern="1200">
+                <a:solidFill>
+                  <a:schemeClr val="tx1"/>
+                </a:solidFill>
+                <a:latin typeface="+mj-lt"/>
+                <a:ea typeface="+mj-ea"/>
+                <a:cs typeface="+mj-cs"/>
+              </a:defRPr>
+            </a:lvl1pPr>
+          </a:lstStyle>
+          <a:p>
+            <a:pPr algn="ctr"/>
+            <a:r>
+              <a:rPr lang="en-GB" b="1" dirty="0"/>
+              <a:t>Further analysis</a:t>
+            </a:r>
+          </a:p>
+        </p:txBody>
+      </p:sp>
+      <p:sp>
+        <p:nvSpPr>
+          <p:cNvPr id="5" name="Content Placeholder 2"/>
+          <p:cNvSpPr txBox="1">
+            <a:spLocks/>
+          </p:cNvSpPr>
+          <p:nvPr/>
+        </p:nvSpPr>
+        <p:spPr>
+          <a:xfrm>
+            <a:off x="838200" y="4469556"/>
+            <a:ext cx="10515600" cy="1738297"/>
+          </a:xfrm>
+          <a:prstGeom prst="rect">
+            <a:avLst/>
+          </a:prstGeom>
+        </p:spPr>
+        <p:txBody>
+          <a:bodyPr vert="horz" lIns="91440" tIns="45720" rIns="91440" bIns="45720" rtlCol="0">
+            <a:normAutofit lnSpcReduction="10000"/>
+          </a:bodyPr>
+          <a:lstStyle>
+            <a:lvl1pPr marL="228600" indent="-228600" algn="l" defTabSz="914400" rtl="0" eaLnBrk="1" latinLnBrk="0" hangingPunct="1">
+              <a:lnSpc>
+                <a:spcPct val="90000"/>
+              </a:lnSpc>
+              <a:spcBef>
+                <a:spcPts val="1000"/>
+              </a:spcBef>
+              <a:buFont typeface="Arial" panose="020B0604020202020204" pitchFamily="34" charset="0"/>
+              <a:buChar char="•"/>
+              <a:defRPr sz="2800" kern="1200">
+                <a:solidFill>
+                  <a:schemeClr val="tx1"/>
+                </a:solidFill>
+                <a:latin typeface="+mn-lt"/>
+                <a:ea typeface="+mn-ea"/>
+                <a:cs typeface="+mn-cs"/>
+              </a:defRPr>
+            </a:lvl1pPr>
+            <a:lvl2pPr marL="685800" indent="-228600" algn="l" defTabSz="914400" rtl="0" eaLnBrk="1" latinLnBrk="0" hangingPunct="1">
+              <a:lnSpc>
+                <a:spcPct val="90000"/>
+              </a:lnSpc>
+              <a:spcBef>
+                <a:spcPts val="500"/>
+              </a:spcBef>
+              <a:buFont typeface="Arial" panose="020B0604020202020204" pitchFamily="34" charset="0"/>
+              <a:buChar char="•"/>
+              <a:defRPr sz="2400" kern="1200">
+                <a:solidFill>
+                  <a:schemeClr val="tx1"/>
+                </a:solidFill>
+                <a:latin typeface="+mn-lt"/>
+                <a:ea typeface="+mn-ea"/>
+                <a:cs typeface="+mn-cs"/>
+              </a:defRPr>
+            </a:lvl2pPr>
+            <a:lvl3pPr marL="1143000" indent="-228600" algn="l" defTabSz="914400" rtl="0" eaLnBrk="1" latinLnBrk="0" hangingPunct="1">
+              <a:lnSpc>
+                <a:spcPct val="90000"/>
+              </a:lnSpc>
+              <a:spcBef>
+                <a:spcPts val="500"/>
+              </a:spcBef>
+              <a:buFont typeface="Arial" panose="020B0604020202020204" pitchFamily="34" charset="0"/>
+              <a:buChar char="•"/>
+              <a:defRPr sz="2000" kern="1200">
+                <a:solidFill>
+                  <a:schemeClr val="tx1"/>
+                </a:solidFill>
+                <a:latin typeface="+mn-lt"/>
+                <a:ea typeface="+mn-ea"/>
+                <a:cs typeface="+mn-cs"/>
+              </a:defRPr>
+            </a:lvl3pPr>
+            <a:lvl4pPr marL="1600200" indent="-228600" algn="l" defTabSz="914400" rtl="0" eaLnBrk="1" latinLnBrk="0" hangingPunct="1">
+              <a:lnSpc>
+                <a:spcPct val="90000"/>
+              </a:lnSpc>
+              <a:spcBef>
+                <a:spcPts val="500"/>
+              </a:spcBef>
+              <a:buFont typeface="Arial" panose="020B0604020202020204" pitchFamily="34" charset="0"/>
+              <a:buChar char="•"/>
+              <a:defRPr sz="1800" kern="1200">
+                <a:solidFill>
+                  <a:schemeClr val="tx1"/>
+                </a:solidFill>
+                <a:latin typeface="+mn-lt"/>
+                <a:ea typeface="+mn-ea"/>
+                <a:cs typeface="+mn-cs"/>
+              </a:defRPr>
+            </a:lvl4pPr>
+            <a:lvl5pPr marL="2057400" indent="-228600" algn="l" defTabSz="914400" rtl="0" eaLnBrk="1" latinLnBrk="0" hangingPunct="1">
+              <a:lnSpc>
+                <a:spcPct val="90000"/>
+              </a:lnSpc>
+              <a:spcBef>
+                <a:spcPts val="500"/>
+              </a:spcBef>
+              <a:buFont typeface="Arial" panose="020B0604020202020204" pitchFamily="34" charset="0"/>
+              <a:buChar char="•"/>
+              <a:defRPr sz="1800" kern="1200">
+                <a:solidFill>
+                  <a:schemeClr val="tx1"/>
+                </a:solidFill>
+                <a:latin typeface="+mn-lt"/>
+                <a:ea typeface="+mn-ea"/>
+                <a:cs typeface="+mn-cs"/>
+              </a:defRPr>
+            </a:lvl5pPr>
+            <a:lvl6pPr marL="2514600" indent="-228600" algn="l" defTabSz="914400" rtl="0" eaLnBrk="1" latinLnBrk="0" hangingPunct="1">
+              <a:lnSpc>
+                <a:spcPct val="90000"/>
+              </a:lnSpc>
+              <a:spcBef>
+                <a:spcPts val="500"/>
+              </a:spcBef>
+              <a:buFont typeface="Arial" panose="020B0604020202020204" pitchFamily="34" charset="0"/>
+              <a:buChar char="•"/>
+              <a:defRPr sz="1800" kern="1200">
+                <a:solidFill>
+                  <a:schemeClr val="tx1"/>
+                </a:solidFill>
+                <a:latin typeface="+mn-lt"/>
+                <a:ea typeface="+mn-ea"/>
+                <a:cs typeface="+mn-cs"/>
+              </a:defRPr>
+            </a:lvl6pPr>
+            <a:lvl7pPr marL="2971800" indent="-228600" algn="l" defTabSz="914400" rtl="0" eaLnBrk="1" latinLnBrk="0" hangingPunct="1">
+              <a:lnSpc>
+                <a:spcPct val="90000"/>
+              </a:lnSpc>
+              <a:spcBef>
+                <a:spcPts val="500"/>
+              </a:spcBef>
+              <a:buFont typeface="Arial" panose="020B0604020202020204" pitchFamily="34" charset="0"/>
+              <a:buChar char="•"/>
+              <a:defRPr sz="1800" kern="1200">
+                <a:solidFill>
+                  <a:schemeClr val="tx1"/>
+                </a:solidFill>
+                <a:latin typeface="+mn-lt"/>
+                <a:ea typeface="+mn-ea"/>
+                <a:cs typeface="+mn-cs"/>
+              </a:defRPr>
+            </a:lvl7pPr>
+            <a:lvl8pPr marL="3429000" indent="-228600" algn="l" defTabSz="914400" rtl="0" eaLnBrk="1" latinLnBrk="0" hangingPunct="1">
+              <a:lnSpc>
+                <a:spcPct val="90000"/>
+              </a:lnSpc>
+              <a:spcBef>
+                <a:spcPts val="500"/>
+              </a:spcBef>
+              <a:buFont typeface="Arial" panose="020B0604020202020204" pitchFamily="34" charset="0"/>
+              <a:buChar char="•"/>
+              <a:defRPr sz="1800" kern="1200">
+                <a:solidFill>
+                  <a:schemeClr val="tx1"/>
+                </a:solidFill>
+                <a:latin typeface="+mn-lt"/>
+                <a:ea typeface="+mn-ea"/>
+                <a:cs typeface="+mn-cs"/>
+              </a:defRPr>
+            </a:lvl8pPr>
+            <a:lvl9pPr marL="3886200" indent="-228600" algn="l" defTabSz="914400" rtl="0" eaLnBrk="1" latinLnBrk="0" hangingPunct="1">
+              <a:lnSpc>
+                <a:spcPct val="90000"/>
+              </a:lnSpc>
+              <a:spcBef>
+                <a:spcPts val="500"/>
+              </a:spcBef>
+              <a:buFont typeface="Arial" panose="020B0604020202020204" pitchFamily="34" charset="0"/>
+              <a:buChar char="•"/>
+              <a:defRPr sz="1800" kern="1200">
+                <a:solidFill>
+                  <a:schemeClr val="tx1"/>
+                </a:solidFill>
+                <a:latin typeface="+mn-lt"/>
+                <a:ea typeface="+mn-ea"/>
+                <a:cs typeface="+mn-cs"/>
+              </a:defRPr>
+            </a:lvl9pPr>
+          </a:lstStyle>
+          <a:p>
+            <a:r>
+              <a:rPr lang="en-GB" dirty="0"/>
+              <a:t>Train a SOM with fewer variables for less generalisation and higher accuracy</a:t>
+            </a:r>
+          </a:p>
+          <a:p>
+            <a:r>
+              <a:rPr lang="en-GB" dirty="0"/>
+              <a:t>Map untrained/real world data to the trained SOM (using the prediction method)</a:t>
+            </a:r>
+          </a:p>
+        </p:txBody>
+      </p:sp>
+    </p:spTree>
+    <p:extLst>
+      <p:ext uri="{BB962C8B-B14F-4D97-AF65-F5344CB8AC3E}">
+        <p14:creationId xmlns:p14="http://schemas.microsoft.com/office/powerpoint/2010/main" val="3064828857"/>
       </p:ext>
     </p:extLst>
   </p:cSld>
@@ -3038,24 +6421,1092 @@
             <p:ph type="title"/>
           </p:nvPr>
         </p:nvSpPr>
+        <p:spPr/>
+        <p:txBody>
+          <a:bodyPr/>
+          <a:lstStyle/>
+          <a:p>
+            <a:pPr algn="ctr"/>
+            <a:r>
+              <a:rPr lang="en-GB" b="1" dirty="0"/>
+              <a:t>Data</a:t>
+            </a:r>
+          </a:p>
+        </p:txBody>
+      </p:sp>
+      <p:sp>
+        <p:nvSpPr>
+          <p:cNvPr id="3" name="Content Placeholder 2"/>
+          <p:cNvSpPr>
+            <a:spLocks noGrp="1"/>
+          </p:cNvSpPr>
+          <p:nvPr>
+            <p:ph idx="1"/>
+          </p:nvPr>
+        </p:nvSpPr>
         <p:spPr>
           <a:xfrm>
-            <a:off x="871756" y="382412"/>
-            <a:ext cx="10515600" cy="784167"/>
+            <a:off x="838200" y="1493240"/>
+            <a:ext cx="10515600" cy="4683723"/>
           </a:xfrm>
         </p:spPr>
         <p:txBody>
+          <a:bodyPr>
+            <a:normAutofit/>
+          </a:bodyPr>
+          <a:lstStyle/>
+          <a:p>
+            <a:r>
+              <a:rPr lang="en-GB" dirty="0">
+                <a:hlinkClick r:id="rId2"/>
+              </a:rPr>
+              <a:t>https://data.police.uk/</a:t>
+            </a:r>
+            <a:endParaRPr lang="en-GB" dirty="0"/>
+          </a:p>
+          <a:p>
+            <a:r>
+              <a:rPr lang="en-GB" dirty="0"/>
+              <a:t>Comes as separate csv files for each month</a:t>
+            </a:r>
+          </a:p>
+          <a:p>
+            <a:r>
+              <a:rPr lang="en-GB" dirty="0"/>
+              <a:t>Script to import each csv, clean, combine and transform into appropriate format</a:t>
+            </a:r>
+          </a:p>
+        </p:txBody>
+      </p:sp>
+    </p:spTree>
+    <p:extLst>
+      <p:ext uri="{BB962C8B-B14F-4D97-AF65-F5344CB8AC3E}">
+        <p14:creationId xmlns:p14="http://schemas.microsoft.com/office/powerpoint/2010/main" val="1162365589"/>
+      </p:ext>
+    </p:extLst>
+  </p:cSld>
+  <p:clrMapOvr>
+    <a:masterClrMapping/>
+  </p:clrMapOvr>
+</p:sld>
+</file>
+
+<file path=ppt/slides/slide3.xml><?xml version="1.0" encoding="utf-8"?>
+<p:sld xmlns:a="http://schemas.openxmlformats.org/drawingml/2006/main" xmlns:r="http://schemas.openxmlformats.org/officeDocument/2006/relationships" xmlns:p="http://schemas.openxmlformats.org/presentationml/2006/main">
+  <p:cSld>
+    <p:spTree>
+      <p:nvGrpSpPr>
+        <p:cNvPr id="1" name=""/>
+        <p:cNvGrpSpPr/>
+        <p:nvPr/>
+      </p:nvGrpSpPr>
+      <p:grpSpPr>
+        <a:xfrm>
+          <a:off x="0" y="0"/>
+          <a:ext cx="0" cy="0"/>
+          <a:chOff x="0" y="0"/>
+          <a:chExt cx="0" cy="0"/>
+        </a:xfrm>
+      </p:grpSpPr>
+      <p:sp>
+        <p:nvSpPr>
+          <p:cNvPr id="2" name="Title 1"/>
+          <p:cNvSpPr>
+            <a:spLocks noGrp="1"/>
+          </p:cNvSpPr>
+          <p:nvPr>
+            <p:ph type="title"/>
+          </p:nvPr>
+        </p:nvSpPr>
+        <p:spPr/>
+        <p:txBody>
           <a:bodyPr/>
           <a:lstStyle/>
           <a:p>
             <a:pPr algn="ctr"/>
             <a:r>
               <a:rPr lang="en-GB" b="1" dirty="0"/>
-              <a:t>GIS in R</a:t>
+              <a:t>Part 1: GIS mapping in R</a:t>
             </a:r>
           </a:p>
         </p:txBody>
       </p:sp>
+      <p:sp>
+        <p:nvSpPr>
+          <p:cNvPr id="3" name="Content Placeholder 2"/>
+          <p:cNvSpPr>
+            <a:spLocks noGrp="1"/>
+          </p:cNvSpPr>
+          <p:nvPr>
+            <p:ph idx="1"/>
+          </p:nvPr>
+        </p:nvSpPr>
+        <p:spPr/>
+        <p:txBody>
+          <a:bodyPr/>
+          <a:lstStyle/>
+          <a:p>
+            <a:r>
+              <a:rPr lang="en-GB" dirty="0"/>
+              <a:t>Data: 988,848 incidences represented by each row</a:t>
+            </a:r>
+          </a:p>
+          <a:p>
+            <a:pPr lvl="1"/>
+            <a:r>
+              <a:rPr lang="en-GB" dirty="0"/>
+              <a:t>Month</a:t>
+            </a:r>
+          </a:p>
+          <a:p>
+            <a:pPr lvl="1"/>
+            <a:r>
+              <a:rPr lang="en-GB" dirty="0"/>
+              <a:t>Longitude</a:t>
+            </a:r>
+          </a:p>
+          <a:p>
+            <a:pPr lvl="1"/>
+            <a:r>
+              <a:rPr lang="en-GB" dirty="0"/>
+              <a:t>Latitude</a:t>
+            </a:r>
+          </a:p>
+          <a:p>
+            <a:pPr lvl="1"/>
+            <a:r>
+              <a:rPr lang="en-GB" dirty="0"/>
+              <a:t>Crime type</a:t>
+            </a:r>
+          </a:p>
+          <a:p>
+            <a:r>
+              <a:rPr lang="en-GB" dirty="0"/>
+              <a:t>14 types of crime</a:t>
+            </a:r>
+          </a:p>
+        </p:txBody>
+      </p:sp>
+      <p:graphicFrame>
+        <p:nvGraphicFramePr>
+          <p:cNvPr id="4" name="Table 3"/>
+          <p:cNvGraphicFramePr>
+            <a:graphicFrameLocks noGrp="1"/>
+          </p:cNvGraphicFramePr>
+          <p:nvPr>
+            <p:extLst>
+              <p:ext uri="{D42A27DB-BD31-4B8C-83A1-F6EECF244321}">
+                <p14:modId xmlns:p14="http://schemas.microsoft.com/office/powerpoint/2010/main" val="3649935208"/>
+              </p:ext>
+            </p:extLst>
+          </p:nvPr>
+        </p:nvGraphicFramePr>
+        <p:xfrm>
+          <a:off x="5201174" y="3120705"/>
+          <a:ext cx="5992536" cy="2072082"/>
+        </p:xfrm>
+        <a:graphic>
+          <a:graphicData uri="http://schemas.openxmlformats.org/drawingml/2006/table">
+            <a:tbl>
+              <a:tblPr/>
+              <a:tblGrid>
+                <a:gridCol w="913149">
+                  <a:extLst>
+                    <a:ext uri="{9D8B030D-6E8A-4147-A177-3AD203B41FA5}">
+                      <a16:colId xmlns:a16="http://schemas.microsoft.com/office/drawing/2014/main" val="1833822524"/>
+                    </a:ext>
+                  </a:extLst>
+                </a:gridCol>
+                <a:gridCol w="913149">
+                  <a:extLst>
+                    <a:ext uri="{9D8B030D-6E8A-4147-A177-3AD203B41FA5}">
+                      <a16:colId xmlns:a16="http://schemas.microsoft.com/office/drawing/2014/main" val="4089802881"/>
+                    </a:ext>
+                  </a:extLst>
+                </a:gridCol>
+                <a:gridCol w="913149">
+                  <a:extLst>
+                    <a:ext uri="{9D8B030D-6E8A-4147-A177-3AD203B41FA5}">
+                      <a16:colId xmlns:a16="http://schemas.microsoft.com/office/drawing/2014/main" val="1310960020"/>
+                    </a:ext>
+                  </a:extLst>
+                </a:gridCol>
+                <a:gridCol w="3253089">
+                  <a:extLst>
+                    <a:ext uri="{9D8B030D-6E8A-4147-A177-3AD203B41FA5}">
+                      <a16:colId xmlns:a16="http://schemas.microsoft.com/office/drawing/2014/main" val="1906551992"/>
+                    </a:ext>
+                  </a:extLst>
+                </a:gridCol>
+              </a:tblGrid>
+              <a:tr h="345347">
+                <a:tc>
+                  <a:txBody>
+                    <a:bodyPr/>
+                    <a:lstStyle/>
+                    <a:p>
+                      <a:pPr algn="l" fontAlgn="b"/>
+                      <a:r>
+                        <a:rPr lang="en-GB" sz="1100" b="0" i="0" u="none" strike="noStrike">
+                          <a:solidFill>
+                            <a:srgbClr val="000000"/>
+                          </a:solidFill>
+                          <a:effectLst/>
+                          <a:latin typeface="Calibri" panose="020F0502020204030204" pitchFamily="34" charset="0"/>
+                        </a:rPr>
+                        <a:t>Month</a:t>
+                      </a:r>
+                    </a:p>
+                  </a:txBody>
+                  <a:tcPr marL="9525" marR="9525" marT="9525" marB="0" anchor="b">
+                    <a:lnL>
+                      <a:noFill/>
+                    </a:lnL>
+                    <a:lnR>
+                      <a:noFill/>
+                    </a:lnR>
+                    <a:lnT>
+                      <a:noFill/>
+                    </a:lnT>
+                    <a:lnB>
+                      <a:noFill/>
+                    </a:lnB>
+                  </a:tcPr>
+                </a:tc>
+                <a:tc>
+                  <a:txBody>
+                    <a:bodyPr/>
+                    <a:lstStyle/>
+                    <a:p>
+                      <a:pPr algn="l" fontAlgn="b"/>
+                      <a:r>
+                        <a:rPr lang="en-GB" sz="1100" b="0" i="0" u="none" strike="noStrike" dirty="0">
+                          <a:solidFill>
+                            <a:srgbClr val="000000"/>
+                          </a:solidFill>
+                          <a:effectLst/>
+                          <a:latin typeface="Calibri" panose="020F0502020204030204" pitchFamily="34" charset="0"/>
+                        </a:rPr>
+                        <a:t>Longitude</a:t>
+                      </a:r>
+                    </a:p>
+                  </a:txBody>
+                  <a:tcPr marL="9525" marR="9525" marT="9525" marB="0" anchor="b">
+                    <a:lnL>
+                      <a:noFill/>
+                    </a:lnL>
+                    <a:lnR>
+                      <a:noFill/>
+                    </a:lnR>
+                    <a:lnT>
+                      <a:noFill/>
+                    </a:lnT>
+                    <a:lnB>
+                      <a:noFill/>
+                    </a:lnB>
+                  </a:tcPr>
+                </a:tc>
+                <a:tc>
+                  <a:txBody>
+                    <a:bodyPr/>
+                    <a:lstStyle/>
+                    <a:p>
+                      <a:pPr algn="l" fontAlgn="b"/>
+                      <a:r>
+                        <a:rPr lang="en-GB" sz="1100" b="0" i="0" u="none" strike="noStrike">
+                          <a:solidFill>
+                            <a:srgbClr val="000000"/>
+                          </a:solidFill>
+                          <a:effectLst/>
+                          <a:latin typeface="Calibri" panose="020F0502020204030204" pitchFamily="34" charset="0"/>
+                        </a:rPr>
+                        <a:t>Latitude</a:t>
+                      </a:r>
+                    </a:p>
+                  </a:txBody>
+                  <a:tcPr marL="9525" marR="9525" marT="9525" marB="0" anchor="b">
+                    <a:lnL>
+                      <a:noFill/>
+                    </a:lnL>
+                    <a:lnR>
+                      <a:noFill/>
+                    </a:lnR>
+                    <a:lnT>
+                      <a:noFill/>
+                    </a:lnT>
+                    <a:lnB>
+                      <a:noFill/>
+                    </a:lnB>
+                  </a:tcPr>
+                </a:tc>
+                <a:tc>
+                  <a:txBody>
+                    <a:bodyPr/>
+                    <a:lstStyle/>
+                    <a:p>
+                      <a:pPr algn="l" fontAlgn="b"/>
+                      <a:r>
+                        <a:rPr lang="en-GB" sz="1100" b="0" i="0" u="none" strike="noStrike">
+                          <a:solidFill>
+                            <a:srgbClr val="000000"/>
+                          </a:solidFill>
+                          <a:effectLst/>
+                          <a:latin typeface="Calibri" panose="020F0502020204030204" pitchFamily="34" charset="0"/>
+                        </a:rPr>
+                        <a:t>Crime.type</a:t>
+                      </a:r>
+                    </a:p>
+                  </a:txBody>
+                  <a:tcPr marL="9525" marR="9525" marT="9525" marB="0" anchor="b">
+                    <a:lnL>
+                      <a:noFill/>
+                    </a:lnL>
+                    <a:lnR>
+                      <a:noFill/>
+                    </a:lnR>
+                    <a:lnT>
+                      <a:noFill/>
+                    </a:lnT>
+                    <a:lnB>
+                      <a:noFill/>
+                    </a:lnB>
+                  </a:tcPr>
+                </a:tc>
+                <a:extLst>
+                  <a:ext uri="{0D108BD9-81ED-4DB2-BD59-A6C34878D82A}">
+                    <a16:rowId xmlns:a16="http://schemas.microsoft.com/office/drawing/2014/main" val="1513453476"/>
+                  </a:ext>
+                </a:extLst>
+              </a:tr>
+              <a:tr h="345347">
+                <a:tc>
+                  <a:txBody>
+                    <a:bodyPr/>
+                    <a:lstStyle/>
+                    <a:p>
+                      <a:pPr algn="l" fontAlgn="b"/>
+                      <a:r>
+                        <a:rPr lang="en-GB" sz="1100" b="0" i="0" u="none" strike="noStrike">
+                          <a:solidFill>
+                            <a:srgbClr val="000000"/>
+                          </a:solidFill>
+                          <a:effectLst/>
+                          <a:latin typeface="Calibri" panose="020F0502020204030204" pitchFamily="34" charset="0"/>
+                        </a:rPr>
+                        <a:t>2016-01</a:t>
+                      </a:r>
+                    </a:p>
+                  </a:txBody>
+                  <a:tcPr marL="9525" marR="9525" marT="9525" marB="0" anchor="b">
+                    <a:lnL>
+                      <a:noFill/>
+                    </a:lnL>
+                    <a:lnR>
+                      <a:noFill/>
+                    </a:lnR>
+                    <a:lnT>
+                      <a:noFill/>
+                    </a:lnT>
+                    <a:lnB>
+                      <a:noFill/>
+                    </a:lnB>
+                  </a:tcPr>
+                </a:tc>
+                <a:tc>
+                  <a:txBody>
+                    <a:bodyPr/>
+                    <a:lstStyle/>
+                    <a:p>
+                      <a:pPr algn="r" fontAlgn="b"/>
+                      <a:r>
+                        <a:rPr lang="en-GB" sz="1100" b="0" i="0" u="none" strike="noStrike">
+                          <a:solidFill>
+                            <a:srgbClr val="000000"/>
+                          </a:solidFill>
+                          <a:effectLst/>
+                          <a:latin typeface="Calibri" panose="020F0502020204030204" pitchFamily="34" charset="0"/>
+                        </a:rPr>
+                        <a:t>-0.11242</a:t>
+                      </a:r>
+                    </a:p>
+                  </a:txBody>
+                  <a:tcPr marL="9525" marR="9525" marT="9525" marB="0" anchor="b">
+                    <a:lnL>
+                      <a:noFill/>
+                    </a:lnL>
+                    <a:lnR>
+                      <a:noFill/>
+                    </a:lnR>
+                    <a:lnT>
+                      <a:noFill/>
+                    </a:lnT>
+                    <a:lnB>
+                      <a:noFill/>
+                    </a:lnB>
+                  </a:tcPr>
+                </a:tc>
+                <a:tc>
+                  <a:txBody>
+                    <a:bodyPr/>
+                    <a:lstStyle/>
+                    <a:p>
+                      <a:pPr algn="r" fontAlgn="b"/>
+                      <a:r>
+                        <a:rPr lang="en-GB" sz="1100" b="0" i="0" u="none" strike="noStrike">
+                          <a:solidFill>
+                            <a:srgbClr val="000000"/>
+                          </a:solidFill>
+                          <a:effectLst/>
+                          <a:latin typeface="Calibri" panose="020F0502020204030204" pitchFamily="34" charset="0"/>
+                        </a:rPr>
+                        <a:t>51.51538</a:t>
+                      </a:r>
+                    </a:p>
+                  </a:txBody>
+                  <a:tcPr marL="9525" marR="9525" marT="9525" marB="0" anchor="b">
+                    <a:lnL>
+                      <a:noFill/>
+                    </a:lnL>
+                    <a:lnR>
+                      <a:noFill/>
+                    </a:lnR>
+                    <a:lnT>
+                      <a:noFill/>
+                    </a:lnT>
+                    <a:lnB>
+                      <a:noFill/>
+                    </a:lnB>
+                  </a:tcPr>
+                </a:tc>
+                <a:tc>
+                  <a:txBody>
+                    <a:bodyPr/>
+                    <a:lstStyle/>
+                    <a:p>
+                      <a:pPr algn="l" fontAlgn="b"/>
+                      <a:r>
+                        <a:rPr lang="en-GB" sz="1100" b="0" i="0" u="none" strike="noStrike">
+                          <a:solidFill>
+                            <a:srgbClr val="000000"/>
+                          </a:solidFill>
+                          <a:effectLst/>
+                          <a:latin typeface="Calibri" panose="020F0502020204030204" pitchFamily="34" charset="0"/>
+                        </a:rPr>
+                        <a:t>Anti-social behaviour</a:t>
+                      </a:r>
+                    </a:p>
+                  </a:txBody>
+                  <a:tcPr marL="9525" marR="9525" marT="9525" marB="0" anchor="b">
+                    <a:lnL>
+                      <a:noFill/>
+                    </a:lnL>
+                    <a:lnR>
+                      <a:noFill/>
+                    </a:lnR>
+                    <a:lnT>
+                      <a:noFill/>
+                    </a:lnT>
+                    <a:lnB>
+                      <a:noFill/>
+                    </a:lnB>
+                  </a:tcPr>
+                </a:tc>
+                <a:extLst>
+                  <a:ext uri="{0D108BD9-81ED-4DB2-BD59-A6C34878D82A}">
+                    <a16:rowId xmlns:a16="http://schemas.microsoft.com/office/drawing/2014/main" val="4190494538"/>
+                  </a:ext>
+                </a:extLst>
+              </a:tr>
+              <a:tr h="345347">
+                <a:tc>
+                  <a:txBody>
+                    <a:bodyPr/>
+                    <a:lstStyle/>
+                    <a:p>
+                      <a:pPr algn="l" fontAlgn="b"/>
+                      <a:r>
+                        <a:rPr lang="en-GB" sz="1100" b="0" i="0" u="none" strike="noStrike">
+                          <a:solidFill>
+                            <a:srgbClr val="000000"/>
+                          </a:solidFill>
+                          <a:effectLst/>
+                          <a:latin typeface="Calibri" panose="020F0502020204030204" pitchFamily="34" charset="0"/>
+                        </a:rPr>
+                        <a:t>2016-01</a:t>
+                      </a:r>
+                    </a:p>
+                  </a:txBody>
+                  <a:tcPr marL="9525" marR="9525" marT="9525" marB="0" anchor="b">
+                    <a:lnL>
+                      <a:noFill/>
+                    </a:lnL>
+                    <a:lnR>
+                      <a:noFill/>
+                    </a:lnR>
+                    <a:lnT>
+                      <a:noFill/>
+                    </a:lnT>
+                    <a:lnB>
+                      <a:noFill/>
+                    </a:lnB>
+                  </a:tcPr>
+                </a:tc>
+                <a:tc>
+                  <a:txBody>
+                    <a:bodyPr/>
+                    <a:lstStyle/>
+                    <a:p>
+                      <a:pPr algn="r" fontAlgn="b"/>
+                      <a:r>
+                        <a:rPr lang="en-GB" sz="1100" b="0" i="0" u="none" strike="noStrike">
+                          <a:solidFill>
+                            <a:srgbClr val="000000"/>
+                          </a:solidFill>
+                          <a:effectLst/>
+                          <a:latin typeface="Calibri" panose="020F0502020204030204" pitchFamily="34" charset="0"/>
+                        </a:rPr>
+                        <a:t>-0.11495</a:t>
+                      </a:r>
+                    </a:p>
+                  </a:txBody>
+                  <a:tcPr marL="9525" marR="9525" marT="9525" marB="0" anchor="b">
+                    <a:lnL>
+                      <a:noFill/>
+                    </a:lnL>
+                    <a:lnR>
+                      <a:noFill/>
+                    </a:lnR>
+                    <a:lnT>
+                      <a:noFill/>
+                    </a:lnT>
+                    <a:lnB>
+                      <a:noFill/>
+                    </a:lnB>
+                  </a:tcPr>
+                </a:tc>
+                <a:tc>
+                  <a:txBody>
+                    <a:bodyPr/>
+                    <a:lstStyle/>
+                    <a:p>
+                      <a:pPr algn="r" fontAlgn="b"/>
+                      <a:r>
+                        <a:rPr lang="en-GB" sz="1100" b="0" i="0" u="none" strike="noStrike">
+                          <a:solidFill>
+                            <a:srgbClr val="000000"/>
+                          </a:solidFill>
+                          <a:effectLst/>
+                          <a:latin typeface="Calibri" panose="020F0502020204030204" pitchFamily="34" charset="0"/>
+                        </a:rPr>
+                        <a:t>51.51863</a:t>
+                      </a:r>
+                    </a:p>
+                  </a:txBody>
+                  <a:tcPr marL="9525" marR="9525" marT="9525" marB="0" anchor="b">
+                    <a:lnL>
+                      <a:noFill/>
+                    </a:lnL>
+                    <a:lnR>
+                      <a:noFill/>
+                    </a:lnR>
+                    <a:lnT>
+                      <a:noFill/>
+                    </a:lnT>
+                    <a:lnB>
+                      <a:noFill/>
+                    </a:lnB>
+                  </a:tcPr>
+                </a:tc>
+                <a:tc>
+                  <a:txBody>
+                    <a:bodyPr/>
+                    <a:lstStyle/>
+                    <a:p>
+                      <a:pPr algn="l" fontAlgn="b"/>
+                      <a:r>
+                        <a:rPr lang="en-GB" sz="1100" b="0" i="0" u="none" strike="noStrike" dirty="0">
+                          <a:solidFill>
+                            <a:srgbClr val="000000"/>
+                          </a:solidFill>
+                          <a:effectLst/>
+                          <a:latin typeface="Calibri" panose="020F0502020204030204" pitchFamily="34" charset="0"/>
+                        </a:rPr>
+                        <a:t>Anti-social behaviour</a:t>
+                      </a:r>
+                    </a:p>
+                  </a:txBody>
+                  <a:tcPr marL="9525" marR="9525" marT="9525" marB="0" anchor="b">
+                    <a:lnL>
+                      <a:noFill/>
+                    </a:lnL>
+                    <a:lnR>
+                      <a:noFill/>
+                    </a:lnR>
+                    <a:lnT>
+                      <a:noFill/>
+                    </a:lnT>
+                    <a:lnB>
+                      <a:noFill/>
+                    </a:lnB>
+                  </a:tcPr>
+                </a:tc>
+                <a:extLst>
+                  <a:ext uri="{0D108BD9-81ED-4DB2-BD59-A6C34878D82A}">
+                    <a16:rowId xmlns:a16="http://schemas.microsoft.com/office/drawing/2014/main" val="2261367907"/>
+                  </a:ext>
+                </a:extLst>
+              </a:tr>
+              <a:tr h="345347">
+                <a:tc>
+                  <a:txBody>
+                    <a:bodyPr/>
+                    <a:lstStyle/>
+                    <a:p>
+                      <a:pPr algn="l" fontAlgn="b"/>
+                      <a:r>
+                        <a:rPr lang="en-GB" sz="1100" b="0" i="0" u="none" strike="noStrike">
+                          <a:solidFill>
+                            <a:srgbClr val="000000"/>
+                          </a:solidFill>
+                          <a:effectLst/>
+                          <a:latin typeface="Calibri" panose="020F0502020204030204" pitchFamily="34" charset="0"/>
+                        </a:rPr>
+                        <a:t>2016-01</a:t>
+                      </a:r>
+                    </a:p>
+                  </a:txBody>
+                  <a:tcPr marL="9525" marR="9525" marT="9525" marB="0" anchor="b">
+                    <a:lnL>
+                      <a:noFill/>
+                    </a:lnL>
+                    <a:lnR>
+                      <a:noFill/>
+                    </a:lnR>
+                    <a:lnT>
+                      <a:noFill/>
+                    </a:lnT>
+                    <a:lnB>
+                      <a:noFill/>
+                    </a:lnB>
+                  </a:tcPr>
+                </a:tc>
+                <a:tc>
+                  <a:txBody>
+                    <a:bodyPr/>
+                    <a:lstStyle/>
+                    <a:p>
+                      <a:pPr algn="r" fontAlgn="b"/>
+                      <a:r>
+                        <a:rPr lang="en-GB" sz="1100" b="0" i="0" u="none" strike="noStrike" dirty="0">
+                          <a:solidFill>
+                            <a:srgbClr val="000000"/>
+                          </a:solidFill>
+                          <a:effectLst/>
+                          <a:latin typeface="Calibri" panose="020F0502020204030204" pitchFamily="34" charset="0"/>
+                        </a:rPr>
+                        <a:t>-0.1115</a:t>
+                      </a:r>
+                    </a:p>
+                  </a:txBody>
+                  <a:tcPr marL="9525" marR="9525" marT="9525" marB="0" anchor="b">
+                    <a:lnL>
+                      <a:noFill/>
+                    </a:lnL>
+                    <a:lnR>
+                      <a:noFill/>
+                    </a:lnR>
+                    <a:lnT>
+                      <a:noFill/>
+                    </a:lnT>
+                    <a:lnB>
+                      <a:noFill/>
+                    </a:lnB>
+                  </a:tcPr>
+                </a:tc>
+                <a:tc>
+                  <a:txBody>
+                    <a:bodyPr/>
+                    <a:lstStyle/>
+                    <a:p>
+                      <a:pPr algn="r" fontAlgn="b"/>
+                      <a:r>
+                        <a:rPr lang="en-GB" sz="1100" b="0" i="0" u="none" strike="noStrike">
+                          <a:solidFill>
+                            <a:srgbClr val="000000"/>
+                          </a:solidFill>
+                          <a:effectLst/>
+                          <a:latin typeface="Calibri" panose="020F0502020204030204" pitchFamily="34" charset="0"/>
+                        </a:rPr>
+                        <a:t>51.51823</a:t>
+                      </a:r>
+                    </a:p>
+                  </a:txBody>
+                  <a:tcPr marL="9525" marR="9525" marT="9525" marB="0" anchor="b">
+                    <a:lnL>
+                      <a:noFill/>
+                    </a:lnL>
+                    <a:lnR>
+                      <a:noFill/>
+                    </a:lnR>
+                    <a:lnT>
+                      <a:noFill/>
+                    </a:lnT>
+                    <a:lnB>
+                      <a:noFill/>
+                    </a:lnB>
+                  </a:tcPr>
+                </a:tc>
+                <a:tc>
+                  <a:txBody>
+                    <a:bodyPr/>
+                    <a:lstStyle/>
+                    <a:p>
+                      <a:pPr algn="l" fontAlgn="b"/>
+                      <a:r>
+                        <a:rPr lang="en-GB" sz="1100" b="0" i="0" u="none" strike="noStrike">
+                          <a:solidFill>
+                            <a:srgbClr val="000000"/>
+                          </a:solidFill>
+                          <a:effectLst/>
+                          <a:latin typeface="Calibri" panose="020F0502020204030204" pitchFamily="34" charset="0"/>
+                        </a:rPr>
+                        <a:t>Anti-social behaviour</a:t>
+                      </a:r>
+                    </a:p>
+                  </a:txBody>
+                  <a:tcPr marL="9525" marR="9525" marT="9525" marB="0" anchor="b">
+                    <a:lnL>
+                      <a:noFill/>
+                    </a:lnL>
+                    <a:lnR>
+                      <a:noFill/>
+                    </a:lnR>
+                    <a:lnT>
+                      <a:noFill/>
+                    </a:lnT>
+                    <a:lnB>
+                      <a:noFill/>
+                    </a:lnB>
+                  </a:tcPr>
+                </a:tc>
+                <a:extLst>
+                  <a:ext uri="{0D108BD9-81ED-4DB2-BD59-A6C34878D82A}">
+                    <a16:rowId xmlns:a16="http://schemas.microsoft.com/office/drawing/2014/main" val="3585649401"/>
+                  </a:ext>
+                </a:extLst>
+              </a:tr>
+              <a:tr h="345347">
+                <a:tc>
+                  <a:txBody>
+                    <a:bodyPr/>
+                    <a:lstStyle/>
+                    <a:p>
+                      <a:pPr algn="l" fontAlgn="b"/>
+                      <a:r>
+                        <a:rPr lang="en-GB" sz="1100" b="0" i="0" u="none" strike="noStrike">
+                          <a:solidFill>
+                            <a:srgbClr val="000000"/>
+                          </a:solidFill>
+                          <a:effectLst/>
+                          <a:latin typeface="Calibri" panose="020F0502020204030204" pitchFamily="34" charset="0"/>
+                        </a:rPr>
+                        <a:t>2016-01</a:t>
+                      </a:r>
+                    </a:p>
+                  </a:txBody>
+                  <a:tcPr marL="9525" marR="9525" marT="9525" marB="0" anchor="b">
+                    <a:lnL>
+                      <a:noFill/>
+                    </a:lnL>
+                    <a:lnR>
+                      <a:noFill/>
+                    </a:lnR>
+                    <a:lnT>
+                      <a:noFill/>
+                    </a:lnT>
+                    <a:lnB>
+                      <a:noFill/>
+                    </a:lnB>
+                  </a:tcPr>
+                </a:tc>
+                <a:tc>
+                  <a:txBody>
+                    <a:bodyPr/>
+                    <a:lstStyle/>
+                    <a:p>
+                      <a:pPr algn="r" fontAlgn="b"/>
+                      <a:r>
+                        <a:rPr lang="en-GB" sz="1100" b="0" i="0" u="none" strike="noStrike">
+                          <a:solidFill>
+                            <a:srgbClr val="000000"/>
+                          </a:solidFill>
+                          <a:effectLst/>
+                          <a:latin typeface="Calibri" panose="020F0502020204030204" pitchFamily="34" charset="0"/>
+                        </a:rPr>
+                        <a:t>-0.11495</a:t>
+                      </a:r>
+                    </a:p>
+                  </a:txBody>
+                  <a:tcPr marL="9525" marR="9525" marT="9525" marB="0" anchor="b">
+                    <a:lnL>
+                      <a:noFill/>
+                    </a:lnL>
+                    <a:lnR>
+                      <a:noFill/>
+                    </a:lnR>
+                    <a:lnT>
+                      <a:noFill/>
+                    </a:lnT>
+                    <a:lnB>
+                      <a:noFill/>
+                    </a:lnB>
+                  </a:tcPr>
+                </a:tc>
+                <a:tc>
+                  <a:txBody>
+                    <a:bodyPr/>
+                    <a:lstStyle/>
+                    <a:p>
+                      <a:pPr algn="r" fontAlgn="b"/>
+                      <a:r>
+                        <a:rPr lang="en-GB" sz="1100" b="0" i="0" u="none" strike="noStrike">
+                          <a:solidFill>
+                            <a:srgbClr val="000000"/>
+                          </a:solidFill>
+                          <a:effectLst/>
+                          <a:latin typeface="Calibri" panose="020F0502020204030204" pitchFamily="34" charset="0"/>
+                        </a:rPr>
+                        <a:t>51.51863</a:t>
+                      </a:r>
+                    </a:p>
+                  </a:txBody>
+                  <a:tcPr marL="9525" marR="9525" marT="9525" marB="0" anchor="b">
+                    <a:lnL>
+                      <a:noFill/>
+                    </a:lnL>
+                    <a:lnR>
+                      <a:noFill/>
+                    </a:lnR>
+                    <a:lnT>
+                      <a:noFill/>
+                    </a:lnT>
+                    <a:lnB>
+                      <a:noFill/>
+                    </a:lnB>
+                  </a:tcPr>
+                </a:tc>
+                <a:tc>
+                  <a:txBody>
+                    <a:bodyPr/>
+                    <a:lstStyle/>
+                    <a:p>
+                      <a:pPr algn="l" fontAlgn="b"/>
+                      <a:r>
+                        <a:rPr lang="en-GB" sz="1100" b="0" i="0" u="none" strike="noStrike">
+                          <a:solidFill>
+                            <a:srgbClr val="000000"/>
+                          </a:solidFill>
+                          <a:effectLst/>
+                          <a:latin typeface="Calibri" panose="020F0502020204030204" pitchFamily="34" charset="0"/>
+                        </a:rPr>
+                        <a:t>Anti-social behaviour</a:t>
+                      </a:r>
+                    </a:p>
+                  </a:txBody>
+                  <a:tcPr marL="9525" marR="9525" marT="9525" marB="0" anchor="b">
+                    <a:lnL>
+                      <a:noFill/>
+                    </a:lnL>
+                    <a:lnR>
+                      <a:noFill/>
+                    </a:lnR>
+                    <a:lnT>
+                      <a:noFill/>
+                    </a:lnT>
+                    <a:lnB>
+                      <a:noFill/>
+                    </a:lnB>
+                  </a:tcPr>
+                </a:tc>
+                <a:extLst>
+                  <a:ext uri="{0D108BD9-81ED-4DB2-BD59-A6C34878D82A}">
+                    <a16:rowId xmlns:a16="http://schemas.microsoft.com/office/drawing/2014/main" val="468906957"/>
+                  </a:ext>
+                </a:extLst>
+              </a:tr>
+              <a:tr h="345347">
+                <a:tc>
+                  <a:txBody>
+                    <a:bodyPr/>
+                    <a:lstStyle/>
+                    <a:p>
+                      <a:pPr algn="l" fontAlgn="b"/>
+                      <a:r>
+                        <a:rPr lang="en-GB" sz="1100" b="0" i="0" u="none" strike="noStrike">
+                          <a:solidFill>
+                            <a:srgbClr val="000000"/>
+                          </a:solidFill>
+                          <a:effectLst/>
+                          <a:latin typeface="Calibri" panose="020F0502020204030204" pitchFamily="34" charset="0"/>
+                        </a:rPr>
+                        <a:t>2016-01</a:t>
+                      </a:r>
+                    </a:p>
+                  </a:txBody>
+                  <a:tcPr marL="9525" marR="9525" marT="9525" marB="0" anchor="b">
+                    <a:lnL>
+                      <a:noFill/>
+                    </a:lnL>
+                    <a:lnR>
+                      <a:noFill/>
+                    </a:lnR>
+                    <a:lnT>
+                      <a:noFill/>
+                    </a:lnT>
+                    <a:lnB>
+                      <a:noFill/>
+                    </a:lnB>
+                  </a:tcPr>
+                </a:tc>
+                <a:tc>
+                  <a:txBody>
+                    <a:bodyPr/>
+                    <a:lstStyle/>
+                    <a:p>
+                      <a:pPr algn="r" fontAlgn="b"/>
+                      <a:r>
+                        <a:rPr lang="en-GB" sz="1100" b="0" i="0" u="none" strike="noStrike">
+                          <a:solidFill>
+                            <a:srgbClr val="000000"/>
+                          </a:solidFill>
+                          <a:effectLst/>
+                          <a:latin typeface="Calibri" panose="020F0502020204030204" pitchFamily="34" charset="0"/>
+                        </a:rPr>
+                        <a:t>-0.11377</a:t>
+                      </a:r>
+                    </a:p>
+                  </a:txBody>
+                  <a:tcPr marL="9525" marR="9525" marT="9525" marB="0" anchor="b">
+                    <a:lnL>
+                      <a:noFill/>
+                    </a:lnL>
+                    <a:lnR>
+                      <a:noFill/>
+                    </a:lnR>
+                    <a:lnT>
+                      <a:noFill/>
+                    </a:lnT>
+                    <a:lnB>
+                      <a:noFill/>
+                    </a:lnB>
+                  </a:tcPr>
+                </a:tc>
+                <a:tc>
+                  <a:txBody>
+                    <a:bodyPr/>
+                    <a:lstStyle/>
+                    <a:p>
+                      <a:pPr algn="r" fontAlgn="b"/>
+                      <a:r>
+                        <a:rPr lang="en-GB" sz="1100" b="0" i="0" u="none" strike="noStrike">
+                          <a:solidFill>
+                            <a:srgbClr val="000000"/>
+                          </a:solidFill>
+                          <a:effectLst/>
+                          <a:latin typeface="Calibri" panose="020F0502020204030204" pitchFamily="34" charset="0"/>
+                        </a:rPr>
+                        <a:t>51.51737</a:t>
+                      </a:r>
+                    </a:p>
+                  </a:txBody>
+                  <a:tcPr marL="9525" marR="9525" marT="9525" marB="0" anchor="b">
+                    <a:lnL>
+                      <a:noFill/>
+                    </a:lnL>
+                    <a:lnR>
+                      <a:noFill/>
+                    </a:lnR>
+                    <a:lnT>
+                      <a:noFill/>
+                    </a:lnT>
+                    <a:lnB>
+                      <a:noFill/>
+                    </a:lnB>
+                  </a:tcPr>
+                </a:tc>
+                <a:tc>
+                  <a:txBody>
+                    <a:bodyPr/>
+                    <a:lstStyle/>
+                    <a:p>
+                      <a:pPr algn="l" fontAlgn="b"/>
+                      <a:r>
+                        <a:rPr lang="en-GB" sz="1100" b="0" i="0" u="none" strike="noStrike" dirty="0">
+                          <a:solidFill>
+                            <a:srgbClr val="000000"/>
+                          </a:solidFill>
+                          <a:effectLst/>
+                          <a:latin typeface="Calibri" panose="020F0502020204030204" pitchFamily="34" charset="0"/>
+                        </a:rPr>
+                        <a:t>Other theft</a:t>
+                      </a:r>
+                    </a:p>
+                  </a:txBody>
+                  <a:tcPr marL="9525" marR="9525" marT="9525" marB="0" anchor="b">
+                    <a:lnL>
+                      <a:noFill/>
+                    </a:lnL>
+                    <a:lnR>
+                      <a:noFill/>
+                    </a:lnR>
+                    <a:lnT>
+                      <a:noFill/>
+                    </a:lnT>
+                    <a:lnB>
+                      <a:noFill/>
+                    </a:lnB>
+                  </a:tcPr>
+                </a:tc>
+                <a:extLst>
+                  <a:ext uri="{0D108BD9-81ED-4DB2-BD59-A6C34878D82A}">
+                    <a16:rowId xmlns:a16="http://schemas.microsoft.com/office/drawing/2014/main" val="2822060331"/>
+                  </a:ext>
+                </a:extLst>
+              </a:tr>
+            </a:tbl>
+          </a:graphicData>
+        </a:graphic>
+      </p:graphicFrame>
+    </p:spTree>
+    <p:extLst>
+      <p:ext uri="{BB962C8B-B14F-4D97-AF65-F5344CB8AC3E}">
+        <p14:creationId xmlns:p14="http://schemas.microsoft.com/office/powerpoint/2010/main" val="1375689124"/>
+      </p:ext>
+    </p:extLst>
+  </p:cSld>
+  <p:clrMapOvr>
+    <a:masterClrMapping/>
+  </p:clrMapOvr>
+</p:sld>
+</file>
+
+<file path=ppt/slides/slide4.xml><?xml version="1.0" encoding="utf-8"?>
+<p:sld xmlns:a="http://schemas.openxmlformats.org/drawingml/2006/main" xmlns:r="http://schemas.openxmlformats.org/officeDocument/2006/relationships" xmlns:p="http://schemas.openxmlformats.org/presentationml/2006/main">
+  <p:cSld>
+    <p:spTree>
+      <p:nvGrpSpPr>
+        <p:cNvPr id="1" name=""/>
+        <p:cNvGrpSpPr/>
+        <p:nvPr/>
+      </p:nvGrpSpPr>
+      <p:grpSpPr>
+        <a:xfrm>
+          <a:off x="0" y="0"/>
+          <a:ext cx="0" cy="0"/>
+          <a:chOff x="0" y="0"/>
+          <a:chExt cx="0" cy="0"/>
+        </a:xfrm>
+      </p:grpSpPr>
       <p:pic>
         <p:nvPicPr>
           <p:cNvPr id="5" name="Content Placeholder 4"/>
@@ -3080,8 +7531,8 @@
         </p:blipFill>
         <p:spPr>
           <a:xfrm>
-            <a:off x="2441196" y="1598409"/>
-            <a:ext cx="7533313" cy="5138013"/>
+            <a:off x="2065602" y="1140903"/>
+            <a:ext cx="8204104" cy="5595519"/>
           </a:xfrm>
         </p:spPr>
       </p:pic>
@@ -3093,8 +7544,8 @@
         </p:nvSpPr>
         <p:spPr>
           <a:xfrm>
-            <a:off x="2743199" y="1426128"/>
-            <a:ext cx="7172587" cy="584775"/>
+            <a:off x="2065602" y="662730"/>
+            <a:ext cx="8068299" cy="707886"/>
           </a:xfrm>
           <a:prstGeom prst="rect">
             <a:avLst/>
@@ -3109,8 +7560,10 @@
           <a:p>
             <a:pPr algn="ctr"/>
             <a:r>
-              <a:rPr lang="en-GB" sz="3200" dirty="0"/>
-              <a:t>Plotting all crimes in London</a:t>
+              <a:rPr lang="en-GB" sz="4000" dirty="0">
+                <a:latin typeface="+mj-lt"/>
+              </a:rPr>
+              <a:t>Plotting all crimes in Greater London</a:t>
             </a:r>
           </a:p>
         </p:txBody>
@@ -3128,7 +7581,7 @@
 </p:sld>
 </file>
 
-<file path=ppt/slides/slide3.xml><?xml version="1.0" encoding="utf-8"?>
+<file path=ppt/slides/slide5.xml><?xml version="1.0" encoding="utf-8"?>
 <p:sld xmlns:a="http://schemas.openxmlformats.org/drawingml/2006/main" xmlns:r="http://schemas.openxmlformats.org/officeDocument/2006/relationships" xmlns:p="http://schemas.openxmlformats.org/presentationml/2006/main">
   <p:cSld>
     <p:spTree>
@@ -3170,7 +7623,7 @@
             <a:pPr algn="ctr"/>
             <a:r>
               <a:rPr lang="en-GB" sz="4000" dirty="0"/>
-              <a:t>Lets differentiate between the various types of crime</a:t>
+              <a:t>Differentiate between the different types of crime</a:t>
             </a:r>
           </a:p>
         </p:txBody>
@@ -3218,7 +7671,7 @@
 </p:sld>
 </file>
 
-<file path=ppt/slides/slide4.xml><?xml version="1.0" encoding="utf-8"?>
+<file path=ppt/slides/slide6.xml><?xml version="1.0" encoding="utf-8"?>
 <p:sld xmlns:a="http://schemas.openxmlformats.org/drawingml/2006/main" xmlns:r="http://schemas.openxmlformats.org/officeDocument/2006/relationships" xmlns:p="http://schemas.openxmlformats.org/presentationml/2006/main">
   <p:cSld>
     <p:spTree>
@@ -3306,7 +7759,7 @@
 </p:sld>
 </file>
 
-<file path=ppt/slides/slide5.xml><?xml version="1.0" encoding="utf-8"?>
+<file path=ppt/slides/slide7.xml><?xml version="1.0" encoding="utf-8"?>
 <p:sld xmlns:a="http://schemas.openxmlformats.org/drawingml/2006/main" xmlns:r="http://schemas.openxmlformats.org/officeDocument/2006/relationships" xmlns:p="http://schemas.openxmlformats.org/presentationml/2006/main">
   <p:cSld>
     <p:spTree>
@@ -3335,19 +7788,19 @@
         </p:nvSpPr>
         <p:spPr>
           <a:xfrm>
-            <a:off x="9275118" y="893630"/>
-            <a:ext cx="2899931" cy="2378075"/>
+            <a:off x="9169168" y="893630"/>
+            <a:ext cx="3005882" cy="2378075"/>
           </a:xfrm>
         </p:spPr>
         <p:txBody>
           <a:bodyPr>
-            <a:normAutofit/>
+            <a:normAutofit fontScale="90000"/>
           </a:bodyPr>
           <a:lstStyle/>
           <a:p>
             <a:r>
               <a:rPr lang="en-GB" dirty="0"/>
-              <a:t>Turn it into a Shiny application</a:t>
+              <a:t>Turn it into an interactive Shiny application</a:t>
             </a:r>
           </a:p>
         </p:txBody>
@@ -3430,7 +7883,7 @@
 </p:sld>
 </file>
 
-<file path=ppt/slides/slide6.xml><?xml version="1.0" encoding="utf-8"?>
+<file path=ppt/slides/slide8.xml><?xml version="1.0" encoding="utf-8"?>
 <p:sld xmlns:a="http://schemas.openxmlformats.org/drawingml/2006/main" xmlns:r="http://schemas.openxmlformats.org/officeDocument/2006/relationships" xmlns:p="http://schemas.openxmlformats.org/presentationml/2006/main">
   <p:cSld>
     <p:spTree>
@@ -3470,7 +7923,7 @@
             <a:pPr algn="ctr"/>
             <a:r>
               <a:rPr lang="en-GB" b="1" dirty="0"/>
-              <a:t>Self-Organising Maps</a:t>
+              <a:t>Part 2: Self-Organising Maps</a:t>
             </a:r>
           </a:p>
         </p:txBody>
@@ -3492,15 +7945,4218 @@
           </a:xfrm>
         </p:spPr>
         <p:txBody>
-          <a:bodyPr/>
+          <a:bodyPr>
+            <a:noAutofit/>
+          </a:bodyPr>
           <a:lstStyle/>
           <a:p>
             <a:pPr marL="0" indent="0" algn="ctr">
               <a:buNone/>
             </a:pPr>
             <a:r>
+              <a:rPr lang="en-GB" sz="4000" dirty="0">
+                <a:latin typeface="+mj-lt"/>
+              </a:rPr>
+              <a:t>Segmentation of areas by types of crime</a:t>
+            </a:r>
+          </a:p>
+        </p:txBody>
+      </p:sp>
+      <p:sp>
+        <p:nvSpPr>
+          <p:cNvPr id="5" name="Content Placeholder 2"/>
+          <p:cNvSpPr txBox="1">
+            <a:spLocks/>
+          </p:cNvSpPr>
+          <p:nvPr/>
+        </p:nvSpPr>
+        <p:spPr>
+          <a:xfrm>
+            <a:off x="838200" y="1825625"/>
+            <a:ext cx="10515600" cy="4351338"/>
+          </a:xfrm>
+          <a:prstGeom prst="rect">
+            <a:avLst/>
+          </a:prstGeom>
+        </p:spPr>
+        <p:txBody>
+          <a:bodyPr vert="horz" lIns="91440" tIns="45720" rIns="91440" bIns="45720" rtlCol="0">
+            <a:normAutofit/>
+          </a:bodyPr>
+          <a:lstStyle>
+            <a:lvl1pPr marL="228600" indent="-228600" algn="l" defTabSz="914400" rtl="0" eaLnBrk="1" latinLnBrk="0" hangingPunct="1">
+              <a:lnSpc>
+                <a:spcPct val="90000"/>
+              </a:lnSpc>
+              <a:spcBef>
+                <a:spcPts val="1000"/>
+              </a:spcBef>
+              <a:buFont typeface="Arial" panose="020B0604020202020204" pitchFamily="34" charset="0"/>
+              <a:buChar char="•"/>
+              <a:defRPr sz="2800" kern="1200">
+                <a:solidFill>
+                  <a:schemeClr val="tx1"/>
+                </a:solidFill>
+                <a:latin typeface="+mn-lt"/>
+                <a:ea typeface="+mn-ea"/>
+                <a:cs typeface="+mn-cs"/>
+              </a:defRPr>
+            </a:lvl1pPr>
+            <a:lvl2pPr marL="685800" indent="-228600" algn="l" defTabSz="914400" rtl="0" eaLnBrk="1" latinLnBrk="0" hangingPunct="1">
+              <a:lnSpc>
+                <a:spcPct val="90000"/>
+              </a:lnSpc>
+              <a:spcBef>
+                <a:spcPts val="500"/>
+              </a:spcBef>
+              <a:buFont typeface="Arial" panose="020B0604020202020204" pitchFamily="34" charset="0"/>
+              <a:buChar char="•"/>
+              <a:defRPr sz="2400" kern="1200">
+                <a:solidFill>
+                  <a:schemeClr val="tx1"/>
+                </a:solidFill>
+                <a:latin typeface="+mn-lt"/>
+                <a:ea typeface="+mn-ea"/>
+                <a:cs typeface="+mn-cs"/>
+              </a:defRPr>
+            </a:lvl2pPr>
+            <a:lvl3pPr marL="1143000" indent="-228600" algn="l" defTabSz="914400" rtl="0" eaLnBrk="1" latinLnBrk="0" hangingPunct="1">
+              <a:lnSpc>
+                <a:spcPct val="90000"/>
+              </a:lnSpc>
+              <a:spcBef>
+                <a:spcPts val="500"/>
+              </a:spcBef>
+              <a:buFont typeface="Arial" panose="020B0604020202020204" pitchFamily="34" charset="0"/>
+              <a:buChar char="•"/>
+              <a:defRPr sz="2000" kern="1200">
+                <a:solidFill>
+                  <a:schemeClr val="tx1"/>
+                </a:solidFill>
+                <a:latin typeface="+mn-lt"/>
+                <a:ea typeface="+mn-ea"/>
+                <a:cs typeface="+mn-cs"/>
+              </a:defRPr>
+            </a:lvl3pPr>
+            <a:lvl4pPr marL="1600200" indent="-228600" algn="l" defTabSz="914400" rtl="0" eaLnBrk="1" latinLnBrk="0" hangingPunct="1">
+              <a:lnSpc>
+                <a:spcPct val="90000"/>
+              </a:lnSpc>
+              <a:spcBef>
+                <a:spcPts val="500"/>
+              </a:spcBef>
+              <a:buFont typeface="Arial" panose="020B0604020202020204" pitchFamily="34" charset="0"/>
+              <a:buChar char="•"/>
+              <a:defRPr sz="1800" kern="1200">
+                <a:solidFill>
+                  <a:schemeClr val="tx1"/>
+                </a:solidFill>
+                <a:latin typeface="+mn-lt"/>
+                <a:ea typeface="+mn-ea"/>
+                <a:cs typeface="+mn-cs"/>
+              </a:defRPr>
+            </a:lvl4pPr>
+            <a:lvl5pPr marL="2057400" indent="-228600" algn="l" defTabSz="914400" rtl="0" eaLnBrk="1" latinLnBrk="0" hangingPunct="1">
+              <a:lnSpc>
+                <a:spcPct val="90000"/>
+              </a:lnSpc>
+              <a:spcBef>
+                <a:spcPts val="500"/>
+              </a:spcBef>
+              <a:buFont typeface="Arial" panose="020B0604020202020204" pitchFamily="34" charset="0"/>
+              <a:buChar char="•"/>
+              <a:defRPr sz="1800" kern="1200">
+                <a:solidFill>
+                  <a:schemeClr val="tx1"/>
+                </a:solidFill>
+                <a:latin typeface="+mn-lt"/>
+                <a:ea typeface="+mn-ea"/>
+                <a:cs typeface="+mn-cs"/>
+              </a:defRPr>
+            </a:lvl5pPr>
+            <a:lvl6pPr marL="2514600" indent="-228600" algn="l" defTabSz="914400" rtl="0" eaLnBrk="1" latinLnBrk="0" hangingPunct="1">
+              <a:lnSpc>
+                <a:spcPct val="90000"/>
+              </a:lnSpc>
+              <a:spcBef>
+                <a:spcPts val="500"/>
+              </a:spcBef>
+              <a:buFont typeface="Arial" panose="020B0604020202020204" pitchFamily="34" charset="0"/>
+              <a:buChar char="•"/>
+              <a:defRPr sz="1800" kern="1200">
+                <a:solidFill>
+                  <a:schemeClr val="tx1"/>
+                </a:solidFill>
+                <a:latin typeface="+mn-lt"/>
+                <a:ea typeface="+mn-ea"/>
+                <a:cs typeface="+mn-cs"/>
+              </a:defRPr>
+            </a:lvl6pPr>
+            <a:lvl7pPr marL="2971800" indent="-228600" algn="l" defTabSz="914400" rtl="0" eaLnBrk="1" latinLnBrk="0" hangingPunct="1">
+              <a:lnSpc>
+                <a:spcPct val="90000"/>
+              </a:lnSpc>
+              <a:spcBef>
+                <a:spcPts val="500"/>
+              </a:spcBef>
+              <a:buFont typeface="Arial" panose="020B0604020202020204" pitchFamily="34" charset="0"/>
+              <a:buChar char="•"/>
+              <a:defRPr sz="1800" kern="1200">
+                <a:solidFill>
+                  <a:schemeClr val="tx1"/>
+                </a:solidFill>
+                <a:latin typeface="+mn-lt"/>
+                <a:ea typeface="+mn-ea"/>
+                <a:cs typeface="+mn-cs"/>
+              </a:defRPr>
+            </a:lvl7pPr>
+            <a:lvl8pPr marL="3429000" indent="-228600" algn="l" defTabSz="914400" rtl="0" eaLnBrk="1" latinLnBrk="0" hangingPunct="1">
+              <a:lnSpc>
+                <a:spcPct val="90000"/>
+              </a:lnSpc>
+              <a:spcBef>
+                <a:spcPts val="500"/>
+              </a:spcBef>
+              <a:buFont typeface="Arial" panose="020B0604020202020204" pitchFamily="34" charset="0"/>
+              <a:buChar char="•"/>
+              <a:defRPr sz="1800" kern="1200">
+                <a:solidFill>
+                  <a:schemeClr val="tx1"/>
+                </a:solidFill>
+                <a:latin typeface="+mn-lt"/>
+                <a:ea typeface="+mn-ea"/>
+                <a:cs typeface="+mn-cs"/>
+              </a:defRPr>
+            </a:lvl8pPr>
+            <a:lvl9pPr marL="3886200" indent="-228600" algn="l" defTabSz="914400" rtl="0" eaLnBrk="1" latinLnBrk="0" hangingPunct="1">
+              <a:lnSpc>
+                <a:spcPct val="90000"/>
+              </a:lnSpc>
+              <a:spcBef>
+                <a:spcPts val="500"/>
+              </a:spcBef>
+              <a:buFont typeface="Arial" panose="020B0604020202020204" pitchFamily="34" charset="0"/>
+              <a:buChar char="•"/>
+              <a:defRPr sz="1800" kern="1200">
+                <a:solidFill>
+                  <a:schemeClr val="tx1"/>
+                </a:solidFill>
+                <a:latin typeface="+mn-lt"/>
+                <a:ea typeface="+mn-ea"/>
+                <a:cs typeface="+mn-cs"/>
+              </a:defRPr>
+            </a:lvl9pPr>
+          </a:lstStyle>
+          <a:p>
+            <a:r>
               <a:rPr lang="en-GB" dirty="0"/>
-              <a:t>Segmentation of areas by types of crime</a:t>
+              <a:t>Data: wide format 5,149 areas as the dependant variable represented by each row</a:t>
+            </a:r>
+          </a:p>
+          <a:p>
+            <a:r>
+              <a:rPr lang="en-GB" dirty="0"/>
+              <a:t>14 types of crime as the independent variables</a:t>
+            </a:r>
+          </a:p>
+        </p:txBody>
+      </p:sp>
+      <p:graphicFrame>
+        <p:nvGraphicFramePr>
+          <p:cNvPr id="6" name="Table 5"/>
+          <p:cNvGraphicFramePr>
+            <a:graphicFrameLocks noGrp="1"/>
+          </p:cNvGraphicFramePr>
+          <p:nvPr>
+            <p:extLst>
+              <p:ext uri="{D42A27DB-BD31-4B8C-83A1-F6EECF244321}">
+                <p14:modId xmlns:p14="http://schemas.microsoft.com/office/powerpoint/2010/main" val="1880549973"/>
+              </p:ext>
+            </p:extLst>
+          </p:nvPr>
+        </p:nvGraphicFramePr>
+        <p:xfrm>
+          <a:off x="494950" y="3663173"/>
+          <a:ext cx="11056689" cy="1464945"/>
+        </p:xfrm>
+        <a:graphic>
+          <a:graphicData uri="http://schemas.openxmlformats.org/drawingml/2006/table">
+            <a:tbl>
+              <a:tblPr/>
+              <a:tblGrid>
+                <a:gridCol w="1506435">
+                  <a:extLst>
+                    <a:ext uri="{9D8B030D-6E8A-4147-A177-3AD203B41FA5}">
+                      <a16:colId xmlns:a16="http://schemas.microsoft.com/office/drawing/2014/main" val="2124675374"/>
+                    </a:ext>
+                  </a:extLst>
+                </a:gridCol>
+                <a:gridCol w="682161">
+                  <a:extLst>
+                    <a:ext uri="{9D8B030D-6E8A-4147-A177-3AD203B41FA5}">
+                      <a16:colId xmlns:a16="http://schemas.microsoft.com/office/drawing/2014/main" val="2606155433"/>
+                    </a:ext>
+                  </a:extLst>
+                </a:gridCol>
+                <a:gridCol w="682161">
+                  <a:extLst>
+                    <a:ext uri="{9D8B030D-6E8A-4147-A177-3AD203B41FA5}">
+                      <a16:colId xmlns:a16="http://schemas.microsoft.com/office/drawing/2014/main" val="4043295366"/>
+                    </a:ext>
+                  </a:extLst>
+                </a:gridCol>
+                <a:gridCol w="682161">
+                  <a:extLst>
+                    <a:ext uri="{9D8B030D-6E8A-4147-A177-3AD203B41FA5}">
+                      <a16:colId xmlns:a16="http://schemas.microsoft.com/office/drawing/2014/main" val="997725050"/>
+                    </a:ext>
+                  </a:extLst>
+                </a:gridCol>
+                <a:gridCol w="682161">
+                  <a:extLst>
+                    <a:ext uri="{9D8B030D-6E8A-4147-A177-3AD203B41FA5}">
+                      <a16:colId xmlns:a16="http://schemas.microsoft.com/office/drawing/2014/main" val="100935528"/>
+                    </a:ext>
+                  </a:extLst>
+                </a:gridCol>
+                <a:gridCol w="682161">
+                  <a:extLst>
+                    <a:ext uri="{9D8B030D-6E8A-4147-A177-3AD203B41FA5}">
+                      <a16:colId xmlns:a16="http://schemas.microsoft.com/office/drawing/2014/main" val="1805050407"/>
+                    </a:ext>
+                  </a:extLst>
+                </a:gridCol>
+                <a:gridCol w="682161">
+                  <a:extLst>
+                    <a:ext uri="{9D8B030D-6E8A-4147-A177-3AD203B41FA5}">
+                      <a16:colId xmlns:a16="http://schemas.microsoft.com/office/drawing/2014/main" val="2017693610"/>
+                    </a:ext>
+                  </a:extLst>
+                </a:gridCol>
+                <a:gridCol w="682161">
+                  <a:extLst>
+                    <a:ext uri="{9D8B030D-6E8A-4147-A177-3AD203B41FA5}">
+                      <a16:colId xmlns:a16="http://schemas.microsoft.com/office/drawing/2014/main" val="3369483236"/>
+                    </a:ext>
+                  </a:extLst>
+                </a:gridCol>
+                <a:gridCol w="682161">
+                  <a:extLst>
+                    <a:ext uri="{9D8B030D-6E8A-4147-A177-3AD203B41FA5}">
+                      <a16:colId xmlns:a16="http://schemas.microsoft.com/office/drawing/2014/main" val="612842748"/>
+                    </a:ext>
+                  </a:extLst>
+                </a:gridCol>
+                <a:gridCol w="682161">
+                  <a:extLst>
+                    <a:ext uri="{9D8B030D-6E8A-4147-A177-3AD203B41FA5}">
+                      <a16:colId xmlns:a16="http://schemas.microsoft.com/office/drawing/2014/main" val="295378867"/>
+                    </a:ext>
+                  </a:extLst>
+                </a:gridCol>
+                <a:gridCol w="682161">
+                  <a:extLst>
+                    <a:ext uri="{9D8B030D-6E8A-4147-A177-3AD203B41FA5}">
+                      <a16:colId xmlns:a16="http://schemas.microsoft.com/office/drawing/2014/main" val="663985975"/>
+                    </a:ext>
+                  </a:extLst>
+                </a:gridCol>
+                <a:gridCol w="682161">
+                  <a:extLst>
+                    <a:ext uri="{9D8B030D-6E8A-4147-A177-3AD203B41FA5}">
+                      <a16:colId xmlns:a16="http://schemas.microsoft.com/office/drawing/2014/main" val="341121101"/>
+                    </a:ext>
+                  </a:extLst>
+                </a:gridCol>
+                <a:gridCol w="682161">
+                  <a:extLst>
+                    <a:ext uri="{9D8B030D-6E8A-4147-A177-3AD203B41FA5}">
+                      <a16:colId xmlns:a16="http://schemas.microsoft.com/office/drawing/2014/main" val="3088466066"/>
+                    </a:ext>
+                  </a:extLst>
+                </a:gridCol>
+                <a:gridCol w="682161">
+                  <a:extLst>
+                    <a:ext uri="{9D8B030D-6E8A-4147-A177-3AD203B41FA5}">
+                      <a16:colId xmlns:a16="http://schemas.microsoft.com/office/drawing/2014/main" val="1388244587"/>
+                    </a:ext>
+                  </a:extLst>
+                </a:gridCol>
+                <a:gridCol w="682161">
+                  <a:extLst>
+                    <a:ext uri="{9D8B030D-6E8A-4147-A177-3AD203B41FA5}">
+                      <a16:colId xmlns:a16="http://schemas.microsoft.com/office/drawing/2014/main" val="1289385533"/>
+                    </a:ext>
+                  </a:extLst>
+                </a:gridCol>
+              </a:tblGrid>
+              <a:tr h="190500">
+                <a:tc>
+                  <a:txBody>
+                    <a:bodyPr/>
+                    <a:lstStyle/>
+                    <a:p>
+                      <a:pPr algn="l" fontAlgn="b"/>
+                      <a:r>
+                        <a:rPr lang="en-GB" sz="1100" b="0" i="0" u="none" strike="noStrike">
+                          <a:solidFill>
+                            <a:srgbClr val="000000"/>
+                          </a:solidFill>
+                          <a:effectLst/>
+                          <a:latin typeface="Calibri" panose="020F0502020204030204" pitchFamily="34" charset="0"/>
+                        </a:rPr>
+                        <a:t>LSOA_name</a:t>
+                      </a:r>
+                    </a:p>
+                  </a:txBody>
+                  <a:tcPr marL="9525" marR="9525" marT="9525" marB="0" anchor="b">
+                    <a:lnL>
+                      <a:noFill/>
+                    </a:lnL>
+                    <a:lnR>
+                      <a:noFill/>
+                    </a:lnR>
+                    <a:lnT>
+                      <a:noFill/>
+                    </a:lnT>
+                    <a:lnB>
+                      <a:noFill/>
+                    </a:lnB>
+                  </a:tcPr>
+                </a:tc>
+                <a:tc>
+                  <a:txBody>
+                    <a:bodyPr/>
+                    <a:lstStyle/>
+                    <a:p>
+                      <a:pPr algn="l" fontAlgn="b"/>
+                      <a:r>
+                        <a:rPr lang="en-GB" sz="1100" b="0" i="0" u="none" strike="noStrike">
+                          <a:solidFill>
+                            <a:srgbClr val="000000"/>
+                          </a:solidFill>
+                          <a:effectLst/>
+                          <a:latin typeface="Calibri" panose="020F0502020204030204" pitchFamily="34" charset="0"/>
+                        </a:rPr>
+                        <a:t>anti_social_behaviour</a:t>
+                      </a:r>
+                    </a:p>
+                  </a:txBody>
+                  <a:tcPr marL="9525" marR="9525" marT="9525" marB="0" anchor="b">
+                    <a:lnL>
+                      <a:noFill/>
+                    </a:lnL>
+                    <a:lnR>
+                      <a:noFill/>
+                    </a:lnR>
+                    <a:lnT>
+                      <a:noFill/>
+                    </a:lnT>
+                    <a:lnB>
+                      <a:noFill/>
+                    </a:lnB>
+                  </a:tcPr>
+                </a:tc>
+                <a:tc>
+                  <a:txBody>
+                    <a:bodyPr/>
+                    <a:lstStyle/>
+                    <a:p>
+                      <a:pPr algn="l" fontAlgn="b"/>
+                      <a:r>
+                        <a:rPr lang="en-GB" sz="1100" b="0" i="0" u="none" strike="noStrike">
+                          <a:solidFill>
+                            <a:srgbClr val="000000"/>
+                          </a:solidFill>
+                          <a:effectLst/>
+                          <a:latin typeface="Calibri" panose="020F0502020204030204" pitchFamily="34" charset="0"/>
+                        </a:rPr>
+                        <a:t>bicycle_theft</a:t>
+                      </a:r>
+                    </a:p>
+                  </a:txBody>
+                  <a:tcPr marL="9525" marR="9525" marT="9525" marB="0" anchor="b">
+                    <a:lnL>
+                      <a:noFill/>
+                    </a:lnL>
+                    <a:lnR>
+                      <a:noFill/>
+                    </a:lnR>
+                    <a:lnT>
+                      <a:noFill/>
+                    </a:lnT>
+                    <a:lnB>
+                      <a:noFill/>
+                    </a:lnB>
+                  </a:tcPr>
+                </a:tc>
+                <a:tc>
+                  <a:txBody>
+                    <a:bodyPr/>
+                    <a:lstStyle/>
+                    <a:p>
+                      <a:pPr algn="l" fontAlgn="b"/>
+                      <a:r>
+                        <a:rPr lang="en-GB" sz="1100" b="0" i="0" u="none" strike="noStrike">
+                          <a:solidFill>
+                            <a:srgbClr val="000000"/>
+                          </a:solidFill>
+                          <a:effectLst/>
+                          <a:latin typeface="Calibri" panose="020F0502020204030204" pitchFamily="34" charset="0"/>
+                        </a:rPr>
+                        <a:t>burglary</a:t>
+                      </a:r>
+                    </a:p>
+                  </a:txBody>
+                  <a:tcPr marL="9525" marR="9525" marT="9525" marB="0" anchor="b">
+                    <a:lnL>
+                      <a:noFill/>
+                    </a:lnL>
+                    <a:lnR>
+                      <a:noFill/>
+                    </a:lnR>
+                    <a:lnT>
+                      <a:noFill/>
+                    </a:lnT>
+                    <a:lnB>
+                      <a:noFill/>
+                    </a:lnB>
+                  </a:tcPr>
+                </a:tc>
+                <a:tc>
+                  <a:txBody>
+                    <a:bodyPr/>
+                    <a:lstStyle/>
+                    <a:p>
+                      <a:pPr algn="l" fontAlgn="b"/>
+                      <a:r>
+                        <a:rPr lang="en-GB" sz="1100" b="0" i="0" u="none" strike="noStrike">
+                          <a:solidFill>
+                            <a:srgbClr val="000000"/>
+                          </a:solidFill>
+                          <a:effectLst/>
+                          <a:latin typeface="Calibri" panose="020F0502020204030204" pitchFamily="34" charset="0"/>
+                        </a:rPr>
+                        <a:t>criminal_damage_and_arson</a:t>
+                      </a:r>
+                    </a:p>
+                  </a:txBody>
+                  <a:tcPr marL="9525" marR="9525" marT="9525" marB="0" anchor="b">
+                    <a:lnL>
+                      <a:noFill/>
+                    </a:lnL>
+                    <a:lnR>
+                      <a:noFill/>
+                    </a:lnR>
+                    <a:lnT>
+                      <a:noFill/>
+                    </a:lnT>
+                    <a:lnB>
+                      <a:noFill/>
+                    </a:lnB>
+                  </a:tcPr>
+                </a:tc>
+                <a:tc>
+                  <a:txBody>
+                    <a:bodyPr/>
+                    <a:lstStyle/>
+                    <a:p>
+                      <a:pPr algn="l" fontAlgn="b"/>
+                      <a:r>
+                        <a:rPr lang="en-GB" sz="1100" b="0" i="0" u="none" strike="noStrike">
+                          <a:solidFill>
+                            <a:srgbClr val="000000"/>
+                          </a:solidFill>
+                          <a:effectLst/>
+                          <a:latin typeface="Calibri" panose="020F0502020204030204" pitchFamily="34" charset="0"/>
+                        </a:rPr>
+                        <a:t>drugs</a:t>
+                      </a:r>
+                    </a:p>
+                  </a:txBody>
+                  <a:tcPr marL="9525" marR="9525" marT="9525" marB="0" anchor="b">
+                    <a:lnL>
+                      <a:noFill/>
+                    </a:lnL>
+                    <a:lnR>
+                      <a:noFill/>
+                    </a:lnR>
+                    <a:lnT>
+                      <a:noFill/>
+                    </a:lnT>
+                    <a:lnB>
+                      <a:noFill/>
+                    </a:lnB>
+                  </a:tcPr>
+                </a:tc>
+                <a:tc>
+                  <a:txBody>
+                    <a:bodyPr/>
+                    <a:lstStyle/>
+                    <a:p>
+                      <a:pPr algn="l" fontAlgn="b"/>
+                      <a:r>
+                        <a:rPr lang="en-GB" sz="1100" b="0" i="0" u="none" strike="noStrike">
+                          <a:solidFill>
+                            <a:srgbClr val="000000"/>
+                          </a:solidFill>
+                          <a:effectLst/>
+                          <a:latin typeface="Calibri" panose="020F0502020204030204" pitchFamily="34" charset="0"/>
+                        </a:rPr>
+                        <a:t>other_crime</a:t>
+                      </a:r>
+                    </a:p>
+                  </a:txBody>
+                  <a:tcPr marL="9525" marR="9525" marT="9525" marB="0" anchor="b">
+                    <a:lnL>
+                      <a:noFill/>
+                    </a:lnL>
+                    <a:lnR>
+                      <a:noFill/>
+                    </a:lnR>
+                    <a:lnT>
+                      <a:noFill/>
+                    </a:lnT>
+                    <a:lnB>
+                      <a:noFill/>
+                    </a:lnB>
+                  </a:tcPr>
+                </a:tc>
+                <a:tc>
+                  <a:txBody>
+                    <a:bodyPr/>
+                    <a:lstStyle/>
+                    <a:p>
+                      <a:pPr algn="l" fontAlgn="b"/>
+                      <a:r>
+                        <a:rPr lang="en-GB" sz="1100" b="0" i="0" u="none" strike="noStrike">
+                          <a:solidFill>
+                            <a:srgbClr val="000000"/>
+                          </a:solidFill>
+                          <a:effectLst/>
+                          <a:latin typeface="Calibri" panose="020F0502020204030204" pitchFamily="34" charset="0"/>
+                        </a:rPr>
+                        <a:t>other_theft</a:t>
+                      </a:r>
+                    </a:p>
+                  </a:txBody>
+                  <a:tcPr marL="9525" marR="9525" marT="9525" marB="0" anchor="b">
+                    <a:lnL>
+                      <a:noFill/>
+                    </a:lnL>
+                    <a:lnR>
+                      <a:noFill/>
+                    </a:lnR>
+                    <a:lnT>
+                      <a:noFill/>
+                    </a:lnT>
+                    <a:lnB>
+                      <a:noFill/>
+                    </a:lnB>
+                  </a:tcPr>
+                </a:tc>
+                <a:tc>
+                  <a:txBody>
+                    <a:bodyPr/>
+                    <a:lstStyle/>
+                    <a:p>
+                      <a:pPr algn="l" fontAlgn="b"/>
+                      <a:r>
+                        <a:rPr lang="en-GB" sz="1100" b="0" i="0" u="none" strike="noStrike">
+                          <a:solidFill>
+                            <a:srgbClr val="000000"/>
+                          </a:solidFill>
+                          <a:effectLst/>
+                          <a:latin typeface="Calibri" panose="020F0502020204030204" pitchFamily="34" charset="0"/>
+                        </a:rPr>
+                        <a:t>possession_of_weapons</a:t>
+                      </a:r>
+                    </a:p>
+                  </a:txBody>
+                  <a:tcPr marL="9525" marR="9525" marT="9525" marB="0" anchor="b">
+                    <a:lnL>
+                      <a:noFill/>
+                    </a:lnL>
+                    <a:lnR>
+                      <a:noFill/>
+                    </a:lnR>
+                    <a:lnT>
+                      <a:noFill/>
+                    </a:lnT>
+                    <a:lnB>
+                      <a:noFill/>
+                    </a:lnB>
+                  </a:tcPr>
+                </a:tc>
+                <a:tc>
+                  <a:txBody>
+                    <a:bodyPr/>
+                    <a:lstStyle/>
+                    <a:p>
+                      <a:pPr algn="l" fontAlgn="b"/>
+                      <a:r>
+                        <a:rPr lang="en-GB" sz="1100" b="0" i="0" u="none" strike="noStrike">
+                          <a:solidFill>
+                            <a:srgbClr val="000000"/>
+                          </a:solidFill>
+                          <a:effectLst/>
+                          <a:latin typeface="Calibri" panose="020F0502020204030204" pitchFamily="34" charset="0"/>
+                        </a:rPr>
+                        <a:t>public_order</a:t>
+                      </a:r>
+                    </a:p>
+                  </a:txBody>
+                  <a:tcPr marL="9525" marR="9525" marT="9525" marB="0" anchor="b">
+                    <a:lnL>
+                      <a:noFill/>
+                    </a:lnL>
+                    <a:lnR>
+                      <a:noFill/>
+                    </a:lnR>
+                    <a:lnT>
+                      <a:noFill/>
+                    </a:lnT>
+                    <a:lnB>
+                      <a:noFill/>
+                    </a:lnB>
+                  </a:tcPr>
+                </a:tc>
+                <a:tc>
+                  <a:txBody>
+                    <a:bodyPr/>
+                    <a:lstStyle/>
+                    <a:p>
+                      <a:pPr algn="l" fontAlgn="b"/>
+                      <a:r>
+                        <a:rPr lang="en-GB" sz="1100" b="0" i="0" u="none" strike="noStrike">
+                          <a:solidFill>
+                            <a:srgbClr val="000000"/>
+                          </a:solidFill>
+                          <a:effectLst/>
+                          <a:latin typeface="Calibri" panose="020F0502020204030204" pitchFamily="34" charset="0"/>
+                        </a:rPr>
+                        <a:t>robbery</a:t>
+                      </a:r>
+                    </a:p>
+                  </a:txBody>
+                  <a:tcPr marL="9525" marR="9525" marT="9525" marB="0" anchor="b">
+                    <a:lnL>
+                      <a:noFill/>
+                    </a:lnL>
+                    <a:lnR>
+                      <a:noFill/>
+                    </a:lnR>
+                    <a:lnT>
+                      <a:noFill/>
+                    </a:lnT>
+                    <a:lnB>
+                      <a:noFill/>
+                    </a:lnB>
+                  </a:tcPr>
+                </a:tc>
+                <a:tc>
+                  <a:txBody>
+                    <a:bodyPr/>
+                    <a:lstStyle/>
+                    <a:p>
+                      <a:pPr algn="l" fontAlgn="b"/>
+                      <a:r>
+                        <a:rPr lang="en-GB" sz="1100" b="0" i="0" u="none" strike="noStrike">
+                          <a:solidFill>
+                            <a:srgbClr val="000000"/>
+                          </a:solidFill>
+                          <a:effectLst/>
+                          <a:latin typeface="Calibri" panose="020F0502020204030204" pitchFamily="34" charset="0"/>
+                        </a:rPr>
+                        <a:t>shoplifting</a:t>
+                      </a:r>
+                    </a:p>
+                  </a:txBody>
+                  <a:tcPr marL="9525" marR="9525" marT="9525" marB="0" anchor="b">
+                    <a:lnL>
+                      <a:noFill/>
+                    </a:lnL>
+                    <a:lnR>
+                      <a:noFill/>
+                    </a:lnR>
+                    <a:lnT>
+                      <a:noFill/>
+                    </a:lnT>
+                    <a:lnB>
+                      <a:noFill/>
+                    </a:lnB>
+                  </a:tcPr>
+                </a:tc>
+                <a:tc>
+                  <a:txBody>
+                    <a:bodyPr/>
+                    <a:lstStyle/>
+                    <a:p>
+                      <a:pPr algn="l" fontAlgn="b"/>
+                      <a:r>
+                        <a:rPr lang="en-GB" sz="1100" b="0" i="0" u="none" strike="noStrike">
+                          <a:solidFill>
+                            <a:srgbClr val="000000"/>
+                          </a:solidFill>
+                          <a:effectLst/>
+                          <a:latin typeface="Calibri" panose="020F0502020204030204" pitchFamily="34" charset="0"/>
+                        </a:rPr>
+                        <a:t>theft_from_the_person</a:t>
+                      </a:r>
+                    </a:p>
+                  </a:txBody>
+                  <a:tcPr marL="9525" marR="9525" marT="9525" marB="0" anchor="b">
+                    <a:lnL>
+                      <a:noFill/>
+                    </a:lnL>
+                    <a:lnR>
+                      <a:noFill/>
+                    </a:lnR>
+                    <a:lnT>
+                      <a:noFill/>
+                    </a:lnT>
+                    <a:lnB>
+                      <a:noFill/>
+                    </a:lnB>
+                  </a:tcPr>
+                </a:tc>
+                <a:tc>
+                  <a:txBody>
+                    <a:bodyPr/>
+                    <a:lstStyle/>
+                    <a:p>
+                      <a:pPr algn="l" fontAlgn="b"/>
+                      <a:r>
+                        <a:rPr lang="en-GB" sz="1100" b="0" i="0" u="none" strike="noStrike">
+                          <a:solidFill>
+                            <a:srgbClr val="000000"/>
+                          </a:solidFill>
+                          <a:effectLst/>
+                          <a:latin typeface="Calibri" panose="020F0502020204030204" pitchFamily="34" charset="0"/>
+                        </a:rPr>
+                        <a:t>vehicle_crime</a:t>
+                      </a:r>
+                    </a:p>
+                  </a:txBody>
+                  <a:tcPr marL="9525" marR="9525" marT="9525" marB="0" anchor="b">
+                    <a:lnL>
+                      <a:noFill/>
+                    </a:lnL>
+                    <a:lnR>
+                      <a:noFill/>
+                    </a:lnR>
+                    <a:lnT>
+                      <a:noFill/>
+                    </a:lnT>
+                    <a:lnB>
+                      <a:noFill/>
+                    </a:lnB>
+                  </a:tcPr>
+                </a:tc>
+                <a:tc>
+                  <a:txBody>
+                    <a:bodyPr/>
+                    <a:lstStyle/>
+                    <a:p>
+                      <a:pPr algn="l" fontAlgn="b"/>
+                      <a:r>
+                        <a:rPr lang="en-GB" sz="1100" b="0" i="0" u="none" strike="noStrike">
+                          <a:solidFill>
+                            <a:srgbClr val="000000"/>
+                          </a:solidFill>
+                          <a:effectLst/>
+                          <a:latin typeface="Calibri" panose="020F0502020204030204" pitchFamily="34" charset="0"/>
+                        </a:rPr>
+                        <a:t>violence_and_sexual_offences</a:t>
+                      </a:r>
+                    </a:p>
+                  </a:txBody>
+                  <a:tcPr marL="9525" marR="9525" marT="9525" marB="0" anchor="b">
+                    <a:lnL>
+                      <a:noFill/>
+                    </a:lnL>
+                    <a:lnR>
+                      <a:noFill/>
+                    </a:lnR>
+                    <a:lnT>
+                      <a:noFill/>
+                    </a:lnT>
+                    <a:lnB>
+                      <a:noFill/>
+                    </a:lnB>
+                  </a:tcPr>
+                </a:tc>
+                <a:extLst>
+                  <a:ext uri="{0D108BD9-81ED-4DB2-BD59-A6C34878D82A}">
+                    <a16:rowId xmlns:a16="http://schemas.microsoft.com/office/drawing/2014/main" val="1865484778"/>
+                  </a:ext>
+                </a:extLst>
+              </a:tr>
+              <a:tr h="190500">
+                <a:tc>
+                  <a:txBody>
+                    <a:bodyPr/>
+                    <a:lstStyle/>
+                    <a:p>
+                      <a:pPr algn="l" fontAlgn="b"/>
+                      <a:r>
+                        <a:rPr lang="en-GB" sz="1100" b="0" i="0" u="none" strike="noStrike">
+                          <a:solidFill>
+                            <a:srgbClr val="000000"/>
+                          </a:solidFill>
+                          <a:effectLst/>
+                          <a:latin typeface="Calibri" panose="020F0502020204030204" pitchFamily="34" charset="0"/>
+                        </a:rPr>
+                        <a:t>Camden 028B</a:t>
+                      </a:r>
+                    </a:p>
+                  </a:txBody>
+                  <a:tcPr marL="9525" marR="9525" marT="9525" marB="0" anchor="b">
+                    <a:lnL>
+                      <a:noFill/>
+                    </a:lnL>
+                    <a:lnR>
+                      <a:noFill/>
+                    </a:lnR>
+                    <a:lnT>
+                      <a:noFill/>
+                    </a:lnT>
+                    <a:lnB>
+                      <a:noFill/>
+                    </a:lnB>
+                  </a:tcPr>
+                </a:tc>
+                <a:tc>
+                  <a:txBody>
+                    <a:bodyPr/>
+                    <a:lstStyle/>
+                    <a:p>
+                      <a:pPr algn="r" fontAlgn="b"/>
+                      <a:r>
+                        <a:rPr lang="en-GB" sz="1100" b="0" i="0" u="none" strike="noStrike">
+                          <a:solidFill>
+                            <a:srgbClr val="000000"/>
+                          </a:solidFill>
+                          <a:effectLst/>
+                          <a:latin typeface="Calibri" panose="020F0502020204030204" pitchFamily="34" charset="0"/>
+                        </a:rPr>
+                        <a:t>386</a:t>
+                      </a:r>
+                    </a:p>
+                  </a:txBody>
+                  <a:tcPr marL="9525" marR="9525" marT="9525" marB="0" anchor="b">
+                    <a:lnL>
+                      <a:noFill/>
+                    </a:lnL>
+                    <a:lnR>
+                      <a:noFill/>
+                    </a:lnR>
+                    <a:lnT>
+                      <a:noFill/>
+                    </a:lnT>
+                    <a:lnB>
+                      <a:noFill/>
+                    </a:lnB>
+                  </a:tcPr>
+                </a:tc>
+                <a:tc>
+                  <a:txBody>
+                    <a:bodyPr/>
+                    <a:lstStyle/>
+                    <a:p>
+                      <a:pPr algn="r" fontAlgn="b"/>
+                      <a:r>
+                        <a:rPr lang="en-GB" sz="1100" b="0" i="0" u="none" strike="noStrike">
+                          <a:solidFill>
+                            <a:srgbClr val="000000"/>
+                          </a:solidFill>
+                          <a:effectLst/>
+                          <a:latin typeface="Calibri" panose="020F0502020204030204" pitchFamily="34" charset="0"/>
+                        </a:rPr>
+                        <a:t>72</a:t>
+                      </a:r>
+                    </a:p>
+                  </a:txBody>
+                  <a:tcPr marL="9525" marR="9525" marT="9525" marB="0" anchor="b">
+                    <a:lnL>
+                      <a:noFill/>
+                    </a:lnL>
+                    <a:lnR>
+                      <a:noFill/>
+                    </a:lnR>
+                    <a:lnT>
+                      <a:noFill/>
+                    </a:lnT>
+                    <a:lnB>
+                      <a:noFill/>
+                    </a:lnB>
+                  </a:tcPr>
+                </a:tc>
+                <a:tc>
+                  <a:txBody>
+                    <a:bodyPr/>
+                    <a:lstStyle/>
+                    <a:p>
+                      <a:pPr algn="r" fontAlgn="b"/>
+                      <a:r>
+                        <a:rPr lang="en-GB" sz="1100" b="0" i="0" u="none" strike="noStrike">
+                          <a:solidFill>
+                            <a:srgbClr val="000000"/>
+                          </a:solidFill>
+                          <a:effectLst/>
+                          <a:latin typeface="Calibri" panose="020F0502020204030204" pitchFamily="34" charset="0"/>
+                        </a:rPr>
+                        <a:t>111</a:t>
+                      </a:r>
+                    </a:p>
+                  </a:txBody>
+                  <a:tcPr marL="9525" marR="9525" marT="9525" marB="0" anchor="b">
+                    <a:lnL>
+                      <a:noFill/>
+                    </a:lnL>
+                    <a:lnR>
+                      <a:noFill/>
+                    </a:lnR>
+                    <a:lnT>
+                      <a:noFill/>
+                    </a:lnT>
+                    <a:lnB>
+                      <a:noFill/>
+                    </a:lnB>
+                  </a:tcPr>
+                </a:tc>
+                <a:tc>
+                  <a:txBody>
+                    <a:bodyPr/>
+                    <a:lstStyle/>
+                    <a:p>
+                      <a:pPr algn="r" fontAlgn="b"/>
+                      <a:r>
+                        <a:rPr lang="en-GB" sz="1100" b="0" i="0" u="none" strike="noStrike">
+                          <a:solidFill>
+                            <a:srgbClr val="000000"/>
+                          </a:solidFill>
+                          <a:effectLst/>
+                          <a:latin typeface="Calibri" panose="020F0502020204030204" pitchFamily="34" charset="0"/>
+                        </a:rPr>
+                        <a:t>47</a:t>
+                      </a:r>
+                    </a:p>
+                  </a:txBody>
+                  <a:tcPr marL="9525" marR="9525" marT="9525" marB="0" anchor="b">
+                    <a:lnL>
+                      <a:noFill/>
+                    </a:lnL>
+                    <a:lnR>
+                      <a:noFill/>
+                    </a:lnR>
+                    <a:lnT>
+                      <a:noFill/>
+                    </a:lnT>
+                    <a:lnB>
+                      <a:noFill/>
+                    </a:lnB>
+                  </a:tcPr>
+                </a:tc>
+                <a:tc>
+                  <a:txBody>
+                    <a:bodyPr/>
+                    <a:lstStyle/>
+                    <a:p>
+                      <a:pPr algn="r" fontAlgn="b"/>
+                      <a:r>
+                        <a:rPr lang="en-GB" sz="1100" b="0" i="0" u="none" strike="noStrike">
+                          <a:solidFill>
+                            <a:srgbClr val="000000"/>
+                          </a:solidFill>
+                          <a:effectLst/>
+                          <a:latin typeface="Calibri" panose="020F0502020204030204" pitchFamily="34" charset="0"/>
+                        </a:rPr>
+                        <a:t>19</a:t>
+                      </a:r>
+                    </a:p>
+                  </a:txBody>
+                  <a:tcPr marL="9525" marR="9525" marT="9525" marB="0" anchor="b">
+                    <a:lnL>
+                      <a:noFill/>
+                    </a:lnL>
+                    <a:lnR>
+                      <a:noFill/>
+                    </a:lnR>
+                    <a:lnT>
+                      <a:noFill/>
+                    </a:lnT>
+                    <a:lnB>
+                      <a:noFill/>
+                    </a:lnB>
+                  </a:tcPr>
+                </a:tc>
+                <a:tc>
+                  <a:txBody>
+                    <a:bodyPr/>
+                    <a:lstStyle/>
+                    <a:p>
+                      <a:pPr algn="r" fontAlgn="b"/>
+                      <a:r>
+                        <a:rPr lang="en-GB" sz="1100" b="0" i="0" u="none" strike="noStrike">
+                          <a:solidFill>
+                            <a:srgbClr val="000000"/>
+                          </a:solidFill>
+                          <a:effectLst/>
+                          <a:latin typeface="Calibri" panose="020F0502020204030204" pitchFamily="34" charset="0"/>
+                        </a:rPr>
+                        <a:t>12</a:t>
+                      </a:r>
+                    </a:p>
+                  </a:txBody>
+                  <a:tcPr marL="9525" marR="9525" marT="9525" marB="0" anchor="b">
+                    <a:lnL>
+                      <a:noFill/>
+                    </a:lnL>
+                    <a:lnR>
+                      <a:noFill/>
+                    </a:lnR>
+                    <a:lnT>
+                      <a:noFill/>
+                    </a:lnT>
+                    <a:lnB>
+                      <a:noFill/>
+                    </a:lnB>
+                  </a:tcPr>
+                </a:tc>
+                <a:tc>
+                  <a:txBody>
+                    <a:bodyPr/>
+                    <a:lstStyle/>
+                    <a:p>
+                      <a:pPr algn="r" fontAlgn="b"/>
+                      <a:r>
+                        <a:rPr lang="en-GB" sz="1100" b="0" i="0" u="none" strike="noStrike">
+                          <a:solidFill>
+                            <a:srgbClr val="000000"/>
+                          </a:solidFill>
+                          <a:effectLst/>
+                          <a:latin typeface="Calibri" panose="020F0502020204030204" pitchFamily="34" charset="0"/>
+                        </a:rPr>
+                        <a:t>476</a:t>
+                      </a:r>
+                    </a:p>
+                  </a:txBody>
+                  <a:tcPr marL="9525" marR="9525" marT="9525" marB="0" anchor="b">
+                    <a:lnL>
+                      <a:noFill/>
+                    </a:lnL>
+                    <a:lnR>
+                      <a:noFill/>
+                    </a:lnR>
+                    <a:lnT>
+                      <a:noFill/>
+                    </a:lnT>
+                    <a:lnB>
+                      <a:noFill/>
+                    </a:lnB>
+                  </a:tcPr>
+                </a:tc>
+                <a:tc>
+                  <a:txBody>
+                    <a:bodyPr/>
+                    <a:lstStyle/>
+                    <a:p>
+                      <a:pPr algn="r" fontAlgn="b"/>
+                      <a:r>
+                        <a:rPr lang="en-GB" sz="1100" b="0" i="0" u="none" strike="noStrike">
+                          <a:solidFill>
+                            <a:srgbClr val="000000"/>
+                          </a:solidFill>
+                          <a:effectLst/>
+                          <a:latin typeface="Calibri" panose="020F0502020204030204" pitchFamily="34" charset="0"/>
+                        </a:rPr>
+                        <a:t>4</a:t>
+                      </a:r>
+                    </a:p>
+                  </a:txBody>
+                  <a:tcPr marL="9525" marR="9525" marT="9525" marB="0" anchor="b">
+                    <a:lnL>
+                      <a:noFill/>
+                    </a:lnL>
+                    <a:lnR>
+                      <a:noFill/>
+                    </a:lnR>
+                    <a:lnT>
+                      <a:noFill/>
+                    </a:lnT>
+                    <a:lnB>
+                      <a:noFill/>
+                    </a:lnB>
+                  </a:tcPr>
+                </a:tc>
+                <a:tc>
+                  <a:txBody>
+                    <a:bodyPr/>
+                    <a:lstStyle/>
+                    <a:p>
+                      <a:pPr algn="r" fontAlgn="b"/>
+                      <a:r>
+                        <a:rPr lang="en-GB" sz="1100" b="0" i="0" u="none" strike="noStrike">
+                          <a:solidFill>
+                            <a:srgbClr val="000000"/>
+                          </a:solidFill>
+                          <a:effectLst/>
+                          <a:latin typeface="Calibri" panose="020F0502020204030204" pitchFamily="34" charset="0"/>
+                        </a:rPr>
+                        <a:t>53</a:t>
+                      </a:r>
+                    </a:p>
+                  </a:txBody>
+                  <a:tcPr marL="9525" marR="9525" marT="9525" marB="0" anchor="b">
+                    <a:lnL>
+                      <a:noFill/>
+                    </a:lnL>
+                    <a:lnR>
+                      <a:noFill/>
+                    </a:lnR>
+                    <a:lnT>
+                      <a:noFill/>
+                    </a:lnT>
+                    <a:lnB>
+                      <a:noFill/>
+                    </a:lnB>
+                  </a:tcPr>
+                </a:tc>
+                <a:tc>
+                  <a:txBody>
+                    <a:bodyPr/>
+                    <a:lstStyle/>
+                    <a:p>
+                      <a:pPr algn="r" fontAlgn="b"/>
+                      <a:r>
+                        <a:rPr lang="en-GB" sz="1100" b="0" i="0" u="none" strike="noStrike">
+                          <a:solidFill>
+                            <a:srgbClr val="000000"/>
+                          </a:solidFill>
+                          <a:effectLst/>
+                          <a:latin typeface="Calibri" panose="020F0502020204030204" pitchFamily="34" charset="0"/>
+                        </a:rPr>
+                        <a:t>23</a:t>
+                      </a:r>
+                    </a:p>
+                  </a:txBody>
+                  <a:tcPr marL="9525" marR="9525" marT="9525" marB="0" anchor="b">
+                    <a:lnL>
+                      <a:noFill/>
+                    </a:lnL>
+                    <a:lnR>
+                      <a:noFill/>
+                    </a:lnR>
+                    <a:lnT>
+                      <a:noFill/>
+                    </a:lnT>
+                    <a:lnB>
+                      <a:noFill/>
+                    </a:lnB>
+                  </a:tcPr>
+                </a:tc>
+                <a:tc>
+                  <a:txBody>
+                    <a:bodyPr/>
+                    <a:lstStyle/>
+                    <a:p>
+                      <a:pPr algn="r" fontAlgn="b"/>
+                      <a:r>
+                        <a:rPr lang="en-GB" sz="1100" b="0" i="0" u="none" strike="noStrike">
+                          <a:solidFill>
+                            <a:srgbClr val="000000"/>
+                          </a:solidFill>
+                          <a:effectLst/>
+                          <a:latin typeface="Calibri" panose="020F0502020204030204" pitchFamily="34" charset="0"/>
+                        </a:rPr>
+                        <a:t>64</a:t>
+                      </a:r>
+                    </a:p>
+                  </a:txBody>
+                  <a:tcPr marL="9525" marR="9525" marT="9525" marB="0" anchor="b">
+                    <a:lnL>
+                      <a:noFill/>
+                    </a:lnL>
+                    <a:lnR>
+                      <a:noFill/>
+                    </a:lnR>
+                    <a:lnT>
+                      <a:noFill/>
+                    </a:lnT>
+                    <a:lnB>
+                      <a:noFill/>
+                    </a:lnB>
+                  </a:tcPr>
+                </a:tc>
+                <a:tc>
+                  <a:txBody>
+                    <a:bodyPr/>
+                    <a:lstStyle/>
+                    <a:p>
+                      <a:pPr algn="r" fontAlgn="b"/>
+                      <a:r>
+                        <a:rPr lang="en-GB" sz="1100" b="0" i="0" u="none" strike="noStrike">
+                          <a:solidFill>
+                            <a:srgbClr val="000000"/>
+                          </a:solidFill>
+                          <a:effectLst/>
+                          <a:latin typeface="Calibri" panose="020F0502020204030204" pitchFamily="34" charset="0"/>
+                        </a:rPr>
+                        <a:t>143</a:t>
+                      </a:r>
+                    </a:p>
+                  </a:txBody>
+                  <a:tcPr marL="9525" marR="9525" marT="9525" marB="0" anchor="b">
+                    <a:lnL>
+                      <a:noFill/>
+                    </a:lnL>
+                    <a:lnR>
+                      <a:noFill/>
+                    </a:lnR>
+                    <a:lnT>
+                      <a:noFill/>
+                    </a:lnT>
+                    <a:lnB>
+                      <a:noFill/>
+                    </a:lnB>
+                  </a:tcPr>
+                </a:tc>
+                <a:tc>
+                  <a:txBody>
+                    <a:bodyPr/>
+                    <a:lstStyle/>
+                    <a:p>
+                      <a:pPr algn="r" fontAlgn="b"/>
+                      <a:r>
+                        <a:rPr lang="en-GB" sz="1100" b="0" i="0" u="none" strike="noStrike">
+                          <a:solidFill>
+                            <a:srgbClr val="000000"/>
+                          </a:solidFill>
+                          <a:effectLst/>
+                          <a:latin typeface="Calibri" panose="020F0502020204030204" pitchFamily="34" charset="0"/>
+                        </a:rPr>
+                        <a:t>76</a:t>
+                      </a:r>
+                    </a:p>
+                  </a:txBody>
+                  <a:tcPr marL="9525" marR="9525" marT="9525" marB="0" anchor="b">
+                    <a:lnL>
+                      <a:noFill/>
+                    </a:lnL>
+                    <a:lnR>
+                      <a:noFill/>
+                    </a:lnR>
+                    <a:lnT>
+                      <a:noFill/>
+                    </a:lnT>
+                    <a:lnB>
+                      <a:noFill/>
+                    </a:lnB>
+                  </a:tcPr>
+                </a:tc>
+                <a:tc>
+                  <a:txBody>
+                    <a:bodyPr/>
+                    <a:lstStyle/>
+                    <a:p>
+                      <a:pPr algn="r" fontAlgn="b"/>
+                      <a:r>
+                        <a:rPr lang="en-GB" sz="1100" b="0" i="0" u="none" strike="noStrike">
+                          <a:solidFill>
+                            <a:srgbClr val="000000"/>
+                          </a:solidFill>
+                          <a:effectLst/>
+                          <a:latin typeface="Calibri" panose="020F0502020204030204" pitchFamily="34" charset="0"/>
+                        </a:rPr>
+                        <a:t>171</a:t>
+                      </a:r>
+                    </a:p>
+                  </a:txBody>
+                  <a:tcPr marL="9525" marR="9525" marT="9525" marB="0" anchor="b">
+                    <a:lnL>
+                      <a:noFill/>
+                    </a:lnL>
+                    <a:lnR>
+                      <a:noFill/>
+                    </a:lnR>
+                    <a:lnT>
+                      <a:noFill/>
+                    </a:lnT>
+                    <a:lnB>
+                      <a:noFill/>
+                    </a:lnB>
+                  </a:tcPr>
+                </a:tc>
+                <a:extLst>
+                  <a:ext uri="{0D108BD9-81ED-4DB2-BD59-A6C34878D82A}">
+                    <a16:rowId xmlns:a16="http://schemas.microsoft.com/office/drawing/2014/main" val="1534353305"/>
+                  </a:ext>
+                </a:extLst>
+              </a:tr>
+              <a:tr h="190500">
+                <a:tc>
+                  <a:txBody>
+                    <a:bodyPr/>
+                    <a:lstStyle/>
+                    <a:p>
+                      <a:pPr algn="l" fontAlgn="b"/>
+                      <a:r>
+                        <a:rPr lang="en-GB" sz="1100" b="0" i="0" u="none" strike="noStrike">
+                          <a:solidFill>
+                            <a:srgbClr val="000000"/>
+                          </a:solidFill>
+                          <a:effectLst/>
+                          <a:latin typeface="Calibri" panose="020F0502020204030204" pitchFamily="34" charset="0"/>
+                        </a:rPr>
+                        <a:t>City of London 001A</a:t>
+                      </a:r>
+                    </a:p>
+                  </a:txBody>
+                  <a:tcPr marL="9525" marR="9525" marT="9525" marB="0" anchor="b">
+                    <a:lnL>
+                      <a:noFill/>
+                    </a:lnL>
+                    <a:lnR>
+                      <a:noFill/>
+                    </a:lnR>
+                    <a:lnT>
+                      <a:noFill/>
+                    </a:lnT>
+                    <a:lnB>
+                      <a:noFill/>
+                    </a:lnB>
+                  </a:tcPr>
+                </a:tc>
+                <a:tc>
+                  <a:txBody>
+                    <a:bodyPr/>
+                    <a:lstStyle/>
+                    <a:p>
+                      <a:pPr algn="r" fontAlgn="b"/>
+                      <a:r>
+                        <a:rPr lang="en-GB" sz="1100" b="0" i="0" u="none" strike="noStrike">
+                          <a:solidFill>
+                            <a:srgbClr val="000000"/>
+                          </a:solidFill>
+                          <a:effectLst/>
+                          <a:latin typeface="Calibri" panose="020F0502020204030204" pitchFamily="34" charset="0"/>
+                        </a:rPr>
+                        <a:t>47</a:t>
+                      </a:r>
+                    </a:p>
+                  </a:txBody>
+                  <a:tcPr marL="9525" marR="9525" marT="9525" marB="0" anchor="b">
+                    <a:lnL>
+                      <a:noFill/>
+                    </a:lnL>
+                    <a:lnR>
+                      <a:noFill/>
+                    </a:lnR>
+                    <a:lnT>
+                      <a:noFill/>
+                    </a:lnT>
+                    <a:lnB>
+                      <a:noFill/>
+                    </a:lnB>
+                  </a:tcPr>
+                </a:tc>
+                <a:tc>
+                  <a:txBody>
+                    <a:bodyPr/>
+                    <a:lstStyle/>
+                    <a:p>
+                      <a:pPr algn="r" fontAlgn="b"/>
+                      <a:r>
+                        <a:rPr lang="en-GB" sz="1100" b="0" i="0" u="none" strike="noStrike">
+                          <a:solidFill>
+                            <a:srgbClr val="000000"/>
+                          </a:solidFill>
+                          <a:effectLst/>
+                          <a:latin typeface="Calibri" panose="020F0502020204030204" pitchFamily="34" charset="0"/>
+                        </a:rPr>
+                        <a:t>38</a:t>
+                      </a:r>
+                    </a:p>
+                  </a:txBody>
+                  <a:tcPr marL="9525" marR="9525" marT="9525" marB="0" anchor="b">
+                    <a:lnL>
+                      <a:noFill/>
+                    </a:lnL>
+                    <a:lnR>
+                      <a:noFill/>
+                    </a:lnR>
+                    <a:lnT>
+                      <a:noFill/>
+                    </a:lnT>
+                    <a:lnB>
+                      <a:noFill/>
+                    </a:lnB>
+                  </a:tcPr>
+                </a:tc>
+                <a:tc>
+                  <a:txBody>
+                    <a:bodyPr/>
+                    <a:lstStyle/>
+                    <a:p>
+                      <a:pPr algn="r" fontAlgn="b"/>
+                      <a:r>
+                        <a:rPr lang="en-GB" sz="1100" b="0" i="0" u="none" strike="noStrike">
+                          <a:solidFill>
+                            <a:srgbClr val="000000"/>
+                          </a:solidFill>
+                          <a:effectLst/>
+                          <a:latin typeface="Calibri" panose="020F0502020204030204" pitchFamily="34" charset="0"/>
+                        </a:rPr>
+                        <a:t>6</a:t>
+                      </a:r>
+                    </a:p>
+                  </a:txBody>
+                  <a:tcPr marL="9525" marR="9525" marT="9525" marB="0" anchor="b">
+                    <a:lnL>
+                      <a:noFill/>
+                    </a:lnL>
+                    <a:lnR>
+                      <a:noFill/>
+                    </a:lnR>
+                    <a:lnT>
+                      <a:noFill/>
+                    </a:lnT>
+                    <a:lnB>
+                      <a:noFill/>
+                    </a:lnB>
+                  </a:tcPr>
+                </a:tc>
+                <a:tc>
+                  <a:txBody>
+                    <a:bodyPr/>
+                    <a:lstStyle/>
+                    <a:p>
+                      <a:pPr algn="r" fontAlgn="b"/>
+                      <a:r>
+                        <a:rPr lang="en-GB" sz="1100" b="0" i="0" u="none" strike="noStrike">
+                          <a:solidFill>
+                            <a:srgbClr val="000000"/>
+                          </a:solidFill>
+                          <a:effectLst/>
+                          <a:latin typeface="Calibri" panose="020F0502020204030204" pitchFamily="34" charset="0"/>
+                        </a:rPr>
+                        <a:t>5</a:t>
+                      </a:r>
+                    </a:p>
+                  </a:txBody>
+                  <a:tcPr marL="9525" marR="9525" marT="9525" marB="0" anchor="b">
+                    <a:lnL>
+                      <a:noFill/>
+                    </a:lnL>
+                    <a:lnR>
+                      <a:noFill/>
+                    </a:lnR>
+                    <a:lnT>
+                      <a:noFill/>
+                    </a:lnT>
+                    <a:lnB>
+                      <a:noFill/>
+                    </a:lnB>
+                  </a:tcPr>
+                </a:tc>
+                <a:tc>
+                  <a:txBody>
+                    <a:bodyPr/>
+                    <a:lstStyle/>
+                    <a:p>
+                      <a:pPr algn="r" fontAlgn="b"/>
+                      <a:r>
+                        <a:rPr lang="en-GB" sz="1100" b="0" i="0" u="none" strike="noStrike">
+                          <a:solidFill>
+                            <a:srgbClr val="000000"/>
+                          </a:solidFill>
+                          <a:effectLst/>
+                          <a:latin typeface="Calibri" panose="020F0502020204030204" pitchFamily="34" charset="0"/>
+                        </a:rPr>
+                        <a:t>7</a:t>
+                      </a:r>
+                    </a:p>
+                  </a:txBody>
+                  <a:tcPr marL="9525" marR="9525" marT="9525" marB="0" anchor="b">
+                    <a:lnL>
+                      <a:noFill/>
+                    </a:lnL>
+                    <a:lnR>
+                      <a:noFill/>
+                    </a:lnR>
+                    <a:lnT>
+                      <a:noFill/>
+                    </a:lnT>
+                    <a:lnB>
+                      <a:noFill/>
+                    </a:lnB>
+                  </a:tcPr>
+                </a:tc>
+                <a:tc>
+                  <a:txBody>
+                    <a:bodyPr/>
+                    <a:lstStyle/>
+                    <a:p>
+                      <a:pPr algn="r" fontAlgn="b"/>
+                      <a:r>
+                        <a:rPr lang="en-GB" sz="1100" b="0" i="0" u="none" strike="noStrike">
+                          <a:solidFill>
+                            <a:srgbClr val="000000"/>
+                          </a:solidFill>
+                          <a:effectLst/>
+                          <a:latin typeface="Calibri" panose="020F0502020204030204" pitchFamily="34" charset="0"/>
+                        </a:rPr>
+                        <a:t>5</a:t>
+                      </a:r>
+                    </a:p>
+                  </a:txBody>
+                  <a:tcPr marL="9525" marR="9525" marT="9525" marB="0" anchor="b">
+                    <a:lnL>
+                      <a:noFill/>
+                    </a:lnL>
+                    <a:lnR>
+                      <a:noFill/>
+                    </a:lnR>
+                    <a:lnT>
+                      <a:noFill/>
+                    </a:lnT>
+                    <a:lnB>
+                      <a:noFill/>
+                    </a:lnB>
+                  </a:tcPr>
+                </a:tc>
+                <a:tc>
+                  <a:txBody>
+                    <a:bodyPr/>
+                    <a:lstStyle/>
+                    <a:p>
+                      <a:pPr algn="r" fontAlgn="b"/>
+                      <a:r>
+                        <a:rPr lang="en-GB" sz="1100" b="0" i="0" u="none" strike="noStrike">
+                          <a:solidFill>
+                            <a:srgbClr val="000000"/>
+                          </a:solidFill>
+                          <a:effectLst/>
+                          <a:latin typeface="Calibri" panose="020F0502020204030204" pitchFamily="34" charset="0"/>
+                        </a:rPr>
+                        <a:t>81</a:t>
+                      </a:r>
+                    </a:p>
+                  </a:txBody>
+                  <a:tcPr marL="9525" marR="9525" marT="9525" marB="0" anchor="b">
+                    <a:lnL>
+                      <a:noFill/>
+                    </a:lnL>
+                    <a:lnR>
+                      <a:noFill/>
+                    </a:lnR>
+                    <a:lnT>
+                      <a:noFill/>
+                    </a:lnT>
+                    <a:lnB>
+                      <a:noFill/>
+                    </a:lnB>
+                  </a:tcPr>
+                </a:tc>
+                <a:tc>
+                  <a:txBody>
+                    <a:bodyPr/>
+                    <a:lstStyle/>
+                    <a:p>
+                      <a:pPr algn="r" fontAlgn="b"/>
+                      <a:r>
+                        <a:rPr lang="en-GB" sz="1100" b="0" i="0" u="none" strike="noStrike">
+                          <a:solidFill>
+                            <a:srgbClr val="000000"/>
+                          </a:solidFill>
+                          <a:effectLst/>
+                          <a:latin typeface="Calibri" panose="020F0502020204030204" pitchFamily="34" charset="0"/>
+                        </a:rPr>
+                        <a:t>0</a:t>
+                      </a:r>
+                    </a:p>
+                  </a:txBody>
+                  <a:tcPr marL="9525" marR="9525" marT="9525" marB="0" anchor="b">
+                    <a:lnL>
+                      <a:noFill/>
+                    </a:lnL>
+                    <a:lnR>
+                      <a:noFill/>
+                    </a:lnR>
+                    <a:lnT>
+                      <a:noFill/>
+                    </a:lnT>
+                    <a:lnB>
+                      <a:noFill/>
+                    </a:lnB>
+                  </a:tcPr>
+                </a:tc>
+                <a:tc>
+                  <a:txBody>
+                    <a:bodyPr/>
+                    <a:lstStyle/>
+                    <a:p>
+                      <a:pPr algn="r" fontAlgn="b"/>
+                      <a:r>
+                        <a:rPr lang="en-GB" sz="1100" b="0" i="0" u="none" strike="noStrike">
+                          <a:solidFill>
+                            <a:srgbClr val="000000"/>
+                          </a:solidFill>
+                          <a:effectLst/>
+                          <a:latin typeface="Calibri" panose="020F0502020204030204" pitchFamily="34" charset="0"/>
+                        </a:rPr>
+                        <a:t>6</a:t>
+                      </a:r>
+                    </a:p>
+                  </a:txBody>
+                  <a:tcPr marL="9525" marR="9525" marT="9525" marB="0" anchor="b">
+                    <a:lnL>
+                      <a:noFill/>
+                    </a:lnL>
+                    <a:lnR>
+                      <a:noFill/>
+                    </a:lnR>
+                    <a:lnT>
+                      <a:noFill/>
+                    </a:lnT>
+                    <a:lnB>
+                      <a:noFill/>
+                    </a:lnB>
+                  </a:tcPr>
+                </a:tc>
+                <a:tc>
+                  <a:txBody>
+                    <a:bodyPr/>
+                    <a:lstStyle/>
+                    <a:p>
+                      <a:pPr algn="r" fontAlgn="b"/>
+                      <a:r>
+                        <a:rPr lang="en-GB" sz="1100" b="0" i="0" u="none" strike="noStrike">
+                          <a:solidFill>
+                            <a:srgbClr val="000000"/>
+                          </a:solidFill>
+                          <a:effectLst/>
+                          <a:latin typeface="Calibri" panose="020F0502020204030204" pitchFamily="34" charset="0"/>
+                        </a:rPr>
+                        <a:t>2</a:t>
+                      </a:r>
+                    </a:p>
+                  </a:txBody>
+                  <a:tcPr marL="9525" marR="9525" marT="9525" marB="0" anchor="b">
+                    <a:lnL>
+                      <a:noFill/>
+                    </a:lnL>
+                    <a:lnR>
+                      <a:noFill/>
+                    </a:lnR>
+                    <a:lnT>
+                      <a:noFill/>
+                    </a:lnT>
+                    <a:lnB>
+                      <a:noFill/>
+                    </a:lnB>
+                  </a:tcPr>
+                </a:tc>
+                <a:tc>
+                  <a:txBody>
+                    <a:bodyPr/>
+                    <a:lstStyle/>
+                    <a:p>
+                      <a:pPr algn="r" fontAlgn="b"/>
+                      <a:r>
+                        <a:rPr lang="en-GB" sz="1100" b="0" i="0" u="none" strike="noStrike">
+                          <a:solidFill>
+                            <a:srgbClr val="000000"/>
+                          </a:solidFill>
+                          <a:effectLst/>
+                          <a:latin typeface="Calibri" panose="020F0502020204030204" pitchFamily="34" charset="0"/>
+                        </a:rPr>
+                        <a:t>17</a:t>
+                      </a:r>
+                    </a:p>
+                  </a:txBody>
+                  <a:tcPr marL="9525" marR="9525" marT="9525" marB="0" anchor="b">
+                    <a:lnL>
+                      <a:noFill/>
+                    </a:lnL>
+                    <a:lnR>
+                      <a:noFill/>
+                    </a:lnR>
+                    <a:lnT>
+                      <a:noFill/>
+                    </a:lnT>
+                    <a:lnB>
+                      <a:noFill/>
+                    </a:lnB>
+                  </a:tcPr>
+                </a:tc>
+                <a:tc>
+                  <a:txBody>
+                    <a:bodyPr/>
+                    <a:lstStyle/>
+                    <a:p>
+                      <a:pPr algn="r" fontAlgn="b"/>
+                      <a:r>
+                        <a:rPr lang="en-GB" sz="1100" b="0" i="0" u="none" strike="noStrike">
+                          <a:solidFill>
+                            <a:srgbClr val="000000"/>
+                          </a:solidFill>
+                          <a:effectLst/>
+                          <a:latin typeface="Calibri" panose="020F0502020204030204" pitchFamily="34" charset="0"/>
+                        </a:rPr>
+                        <a:t>25</a:t>
+                      </a:r>
+                    </a:p>
+                  </a:txBody>
+                  <a:tcPr marL="9525" marR="9525" marT="9525" marB="0" anchor="b">
+                    <a:lnL>
+                      <a:noFill/>
+                    </a:lnL>
+                    <a:lnR>
+                      <a:noFill/>
+                    </a:lnR>
+                    <a:lnT>
+                      <a:noFill/>
+                    </a:lnT>
+                    <a:lnB>
+                      <a:noFill/>
+                    </a:lnB>
+                  </a:tcPr>
+                </a:tc>
+                <a:tc>
+                  <a:txBody>
+                    <a:bodyPr/>
+                    <a:lstStyle/>
+                    <a:p>
+                      <a:pPr algn="r" fontAlgn="b"/>
+                      <a:r>
+                        <a:rPr lang="en-GB" sz="1100" b="0" i="0" u="none" strike="noStrike">
+                          <a:solidFill>
+                            <a:srgbClr val="000000"/>
+                          </a:solidFill>
+                          <a:effectLst/>
+                          <a:latin typeface="Calibri" panose="020F0502020204030204" pitchFamily="34" charset="0"/>
+                        </a:rPr>
+                        <a:t>20</a:t>
+                      </a:r>
+                    </a:p>
+                  </a:txBody>
+                  <a:tcPr marL="9525" marR="9525" marT="9525" marB="0" anchor="b">
+                    <a:lnL>
+                      <a:noFill/>
+                    </a:lnL>
+                    <a:lnR>
+                      <a:noFill/>
+                    </a:lnR>
+                    <a:lnT>
+                      <a:noFill/>
+                    </a:lnT>
+                    <a:lnB>
+                      <a:noFill/>
+                    </a:lnB>
+                  </a:tcPr>
+                </a:tc>
+                <a:tc>
+                  <a:txBody>
+                    <a:bodyPr/>
+                    <a:lstStyle/>
+                    <a:p>
+                      <a:pPr algn="r" fontAlgn="b"/>
+                      <a:r>
+                        <a:rPr lang="en-GB" sz="1100" b="0" i="0" u="none" strike="noStrike">
+                          <a:solidFill>
+                            <a:srgbClr val="000000"/>
+                          </a:solidFill>
+                          <a:effectLst/>
+                          <a:latin typeface="Calibri" panose="020F0502020204030204" pitchFamily="34" charset="0"/>
+                        </a:rPr>
+                        <a:t>15</a:t>
+                      </a:r>
+                    </a:p>
+                  </a:txBody>
+                  <a:tcPr marL="9525" marR="9525" marT="9525" marB="0" anchor="b">
+                    <a:lnL>
+                      <a:noFill/>
+                    </a:lnL>
+                    <a:lnR>
+                      <a:noFill/>
+                    </a:lnR>
+                    <a:lnT>
+                      <a:noFill/>
+                    </a:lnT>
+                    <a:lnB>
+                      <a:noFill/>
+                    </a:lnB>
+                  </a:tcPr>
+                </a:tc>
+                <a:extLst>
+                  <a:ext uri="{0D108BD9-81ED-4DB2-BD59-A6C34878D82A}">
+                    <a16:rowId xmlns:a16="http://schemas.microsoft.com/office/drawing/2014/main" val="1410043553"/>
+                  </a:ext>
+                </a:extLst>
+              </a:tr>
+              <a:tr h="190500">
+                <a:tc>
+                  <a:txBody>
+                    <a:bodyPr/>
+                    <a:lstStyle/>
+                    <a:p>
+                      <a:pPr algn="l" fontAlgn="b"/>
+                      <a:r>
+                        <a:rPr lang="en-GB" sz="1100" b="0" i="0" u="none" strike="noStrike">
+                          <a:solidFill>
+                            <a:srgbClr val="000000"/>
+                          </a:solidFill>
+                          <a:effectLst/>
+                          <a:latin typeface="Calibri" panose="020F0502020204030204" pitchFamily="34" charset="0"/>
+                        </a:rPr>
+                        <a:t>City of London 001B</a:t>
+                      </a:r>
+                    </a:p>
+                  </a:txBody>
+                  <a:tcPr marL="9525" marR="9525" marT="9525" marB="0" anchor="b">
+                    <a:lnL>
+                      <a:noFill/>
+                    </a:lnL>
+                    <a:lnR>
+                      <a:noFill/>
+                    </a:lnR>
+                    <a:lnT>
+                      <a:noFill/>
+                    </a:lnT>
+                    <a:lnB>
+                      <a:noFill/>
+                    </a:lnB>
+                  </a:tcPr>
+                </a:tc>
+                <a:tc>
+                  <a:txBody>
+                    <a:bodyPr/>
+                    <a:lstStyle/>
+                    <a:p>
+                      <a:pPr algn="r" fontAlgn="b"/>
+                      <a:r>
+                        <a:rPr lang="en-GB" sz="1100" b="0" i="0" u="none" strike="noStrike">
+                          <a:solidFill>
+                            <a:srgbClr val="000000"/>
+                          </a:solidFill>
+                          <a:effectLst/>
+                          <a:latin typeface="Calibri" panose="020F0502020204030204" pitchFamily="34" charset="0"/>
+                        </a:rPr>
+                        <a:t>95</a:t>
+                      </a:r>
+                    </a:p>
+                  </a:txBody>
+                  <a:tcPr marL="9525" marR="9525" marT="9525" marB="0" anchor="b">
+                    <a:lnL>
+                      <a:noFill/>
+                    </a:lnL>
+                    <a:lnR>
+                      <a:noFill/>
+                    </a:lnR>
+                    <a:lnT>
+                      <a:noFill/>
+                    </a:lnT>
+                    <a:lnB>
+                      <a:noFill/>
+                    </a:lnB>
+                  </a:tcPr>
+                </a:tc>
+                <a:tc>
+                  <a:txBody>
+                    <a:bodyPr/>
+                    <a:lstStyle/>
+                    <a:p>
+                      <a:pPr algn="r" fontAlgn="b"/>
+                      <a:r>
+                        <a:rPr lang="en-GB" sz="1100" b="0" i="0" u="none" strike="noStrike">
+                          <a:solidFill>
+                            <a:srgbClr val="000000"/>
+                          </a:solidFill>
+                          <a:effectLst/>
+                          <a:latin typeface="Calibri" panose="020F0502020204030204" pitchFamily="34" charset="0"/>
+                        </a:rPr>
+                        <a:t>26</a:t>
+                      </a:r>
+                    </a:p>
+                  </a:txBody>
+                  <a:tcPr marL="9525" marR="9525" marT="9525" marB="0" anchor="b">
+                    <a:lnL>
+                      <a:noFill/>
+                    </a:lnL>
+                    <a:lnR>
+                      <a:noFill/>
+                    </a:lnR>
+                    <a:lnT>
+                      <a:noFill/>
+                    </a:lnT>
+                    <a:lnB>
+                      <a:noFill/>
+                    </a:lnB>
+                  </a:tcPr>
+                </a:tc>
+                <a:tc>
+                  <a:txBody>
+                    <a:bodyPr/>
+                    <a:lstStyle/>
+                    <a:p>
+                      <a:pPr algn="r" fontAlgn="b"/>
+                      <a:r>
+                        <a:rPr lang="en-GB" sz="1100" b="0" i="0" u="none" strike="noStrike">
+                          <a:solidFill>
+                            <a:srgbClr val="000000"/>
+                          </a:solidFill>
+                          <a:effectLst/>
+                          <a:latin typeface="Calibri" panose="020F0502020204030204" pitchFamily="34" charset="0"/>
+                        </a:rPr>
+                        <a:t>6</a:t>
+                      </a:r>
+                    </a:p>
+                  </a:txBody>
+                  <a:tcPr marL="9525" marR="9525" marT="9525" marB="0" anchor="b">
+                    <a:lnL>
+                      <a:noFill/>
+                    </a:lnL>
+                    <a:lnR>
+                      <a:noFill/>
+                    </a:lnR>
+                    <a:lnT>
+                      <a:noFill/>
+                    </a:lnT>
+                    <a:lnB>
+                      <a:noFill/>
+                    </a:lnB>
+                  </a:tcPr>
+                </a:tc>
+                <a:tc>
+                  <a:txBody>
+                    <a:bodyPr/>
+                    <a:lstStyle/>
+                    <a:p>
+                      <a:pPr algn="r" fontAlgn="b"/>
+                      <a:r>
+                        <a:rPr lang="en-GB" sz="1100" b="0" i="0" u="none" strike="noStrike">
+                          <a:solidFill>
+                            <a:srgbClr val="000000"/>
+                          </a:solidFill>
+                          <a:effectLst/>
+                          <a:latin typeface="Calibri" panose="020F0502020204030204" pitchFamily="34" charset="0"/>
+                        </a:rPr>
+                        <a:t>10</a:t>
+                      </a:r>
+                    </a:p>
+                  </a:txBody>
+                  <a:tcPr marL="9525" marR="9525" marT="9525" marB="0" anchor="b">
+                    <a:lnL>
+                      <a:noFill/>
+                    </a:lnL>
+                    <a:lnR>
+                      <a:noFill/>
+                    </a:lnR>
+                    <a:lnT>
+                      <a:noFill/>
+                    </a:lnT>
+                    <a:lnB>
+                      <a:noFill/>
+                    </a:lnB>
+                  </a:tcPr>
+                </a:tc>
+                <a:tc>
+                  <a:txBody>
+                    <a:bodyPr/>
+                    <a:lstStyle/>
+                    <a:p>
+                      <a:pPr algn="r" fontAlgn="b"/>
+                      <a:r>
+                        <a:rPr lang="en-GB" sz="1100" b="0" i="0" u="none" strike="noStrike">
+                          <a:solidFill>
+                            <a:srgbClr val="000000"/>
+                          </a:solidFill>
+                          <a:effectLst/>
+                          <a:latin typeface="Calibri" panose="020F0502020204030204" pitchFamily="34" charset="0"/>
+                        </a:rPr>
+                        <a:t>9</a:t>
+                      </a:r>
+                    </a:p>
+                  </a:txBody>
+                  <a:tcPr marL="9525" marR="9525" marT="9525" marB="0" anchor="b">
+                    <a:lnL>
+                      <a:noFill/>
+                    </a:lnL>
+                    <a:lnR>
+                      <a:noFill/>
+                    </a:lnR>
+                    <a:lnT>
+                      <a:noFill/>
+                    </a:lnT>
+                    <a:lnB>
+                      <a:noFill/>
+                    </a:lnB>
+                  </a:tcPr>
+                </a:tc>
+                <a:tc>
+                  <a:txBody>
+                    <a:bodyPr/>
+                    <a:lstStyle/>
+                    <a:p>
+                      <a:pPr algn="r" fontAlgn="b"/>
+                      <a:r>
+                        <a:rPr lang="en-GB" sz="1100" b="0" i="0" u="none" strike="noStrike">
+                          <a:solidFill>
+                            <a:srgbClr val="000000"/>
+                          </a:solidFill>
+                          <a:effectLst/>
+                          <a:latin typeface="Calibri" panose="020F0502020204030204" pitchFamily="34" charset="0"/>
+                        </a:rPr>
+                        <a:t>1</a:t>
+                      </a:r>
+                    </a:p>
+                  </a:txBody>
+                  <a:tcPr marL="9525" marR="9525" marT="9525" marB="0" anchor="b">
+                    <a:lnL>
+                      <a:noFill/>
+                    </a:lnL>
+                    <a:lnR>
+                      <a:noFill/>
+                    </a:lnR>
+                    <a:lnT>
+                      <a:noFill/>
+                    </a:lnT>
+                    <a:lnB>
+                      <a:noFill/>
+                    </a:lnB>
+                  </a:tcPr>
+                </a:tc>
+                <a:tc>
+                  <a:txBody>
+                    <a:bodyPr/>
+                    <a:lstStyle/>
+                    <a:p>
+                      <a:pPr algn="r" fontAlgn="b"/>
+                      <a:r>
+                        <a:rPr lang="en-GB" sz="1100" b="0" i="0" u="none" strike="noStrike">
+                          <a:solidFill>
+                            <a:srgbClr val="000000"/>
+                          </a:solidFill>
+                          <a:effectLst/>
+                          <a:latin typeface="Calibri" panose="020F0502020204030204" pitchFamily="34" charset="0"/>
+                        </a:rPr>
+                        <a:t>53</a:t>
+                      </a:r>
+                    </a:p>
+                  </a:txBody>
+                  <a:tcPr marL="9525" marR="9525" marT="9525" marB="0" anchor="b">
+                    <a:lnL>
+                      <a:noFill/>
+                    </a:lnL>
+                    <a:lnR>
+                      <a:noFill/>
+                    </a:lnR>
+                    <a:lnT>
+                      <a:noFill/>
+                    </a:lnT>
+                    <a:lnB>
+                      <a:noFill/>
+                    </a:lnB>
+                  </a:tcPr>
+                </a:tc>
+                <a:tc>
+                  <a:txBody>
+                    <a:bodyPr/>
+                    <a:lstStyle/>
+                    <a:p>
+                      <a:pPr algn="r" fontAlgn="b"/>
+                      <a:r>
+                        <a:rPr lang="en-GB" sz="1100" b="0" i="0" u="none" strike="noStrike">
+                          <a:solidFill>
+                            <a:srgbClr val="000000"/>
+                          </a:solidFill>
+                          <a:effectLst/>
+                          <a:latin typeface="Calibri" panose="020F0502020204030204" pitchFamily="34" charset="0"/>
+                        </a:rPr>
+                        <a:t>0</a:t>
+                      </a:r>
+                    </a:p>
+                  </a:txBody>
+                  <a:tcPr marL="9525" marR="9525" marT="9525" marB="0" anchor="b">
+                    <a:lnL>
+                      <a:noFill/>
+                    </a:lnL>
+                    <a:lnR>
+                      <a:noFill/>
+                    </a:lnR>
+                    <a:lnT>
+                      <a:noFill/>
+                    </a:lnT>
+                    <a:lnB>
+                      <a:noFill/>
+                    </a:lnB>
+                  </a:tcPr>
+                </a:tc>
+                <a:tc>
+                  <a:txBody>
+                    <a:bodyPr/>
+                    <a:lstStyle/>
+                    <a:p>
+                      <a:pPr algn="r" fontAlgn="b"/>
+                      <a:r>
+                        <a:rPr lang="en-GB" sz="1100" b="0" i="0" u="none" strike="noStrike">
+                          <a:solidFill>
+                            <a:srgbClr val="000000"/>
+                          </a:solidFill>
+                          <a:effectLst/>
+                          <a:latin typeface="Calibri" panose="020F0502020204030204" pitchFamily="34" charset="0"/>
+                        </a:rPr>
+                        <a:t>9</a:t>
+                      </a:r>
+                    </a:p>
+                  </a:txBody>
+                  <a:tcPr marL="9525" marR="9525" marT="9525" marB="0" anchor="b">
+                    <a:lnL>
+                      <a:noFill/>
+                    </a:lnL>
+                    <a:lnR>
+                      <a:noFill/>
+                    </a:lnR>
+                    <a:lnT>
+                      <a:noFill/>
+                    </a:lnT>
+                    <a:lnB>
+                      <a:noFill/>
+                    </a:lnB>
+                  </a:tcPr>
+                </a:tc>
+                <a:tc>
+                  <a:txBody>
+                    <a:bodyPr/>
+                    <a:lstStyle/>
+                    <a:p>
+                      <a:pPr algn="r" fontAlgn="b"/>
+                      <a:r>
+                        <a:rPr lang="en-GB" sz="1100" b="0" i="0" u="none" strike="noStrike">
+                          <a:solidFill>
+                            <a:srgbClr val="000000"/>
+                          </a:solidFill>
+                          <a:effectLst/>
+                          <a:latin typeface="Calibri" panose="020F0502020204030204" pitchFamily="34" charset="0"/>
+                        </a:rPr>
+                        <a:t>0</a:t>
+                      </a:r>
+                    </a:p>
+                  </a:txBody>
+                  <a:tcPr marL="9525" marR="9525" marT="9525" marB="0" anchor="b">
+                    <a:lnL>
+                      <a:noFill/>
+                    </a:lnL>
+                    <a:lnR>
+                      <a:noFill/>
+                    </a:lnR>
+                    <a:lnT>
+                      <a:noFill/>
+                    </a:lnT>
+                    <a:lnB>
+                      <a:noFill/>
+                    </a:lnB>
+                  </a:tcPr>
+                </a:tc>
+                <a:tc>
+                  <a:txBody>
+                    <a:bodyPr/>
+                    <a:lstStyle/>
+                    <a:p>
+                      <a:pPr algn="r" fontAlgn="b"/>
+                      <a:r>
+                        <a:rPr lang="en-GB" sz="1100" b="0" i="0" u="none" strike="noStrike">
+                          <a:solidFill>
+                            <a:srgbClr val="000000"/>
+                          </a:solidFill>
+                          <a:effectLst/>
+                          <a:latin typeface="Calibri" panose="020F0502020204030204" pitchFamily="34" charset="0"/>
+                        </a:rPr>
+                        <a:t>10</a:t>
+                      </a:r>
+                    </a:p>
+                  </a:txBody>
+                  <a:tcPr marL="9525" marR="9525" marT="9525" marB="0" anchor="b">
+                    <a:lnL>
+                      <a:noFill/>
+                    </a:lnL>
+                    <a:lnR>
+                      <a:noFill/>
+                    </a:lnR>
+                    <a:lnT>
+                      <a:noFill/>
+                    </a:lnT>
+                    <a:lnB>
+                      <a:noFill/>
+                    </a:lnB>
+                  </a:tcPr>
+                </a:tc>
+                <a:tc>
+                  <a:txBody>
+                    <a:bodyPr/>
+                    <a:lstStyle/>
+                    <a:p>
+                      <a:pPr algn="r" fontAlgn="b"/>
+                      <a:r>
+                        <a:rPr lang="en-GB" sz="1100" b="0" i="0" u="none" strike="noStrike">
+                          <a:solidFill>
+                            <a:srgbClr val="000000"/>
+                          </a:solidFill>
+                          <a:effectLst/>
+                          <a:latin typeface="Calibri" panose="020F0502020204030204" pitchFamily="34" charset="0"/>
+                        </a:rPr>
+                        <a:t>24</a:t>
+                      </a:r>
+                    </a:p>
+                  </a:txBody>
+                  <a:tcPr marL="9525" marR="9525" marT="9525" marB="0" anchor="b">
+                    <a:lnL>
+                      <a:noFill/>
+                    </a:lnL>
+                    <a:lnR>
+                      <a:noFill/>
+                    </a:lnR>
+                    <a:lnT>
+                      <a:noFill/>
+                    </a:lnT>
+                    <a:lnB>
+                      <a:noFill/>
+                    </a:lnB>
+                  </a:tcPr>
+                </a:tc>
+                <a:tc>
+                  <a:txBody>
+                    <a:bodyPr/>
+                    <a:lstStyle/>
+                    <a:p>
+                      <a:pPr algn="r" fontAlgn="b"/>
+                      <a:r>
+                        <a:rPr lang="en-GB" sz="1100" b="0" i="0" u="none" strike="noStrike">
+                          <a:solidFill>
+                            <a:srgbClr val="000000"/>
+                          </a:solidFill>
+                          <a:effectLst/>
+                          <a:latin typeface="Calibri" panose="020F0502020204030204" pitchFamily="34" charset="0"/>
+                        </a:rPr>
+                        <a:t>3</a:t>
+                      </a:r>
+                    </a:p>
+                  </a:txBody>
+                  <a:tcPr marL="9525" marR="9525" marT="9525" marB="0" anchor="b">
+                    <a:lnL>
+                      <a:noFill/>
+                    </a:lnL>
+                    <a:lnR>
+                      <a:noFill/>
+                    </a:lnR>
+                    <a:lnT>
+                      <a:noFill/>
+                    </a:lnT>
+                    <a:lnB>
+                      <a:noFill/>
+                    </a:lnB>
+                  </a:tcPr>
+                </a:tc>
+                <a:tc>
+                  <a:txBody>
+                    <a:bodyPr/>
+                    <a:lstStyle/>
+                    <a:p>
+                      <a:pPr algn="r" fontAlgn="b"/>
+                      <a:r>
+                        <a:rPr lang="en-GB" sz="1100" b="0" i="0" u="none" strike="noStrike">
+                          <a:solidFill>
+                            <a:srgbClr val="000000"/>
+                          </a:solidFill>
+                          <a:effectLst/>
+                          <a:latin typeface="Calibri" panose="020F0502020204030204" pitchFamily="34" charset="0"/>
+                        </a:rPr>
+                        <a:t>23</a:t>
+                      </a:r>
+                    </a:p>
+                  </a:txBody>
+                  <a:tcPr marL="9525" marR="9525" marT="9525" marB="0" anchor="b">
+                    <a:lnL>
+                      <a:noFill/>
+                    </a:lnL>
+                    <a:lnR>
+                      <a:noFill/>
+                    </a:lnR>
+                    <a:lnT>
+                      <a:noFill/>
+                    </a:lnT>
+                    <a:lnB>
+                      <a:noFill/>
+                    </a:lnB>
+                  </a:tcPr>
+                </a:tc>
+                <a:extLst>
+                  <a:ext uri="{0D108BD9-81ED-4DB2-BD59-A6C34878D82A}">
+                    <a16:rowId xmlns:a16="http://schemas.microsoft.com/office/drawing/2014/main" val="3677162300"/>
+                  </a:ext>
+                </a:extLst>
+              </a:tr>
+              <a:tr h="190500">
+                <a:tc>
+                  <a:txBody>
+                    <a:bodyPr/>
+                    <a:lstStyle/>
+                    <a:p>
+                      <a:pPr algn="l" fontAlgn="b"/>
+                      <a:r>
+                        <a:rPr lang="en-GB" sz="1100" b="0" i="0" u="none" strike="noStrike">
+                          <a:solidFill>
+                            <a:srgbClr val="000000"/>
+                          </a:solidFill>
+                          <a:effectLst/>
+                          <a:latin typeface="Calibri" panose="020F0502020204030204" pitchFamily="34" charset="0"/>
+                        </a:rPr>
+                        <a:t>City of London 001C</a:t>
+                      </a:r>
+                    </a:p>
+                  </a:txBody>
+                  <a:tcPr marL="9525" marR="9525" marT="9525" marB="0" anchor="b">
+                    <a:lnL>
+                      <a:noFill/>
+                    </a:lnL>
+                    <a:lnR>
+                      <a:noFill/>
+                    </a:lnR>
+                    <a:lnT>
+                      <a:noFill/>
+                    </a:lnT>
+                    <a:lnB>
+                      <a:noFill/>
+                    </a:lnB>
+                  </a:tcPr>
+                </a:tc>
+                <a:tc>
+                  <a:txBody>
+                    <a:bodyPr/>
+                    <a:lstStyle/>
+                    <a:p>
+                      <a:pPr algn="r" fontAlgn="b"/>
+                      <a:r>
+                        <a:rPr lang="en-GB" sz="1100" b="0" i="0" u="none" strike="noStrike">
+                          <a:solidFill>
+                            <a:srgbClr val="000000"/>
+                          </a:solidFill>
+                          <a:effectLst/>
+                          <a:latin typeface="Calibri" panose="020F0502020204030204" pitchFamily="34" charset="0"/>
+                        </a:rPr>
+                        <a:t>13</a:t>
+                      </a:r>
+                    </a:p>
+                  </a:txBody>
+                  <a:tcPr marL="9525" marR="9525" marT="9525" marB="0" anchor="b">
+                    <a:lnL>
+                      <a:noFill/>
+                    </a:lnL>
+                    <a:lnR>
+                      <a:noFill/>
+                    </a:lnR>
+                    <a:lnT>
+                      <a:noFill/>
+                    </a:lnT>
+                    <a:lnB>
+                      <a:noFill/>
+                    </a:lnB>
+                  </a:tcPr>
+                </a:tc>
+                <a:tc>
+                  <a:txBody>
+                    <a:bodyPr/>
+                    <a:lstStyle/>
+                    <a:p>
+                      <a:pPr algn="r" fontAlgn="b"/>
+                      <a:r>
+                        <a:rPr lang="en-GB" sz="1100" b="0" i="0" u="none" strike="noStrike">
+                          <a:solidFill>
+                            <a:srgbClr val="000000"/>
+                          </a:solidFill>
+                          <a:effectLst/>
+                          <a:latin typeface="Calibri" panose="020F0502020204030204" pitchFamily="34" charset="0"/>
+                        </a:rPr>
+                        <a:t>4</a:t>
+                      </a:r>
+                    </a:p>
+                  </a:txBody>
+                  <a:tcPr marL="9525" marR="9525" marT="9525" marB="0" anchor="b">
+                    <a:lnL>
+                      <a:noFill/>
+                    </a:lnL>
+                    <a:lnR>
+                      <a:noFill/>
+                    </a:lnR>
+                    <a:lnT>
+                      <a:noFill/>
+                    </a:lnT>
+                    <a:lnB>
+                      <a:noFill/>
+                    </a:lnB>
+                  </a:tcPr>
+                </a:tc>
+                <a:tc>
+                  <a:txBody>
+                    <a:bodyPr/>
+                    <a:lstStyle/>
+                    <a:p>
+                      <a:pPr algn="r" fontAlgn="b"/>
+                      <a:r>
+                        <a:rPr lang="en-GB" sz="1100" b="0" i="0" u="none" strike="noStrike">
+                          <a:solidFill>
+                            <a:srgbClr val="000000"/>
+                          </a:solidFill>
+                          <a:effectLst/>
+                          <a:latin typeface="Calibri" panose="020F0502020204030204" pitchFamily="34" charset="0"/>
+                        </a:rPr>
+                        <a:t>0</a:t>
+                      </a:r>
+                    </a:p>
+                  </a:txBody>
+                  <a:tcPr marL="9525" marR="9525" marT="9525" marB="0" anchor="b">
+                    <a:lnL>
+                      <a:noFill/>
+                    </a:lnL>
+                    <a:lnR>
+                      <a:noFill/>
+                    </a:lnR>
+                    <a:lnT>
+                      <a:noFill/>
+                    </a:lnT>
+                    <a:lnB>
+                      <a:noFill/>
+                    </a:lnB>
+                  </a:tcPr>
+                </a:tc>
+                <a:tc>
+                  <a:txBody>
+                    <a:bodyPr/>
+                    <a:lstStyle/>
+                    <a:p>
+                      <a:pPr algn="r" fontAlgn="b"/>
+                      <a:r>
+                        <a:rPr lang="en-GB" sz="1100" b="0" i="0" u="none" strike="noStrike">
+                          <a:solidFill>
+                            <a:srgbClr val="000000"/>
+                          </a:solidFill>
+                          <a:effectLst/>
+                          <a:latin typeface="Calibri" panose="020F0502020204030204" pitchFamily="34" charset="0"/>
+                        </a:rPr>
+                        <a:t>3</a:t>
+                      </a:r>
+                    </a:p>
+                  </a:txBody>
+                  <a:tcPr marL="9525" marR="9525" marT="9525" marB="0" anchor="b">
+                    <a:lnL>
+                      <a:noFill/>
+                    </a:lnL>
+                    <a:lnR>
+                      <a:noFill/>
+                    </a:lnR>
+                    <a:lnT>
+                      <a:noFill/>
+                    </a:lnT>
+                    <a:lnB>
+                      <a:noFill/>
+                    </a:lnB>
+                  </a:tcPr>
+                </a:tc>
+                <a:tc>
+                  <a:txBody>
+                    <a:bodyPr/>
+                    <a:lstStyle/>
+                    <a:p>
+                      <a:pPr algn="r" fontAlgn="b"/>
+                      <a:r>
+                        <a:rPr lang="en-GB" sz="1100" b="0" i="0" u="none" strike="noStrike">
+                          <a:solidFill>
+                            <a:srgbClr val="000000"/>
+                          </a:solidFill>
+                          <a:effectLst/>
+                          <a:latin typeface="Calibri" panose="020F0502020204030204" pitchFamily="34" charset="0"/>
+                        </a:rPr>
+                        <a:t>3</a:t>
+                      </a:r>
+                    </a:p>
+                  </a:txBody>
+                  <a:tcPr marL="9525" marR="9525" marT="9525" marB="0" anchor="b">
+                    <a:lnL>
+                      <a:noFill/>
+                    </a:lnL>
+                    <a:lnR>
+                      <a:noFill/>
+                    </a:lnR>
+                    <a:lnT>
+                      <a:noFill/>
+                    </a:lnT>
+                    <a:lnB>
+                      <a:noFill/>
+                    </a:lnB>
+                  </a:tcPr>
+                </a:tc>
+                <a:tc>
+                  <a:txBody>
+                    <a:bodyPr/>
+                    <a:lstStyle/>
+                    <a:p>
+                      <a:pPr algn="r" fontAlgn="b"/>
+                      <a:r>
+                        <a:rPr lang="en-GB" sz="1100" b="0" i="0" u="none" strike="noStrike">
+                          <a:solidFill>
+                            <a:srgbClr val="000000"/>
+                          </a:solidFill>
+                          <a:effectLst/>
+                          <a:latin typeface="Calibri" panose="020F0502020204030204" pitchFamily="34" charset="0"/>
+                        </a:rPr>
+                        <a:t>0</a:t>
+                      </a:r>
+                    </a:p>
+                  </a:txBody>
+                  <a:tcPr marL="9525" marR="9525" marT="9525" marB="0" anchor="b">
+                    <a:lnL>
+                      <a:noFill/>
+                    </a:lnL>
+                    <a:lnR>
+                      <a:noFill/>
+                    </a:lnR>
+                    <a:lnT>
+                      <a:noFill/>
+                    </a:lnT>
+                    <a:lnB>
+                      <a:noFill/>
+                    </a:lnB>
+                  </a:tcPr>
+                </a:tc>
+                <a:tc>
+                  <a:txBody>
+                    <a:bodyPr/>
+                    <a:lstStyle/>
+                    <a:p>
+                      <a:pPr algn="r" fontAlgn="b"/>
+                      <a:r>
+                        <a:rPr lang="en-GB" sz="1100" b="0" i="0" u="none" strike="noStrike">
+                          <a:solidFill>
+                            <a:srgbClr val="000000"/>
+                          </a:solidFill>
+                          <a:effectLst/>
+                          <a:latin typeface="Calibri" panose="020F0502020204030204" pitchFamily="34" charset="0"/>
+                        </a:rPr>
+                        <a:t>2</a:t>
+                      </a:r>
+                    </a:p>
+                  </a:txBody>
+                  <a:tcPr marL="9525" marR="9525" marT="9525" marB="0" anchor="b">
+                    <a:lnL>
+                      <a:noFill/>
+                    </a:lnL>
+                    <a:lnR>
+                      <a:noFill/>
+                    </a:lnR>
+                    <a:lnT>
+                      <a:noFill/>
+                    </a:lnT>
+                    <a:lnB>
+                      <a:noFill/>
+                    </a:lnB>
+                  </a:tcPr>
+                </a:tc>
+                <a:tc>
+                  <a:txBody>
+                    <a:bodyPr/>
+                    <a:lstStyle/>
+                    <a:p>
+                      <a:pPr algn="r" fontAlgn="b"/>
+                      <a:r>
+                        <a:rPr lang="en-GB" sz="1100" b="0" i="0" u="none" strike="noStrike">
+                          <a:solidFill>
+                            <a:srgbClr val="000000"/>
+                          </a:solidFill>
+                          <a:effectLst/>
+                          <a:latin typeface="Calibri" panose="020F0502020204030204" pitchFamily="34" charset="0"/>
+                        </a:rPr>
+                        <a:t>1</a:t>
+                      </a:r>
+                    </a:p>
+                  </a:txBody>
+                  <a:tcPr marL="9525" marR="9525" marT="9525" marB="0" anchor="b">
+                    <a:lnL>
+                      <a:noFill/>
+                    </a:lnL>
+                    <a:lnR>
+                      <a:noFill/>
+                    </a:lnR>
+                    <a:lnT>
+                      <a:noFill/>
+                    </a:lnT>
+                    <a:lnB>
+                      <a:noFill/>
+                    </a:lnB>
+                  </a:tcPr>
+                </a:tc>
+                <a:tc>
+                  <a:txBody>
+                    <a:bodyPr/>
+                    <a:lstStyle/>
+                    <a:p>
+                      <a:pPr algn="r" fontAlgn="b"/>
+                      <a:r>
+                        <a:rPr lang="en-GB" sz="1100" b="0" i="0" u="none" strike="noStrike">
+                          <a:solidFill>
+                            <a:srgbClr val="000000"/>
+                          </a:solidFill>
+                          <a:effectLst/>
+                          <a:latin typeface="Calibri" panose="020F0502020204030204" pitchFamily="34" charset="0"/>
+                        </a:rPr>
+                        <a:t>1</a:t>
+                      </a:r>
+                    </a:p>
+                  </a:txBody>
+                  <a:tcPr marL="9525" marR="9525" marT="9525" marB="0" anchor="b">
+                    <a:lnL>
+                      <a:noFill/>
+                    </a:lnL>
+                    <a:lnR>
+                      <a:noFill/>
+                    </a:lnR>
+                    <a:lnT>
+                      <a:noFill/>
+                    </a:lnT>
+                    <a:lnB>
+                      <a:noFill/>
+                    </a:lnB>
+                  </a:tcPr>
+                </a:tc>
+                <a:tc>
+                  <a:txBody>
+                    <a:bodyPr/>
+                    <a:lstStyle/>
+                    <a:p>
+                      <a:pPr algn="r" fontAlgn="b"/>
+                      <a:r>
+                        <a:rPr lang="en-GB" sz="1100" b="0" i="0" u="none" strike="noStrike">
+                          <a:solidFill>
+                            <a:srgbClr val="000000"/>
+                          </a:solidFill>
+                          <a:effectLst/>
+                          <a:latin typeface="Calibri" panose="020F0502020204030204" pitchFamily="34" charset="0"/>
+                        </a:rPr>
+                        <a:t>0</a:t>
+                      </a:r>
+                    </a:p>
+                  </a:txBody>
+                  <a:tcPr marL="9525" marR="9525" marT="9525" marB="0" anchor="b">
+                    <a:lnL>
+                      <a:noFill/>
+                    </a:lnL>
+                    <a:lnR>
+                      <a:noFill/>
+                    </a:lnR>
+                    <a:lnT>
+                      <a:noFill/>
+                    </a:lnT>
+                    <a:lnB>
+                      <a:noFill/>
+                    </a:lnB>
+                  </a:tcPr>
+                </a:tc>
+                <a:tc>
+                  <a:txBody>
+                    <a:bodyPr/>
+                    <a:lstStyle/>
+                    <a:p>
+                      <a:pPr algn="r" fontAlgn="b"/>
+                      <a:r>
+                        <a:rPr lang="en-GB" sz="1100" b="0" i="0" u="none" strike="noStrike">
+                          <a:solidFill>
+                            <a:srgbClr val="000000"/>
+                          </a:solidFill>
+                          <a:effectLst/>
+                          <a:latin typeface="Calibri" panose="020F0502020204030204" pitchFamily="34" charset="0"/>
+                        </a:rPr>
+                        <a:t>0</a:t>
+                      </a:r>
+                    </a:p>
+                  </a:txBody>
+                  <a:tcPr marL="9525" marR="9525" marT="9525" marB="0" anchor="b">
+                    <a:lnL>
+                      <a:noFill/>
+                    </a:lnL>
+                    <a:lnR>
+                      <a:noFill/>
+                    </a:lnR>
+                    <a:lnT>
+                      <a:noFill/>
+                    </a:lnT>
+                    <a:lnB>
+                      <a:noFill/>
+                    </a:lnB>
+                  </a:tcPr>
+                </a:tc>
+                <a:tc>
+                  <a:txBody>
+                    <a:bodyPr/>
+                    <a:lstStyle/>
+                    <a:p>
+                      <a:pPr algn="r" fontAlgn="b"/>
+                      <a:r>
+                        <a:rPr lang="en-GB" sz="1100" b="0" i="0" u="none" strike="noStrike">
+                          <a:solidFill>
+                            <a:srgbClr val="000000"/>
+                          </a:solidFill>
+                          <a:effectLst/>
+                          <a:latin typeface="Calibri" panose="020F0502020204030204" pitchFamily="34" charset="0"/>
+                        </a:rPr>
+                        <a:t>11</a:t>
+                      </a:r>
+                    </a:p>
+                  </a:txBody>
+                  <a:tcPr marL="9525" marR="9525" marT="9525" marB="0" anchor="b">
+                    <a:lnL>
+                      <a:noFill/>
+                    </a:lnL>
+                    <a:lnR>
+                      <a:noFill/>
+                    </a:lnR>
+                    <a:lnT>
+                      <a:noFill/>
+                    </a:lnT>
+                    <a:lnB>
+                      <a:noFill/>
+                    </a:lnB>
+                  </a:tcPr>
+                </a:tc>
+                <a:tc>
+                  <a:txBody>
+                    <a:bodyPr/>
+                    <a:lstStyle/>
+                    <a:p>
+                      <a:pPr algn="r" fontAlgn="b"/>
+                      <a:r>
+                        <a:rPr lang="en-GB" sz="1100" b="0" i="0" u="none" strike="noStrike">
+                          <a:solidFill>
+                            <a:srgbClr val="000000"/>
+                          </a:solidFill>
+                          <a:effectLst/>
+                          <a:latin typeface="Calibri" panose="020F0502020204030204" pitchFamily="34" charset="0"/>
+                        </a:rPr>
+                        <a:t>0</a:t>
+                      </a:r>
+                    </a:p>
+                  </a:txBody>
+                  <a:tcPr marL="9525" marR="9525" marT="9525" marB="0" anchor="b">
+                    <a:lnL>
+                      <a:noFill/>
+                    </a:lnL>
+                    <a:lnR>
+                      <a:noFill/>
+                    </a:lnR>
+                    <a:lnT>
+                      <a:noFill/>
+                    </a:lnT>
+                    <a:lnB>
+                      <a:noFill/>
+                    </a:lnB>
+                  </a:tcPr>
+                </a:tc>
+                <a:tc>
+                  <a:txBody>
+                    <a:bodyPr/>
+                    <a:lstStyle/>
+                    <a:p>
+                      <a:pPr algn="r" fontAlgn="b"/>
+                      <a:r>
+                        <a:rPr lang="en-GB" sz="1100" b="0" i="0" u="none" strike="noStrike">
+                          <a:solidFill>
+                            <a:srgbClr val="000000"/>
+                          </a:solidFill>
+                          <a:effectLst/>
+                          <a:latin typeface="Calibri" panose="020F0502020204030204" pitchFamily="34" charset="0"/>
+                        </a:rPr>
+                        <a:t>8</a:t>
+                      </a:r>
+                    </a:p>
+                  </a:txBody>
+                  <a:tcPr marL="9525" marR="9525" marT="9525" marB="0" anchor="b">
+                    <a:lnL>
+                      <a:noFill/>
+                    </a:lnL>
+                    <a:lnR>
+                      <a:noFill/>
+                    </a:lnR>
+                    <a:lnT>
+                      <a:noFill/>
+                    </a:lnT>
+                    <a:lnB>
+                      <a:noFill/>
+                    </a:lnB>
+                  </a:tcPr>
+                </a:tc>
+                <a:extLst>
+                  <a:ext uri="{0D108BD9-81ED-4DB2-BD59-A6C34878D82A}">
+                    <a16:rowId xmlns:a16="http://schemas.microsoft.com/office/drawing/2014/main" val="1533209509"/>
+                  </a:ext>
+                </a:extLst>
+              </a:tr>
+              <a:tr h="190500">
+                <a:tc>
+                  <a:txBody>
+                    <a:bodyPr/>
+                    <a:lstStyle/>
+                    <a:p>
+                      <a:pPr algn="l" fontAlgn="b"/>
+                      <a:r>
+                        <a:rPr lang="en-GB" sz="1100" b="0" i="0" u="none" strike="noStrike">
+                          <a:solidFill>
+                            <a:srgbClr val="000000"/>
+                          </a:solidFill>
+                          <a:effectLst/>
+                          <a:latin typeface="Calibri" panose="020F0502020204030204" pitchFamily="34" charset="0"/>
+                        </a:rPr>
+                        <a:t>City of London 001E</a:t>
+                      </a:r>
+                    </a:p>
+                  </a:txBody>
+                  <a:tcPr marL="9525" marR="9525" marT="9525" marB="0" anchor="b">
+                    <a:lnL>
+                      <a:noFill/>
+                    </a:lnL>
+                    <a:lnR>
+                      <a:noFill/>
+                    </a:lnR>
+                    <a:lnT>
+                      <a:noFill/>
+                    </a:lnT>
+                    <a:lnB>
+                      <a:noFill/>
+                    </a:lnB>
+                  </a:tcPr>
+                </a:tc>
+                <a:tc>
+                  <a:txBody>
+                    <a:bodyPr/>
+                    <a:lstStyle/>
+                    <a:p>
+                      <a:pPr algn="r" fontAlgn="b"/>
+                      <a:r>
+                        <a:rPr lang="en-GB" sz="1100" b="0" i="0" u="none" strike="noStrike">
+                          <a:solidFill>
+                            <a:srgbClr val="000000"/>
+                          </a:solidFill>
+                          <a:effectLst/>
+                          <a:latin typeface="Calibri" panose="020F0502020204030204" pitchFamily="34" charset="0"/>
+                        </a:rPr>
+                        <a:t>126</a:t>
+                      </a:r>
+                    </a:p>
+                  </a:txBody>
+                  <a:tcPr marL="9525" marR="9525" marT="9525" marB="0" anchor="b">
+                    <a:lnL>
+                      <a:noFill/>
+                    </a:lnL>
+                    <a:lnR>
+                      <a:noFill/>
+                    </a:lnR>
+                    <a:lnT>
+                      <a:noFill/>
+                    </a:lnT>
+                    <a:lnB>
+                      <a:noFill/>
+                    </a:lnB>
+                  </a:tcPr>
+                </a:tc>
+                <a:tc>
+                  <a:txBody>
+                    <a:bodyPr/>
+                    <a:lstStyle/>
+                    <a:p>
+                      <a:pPr algn="r" fontAlgn="b"/>
+                      <a:r>
+                        <a:rPr lang="en-GB" sz="1100" b="0" i="0" u="none" strike="noStrike">
+                          <a:solidFill>
+                            <a:srgbClr val="000000"/>
+                          </a:solidFill>
+                          <a:effectLst/>
+                          <a:latin typeface="Calibri" panose="020F0502020204030204" pitchFamily="34" charset="0"/>
+                        </a:rPr>
+                        <a:t>17</a:t>
+                      </a:r>
+                    </a:p>
+                  </a:txBody>
+                  <a:tcPr marL="9525" marR="9525" marT="9525" marB="0" anchor="b">
+                    <a:lnL>
+                      <a:noFill/>
+                    </a:lnL>
+                    <a:lnR>
+                      <a:noFill/>
+                    </a:lnR>
+                    <a:lnT>
+                      <a:noFill/>
+                    </a:lnT>
+                    <a:lnB>
+                      <a:noFill/>
+                    </a:lnB>
+                  </a:tcPr>
+                </a:tc>
+                <a:tc>
+                  <a:txBody>
+                    <a:bodyPr/>
+                    <a:lstStyle/>
+                    <a:p>
+                      <a:pPr algn="r" fontAlgn="b"/>
+                      <a:r>
+                        <a:rPr lang="en-GB" sz="1100" b="0" i="0" u="none" strike="noStrike">
+                          <a:solidFill>
+                            <a:srgbClr val="000000"/>
+                          </a:solidFill>
+                          <a:effectLst/>
+                          <a:latin typeface="Calibri" panose="020F0502020204030204" pitchFamily="34" charset="0"/>
+                        </a:rPr>
+                        <a:t>34</a:t>
+                      </a:r>
+                    </a:p>
+                  </a:txBody>
+                  <a:tcPr marL="9525" marR="9525" marT="9525" marB="0" anchor="b">
+                    <a:lnL>
+                      <a:noFill/>
+                    </a:lnL>
+                    <a:lnR>
+                      <a:noFill/>
+                    </a:lnR>
+                    <a:lnT>
+                      <a:noFill/>
+                    </a:lnT>
+                    <a:lnB>
+                      <a:noFill/>
+                    </a:lnB>
+                  </a:tcPr>
+                </a:tc>
+                <a:tc>
+                  <a:txBody>
+                    <a:bodyPr/>
+                    <a:lstStyle/>
+                    <a:p>
+                      <a:pPr algn="r" fontAlgn="b"/>
+                      <a:r>
+                        <a:rPr lang="en-GB" sz="1100" b="0" i="0" u="none" strike="noStrike">
+                          <a:solidFill>
+                            <a:srgbClr val="000000"/>
+                          </a:solidFill>
+                          <a:effectLst/>
+                          <a:latin typeface="Calibri" panose="020F0502020204030204" pitchFamily="34" charset="0"/>
+                        </a:rPr>
+                        <a:t>23</a:t>
+                      </a:r>
+                    </a:p>
+                  </a:txBody>
+                  <a:tcPr marL="9525" marR="9525" marT="9525" marB="0" anchor="b">
+                    <a:lnL>
+                      <a:noFill/>
+                    </a:lnL>
+                    <a:lnR>
+                      <a:noFill/>
+                    </a:lnR>
+                    <a:lnT>
+                      <a:noFill/>
+                    </a:lnT>
+                    <a:lnB>
+                      <a:noFill/>
+                    </a:lnB>
+                  </a:tcPr>
+                </a:tc>
+                <a:tc>
+                  <a:txBody>
+                    <a:bodyPr/>
+                    <a:lstStyle/>
+                    <a:p>
+                      <a:pPr algn="r" fontAlgn="b"/>
+                      <a:r>
+                        <a:rPr lang="en-GB" sz="1100" b="0" i="0" u="none" strike="noStrike">
+                          <a:solidFill>
+                            <a:srgbClr val="000000"/>
+                          </a:solidFill>
+                          <a:effectLst/>
+                          <a:latin typeface="Calibri" panose="020F0502020204030204" pitchFamily="34" charset="0"/>
+                        </a:rPr>
+                        <a:t>38</a:t>
+                      </a:r>
+                    </a:p>
+                  </a:txBody>
+                  <a:tcPr marL="9525" marR="9525" marT="9525" marB="0" anchor="b">
+                    <a:lnL>
+                      <a:noFill/>
+                    </a:lnL>
+                    <a:lnR>
+                      <a:noFill/>
+                    </a:lnR>
+                    <a:lnT>
+                      <a:noFill/>
+                    </a:lnT>
+                    <a:lnB>
+                      <a:noFill/>
+                    </a:lnB>
+                  </a:tcPr>
+                </a:tc>
+                <a:tc>
+                  <a:txBody>
+                    <a:bodyPr/>
+                    <a:lstStyle/>
+                    <a:p>
+                      <a:pPr algn="r" fontAlgn="b"/>
+                      <a:r>
+                        <a:rPr lang="en-GB" sz="1100" b="0" i="0" u="none" strike="noStrike">
+                          <a:solidFill>
+                            <a:srgbClr val="000000"/>
+                          </a:solidFill>
+                          <a:effectLst/>
+                          <a:latin typeface="Calibri" panose="020F0502020204030204" pitchFamily="34" charset="0"/>
+                        </a:rPr>
+                        <a:t>13</a:t>
+                      </a:r>
+                    </a:p>
+                  </a:txBody>
+                  <a:tcPr marL="9525" marR="9525" marT="9525" marB="0" anchor="b">
+                    <a:lnL>
+                      <a:noFill/>
+                    </a:lnL>
+                    <a:lnR>
+                      <a:noFill/>
+                    </a:lnR>
+                    <a:lnT>
+                      <a:noFill/>
+                    </a:lnT>
+                    <a:lnB>
+                      <a:noFill/>
+                    </a:lnB>
+                  </a:tcPr>
+                </a:tc>
+                <a:tc>
+                  <a:txBody>
+                    <a:bodyPr/>
+                    <a:lstStyle/>
+                    <a:p>
+                      <a:pPr algn="r" fontAlgn="b"/>
+                      <a:r>
+                        <a:rPr lang="en-GB" sz="1100" b="0" i="0" u="none" strike="noStrike">
+                          <a:solidFill>
+                            <a:srgbClr val="000000"/>
+                          </a:solidFill>
+                          <a:effectLst/>
+                          <a:latin typeface="Calibri" panose="020F0502020204030204" pitchFamily="34" charset="0"/>
+                        </a:rPr>
+                        <a:t>100</a:t>
+                      </a:r>
+                    </a:p>
+                  </a:txBody>
+                  <a:tcPr marL="9525" marR="9525" marT="9525" marB="0" anchor="b">
+                    <a:lnL>
+                      <a:noFill/>
+                    </a:lnL>
+                    <a:lnR>
+                      <a:noFill/>
+                    </a:lnR>
+                    <a:lnT>
+                      <a:noFill/>
+                    </a:lnT>
+                    <a:lnB>
+                      <a:noFill/>
+                    </a:lnB>
+                  </a:tcPr>
+                </a:tc>
+                <a:tc>
+                  <a:txBody>
+                    <a:bodyPr/>
+                    <a:lstStyle/>
+                    <a:p>
+                      <a:pPr algn="r" fontAlgn="b"/>
+                      <a:r>
+                        <a:rPr lang="en-GB" sz="1100" b="0" i="0" u="none" strike="noStrike">
+                          <a:solidFill>
+                            <a:srgbClr val="000000"/>
+                          </a:solidFill>
+                          <a:effectLst/>
+                          <a:latin typeface="Calibri" panose="020F0502020204030204" pitchFamily="34" charset="0"/>
+                        </a:rPr>
+                        <a:t>3</a:t>
+                      </a:r>
+                    </a:p>
+                  </a:txBody>
+                  <a:tcPr marL="9525" marR="9525" marT="9525" marB="0" anchor="b">
+                    <a:lnL>
+                      <a:noFill/>
+                    </a:lnL>
+                    <a:lnR>
+                      <a:noFill/>
+                    </a:lnR>
+                    <a:lnT>
+                      <a:noFill/>
+                    </a:lnT>
+                    <a:lnB>
+                      <a:noFill/>
+                    </a:lnB>
+                  </a:tcPr>
+                </a:tc>
+                <a:tc>
+                  <a:txBody>
+                    <a:bodyPr/>
+                    <a:lstStyle/>
+                    <a:p>
+                      <a:pPr algn="r" fontAlgn="b"/>
+                      <a:r>
+                        <a:rPr lang="en-GB" sz="1100" b="0" i="0" u="none" strike="noStrike">
+                          <a:solidFill>
+                            <a:srgbClr val="000000"/>
+                          </a:solidFill>
+                          <a:effectLst/>
+                          <a:latin typeface="Calibri" panose="020F0502020204030204" pitchFamily="34" charset="0"/>
+                        </a:rPr>
+                        <a:t>23</a:t>
+                      </a:r>
+                    </a:p>
+                  </a:txBody>
+                  <a:tcPr marL="9525" marR="9525" marT="9525" marB="0" anchor="b">
+                    <a:lnL>
+                      <a:noFill/>
+                    </a:lnL>
+                    <a:lnR>
+                      <a:noFill/>
+                    </a:lnR>
+                    <a:lnT>
+                      <a:noFill/>
+                    </a:lnT>
+                    <a:lnB>
+                      <a:noFill/>
+                    </a:lnB>
+                  </a:tcPr>
+                </a:tc>
+                <a:tc>
+                  <a:txBody>
+                    <a:bodyPr/>
+                    <a:lstStyle/>
+                    <a:p>
+                      <a:pPr algn="r" fontAlgn="b"/>
+                      <a:r>
+                        <a:rPr lang="en-GB" sz="1100" b="0" i="0" u="none" strike="noStrike">
+                          <a:solidFill>
+                            <a:srgbClr val="000000"/>
+                          </a:solidFill>
+                          <a:effectLst/>
+                          <a:latin typeface="Calibri" panose="020F0502020204030204" pitchFamily="34" charset="0"/>
+                        </a:rPr>
+                        <a:t>2</a:t>
+                      </a:r>
+                    </a:p>
+                  </a:txBody>
+                  <a:tcPr marL="9525" marR="9525" marT="9525" marB="0" anchor="b">
+                    <a:lnL>
+                      <a:noFill/>
+                    </a:lnL>
+                    <a:lnR>
+                      <a:noFill/>
+                    </a:lnR>
+                    <a:lnT>
+                      <a:noFill/>
+                    </a:lnT>
+                    <a:lnB>
+                      <a:noFill/>
+                    </a:lnB>
+                  </a:tcPr>
+                </a:tc>
+                <a:tc>
+                  <a:txBody>
+                    <a:bodyPr/>
+                    <a:lstStyle/>
+                    <a:p>
+                      <a:pPr algn="r" fontAlgn="b"/>
+                      <a:r>
+                        <a:rPr lang="en-GB" sz="1100" b="0" i="0" u="none" strike="noStrike">
+                          <a:solidFill>
+                            <a:srgbClr val="000000"/>
+                          </a:solidFill>
+                          <a:effectLst/>
+                          <a:latin typeface="Calibri" panose="020F0502020204030204" pitchFamily="34" charset="0"/>
+                        </a:rPr>
+                        <a:t>4</a:t>
+                      </a:r>
+                    </a:p>
+                  </a:txBody>
+                  <a:tcPr marL="9525" marR="9525" marT="9525" marB="0" anchor="b">
+                    <a:lnL>
+                      <a:noFill/>
+                    </a:lnL>
+                    <a:lnR>
+                      <a:noFill/>
+                    </a:lnR>
+                    <a:lnT>
+                      <a:noFill/>
+                    </a:lnT>
+                    <a:lnB>
+                      <a:noFill/>
+                    </a:lnB>
+                  </a:tcPr>
+                </a:tc>
+                <a:tc>
+                  <a:txBody>
+                    <a:bodyPr/>
+                    <a:lstStyle/>
+                    <a:p>
+                      <a:pPr algn="r" fontAlgn="b"/>
+                      <a:r>
+                        <a:rPr lang="en-GB" sz="1100" b="0" i="0" u="none" strike="noStrike">
+                          <a:solidFill>
+                            <a:srgbClr val="000000"/>
+                          </a:solidFill>
+                          <a:effectLst/>
+                          <a:latin typeface="Calibri" panose="020F0502020204030204" pitchFamily="34" charset="0"/>
+                        </a:rPr>
+                        <a:t>29</a:t>
+                      </a:r>
+                    </a:p>
+                  </a:txBody>
+                  <a:tcPr marL="9525" marR="9525" marT="9525" marB="0" anchor="b">
+                    <a:lnL>
+                      <a:noFill/>
+                    </a:lnL>
+                    <a:lnR>
+                      <a:noFill/>
+                    </a:lnR>
+                    <a:lnT>
+                      <a:noFill/>
+                    </a:lnT>
+                    <a:lnB>
+                      <a:noFill/>
+                    </a:lnB>
+                  </a:tcPr>
+                </a:tc>
+                <a:tc>
+                  <a:txBody>
+                    <a:bodyPr/>
+                    <a:lstStyle/>
+                    <a:p>
+                      <a:pPr algn="r" fontAlgn="b"/>
+                      <a:r>
+                        <a:rPr lang="en-GB" sz="1100" b="0" i="0" u="none" strike="noStrike">
+                          <a:solidFill>
+                            <a:srgbClr val="000000"/>
+                          </a:solidFill>
+                          <a:effectLst/>
+                          <a:latin typeface="Calibri" panose="020F0502020204030204" pitchFamily="34" charset="0"/>
+                        </a:rPr>
+                        <a:t>19</a:t>
+                      </a:r>
+                    </a:p>
+                  </a:txBody>
+                  <a:tcPr marL="9525" marR="9525" marT="9525" marB="0" anchor="b">
+                    <a:lnL>
+                      <a:noFill/>
+                    </a:lnL>
+                    <a:lnR>
+                      <a:noFill/>
+                    </a:lnR>
+                    <a:lnT>
+                      <a:noFill/>
+                    </a:lnT>
+                    <a:lnB>
+                      <a:noFill/>
+                    </a:lnB>
+                  </a:tcPr>
+                </a:tc>
+                <a:tc>
+                  <a:txBody>
+                    <a:bodyPr/>
+                    <a:lstStyle/>
+                    <a:p>
+                      <a:pPr algn="r" fontAlgn="b"/>
+                      <a:r>
+                        <a:rPr lang="en-GB" sz="1100" b="0" i="0" u="none" strike="noStrike" dirty="0">
+                          <a:solidFill>
+                            <a:srgbClr val="000000"/>
+                          </a:solidFill>
+                          <a:effectLst/>
+                          <a:latin typeface="Calibri" panose="020F0502020204030204" pitchFamily="34" charset="0"/>
+                        </a:rPr>
+                        <a:t>96</a:t>
+                      </a:r>
+                    </a:p>
+                  </a:txBody>
+                  <a:tcPr marL="9525" marR="9525" marT="9525" marB="0" anchor="b">
+                    <a:lnL>
+                      <a:noFill/>
+                    </a:lnL>
+                    <a:lnR>
+                      <a:noFill/>
+                    </a:lnR>
+                    <a:lnT>
+                      <a:noFill/>
+                    </a:lnT>
+                    <a:lnB>
+                      <a:noFill/>
+                    </a:lnB>
+                  </a:tcPr>
+                </a:tc>
+                <a:extLst>
+                  <a:ext uri="{0D108BD9-81ED-4DB2-BD59-A6C34878D82A}">
+                    <a16:rowId xmlns:a16="http://schemas.microsoft.com/office/drawing/2014/main" val="1484661123"/>
+                  </a:ext>
+                </a:extLst>
+              </a:tr>
+            </a:tbl>
+          </a:graphicData>
+        </a:graphic>
+      </p:graphicFrame>
+    </p:spTree>
+    <p:extLst>
+      <p:ext uri="{BB962C8B-B14F-4D97-AF65-F5344CB8AC3E}">
+        <p14:creationId xmlns:p14="http://schemas.microsoft.com/office/powerpoint/2010/main" val="3738509050"/>
+      </p:ext>
+    </p:extLst>
+  </p:cSld>
+  <p:clrMapOvr>
+    <a:masterClrMapping/>
+  </p:clrMapOvr>
+</p:sld>
+</file>
+
+<file path=ppt/slides/slide9.xml><?xml version="1.0" encoding="utf-8"?>
+<p:sld xmlns:a="http://schemas.openxmlformats.org/drawingml/2006/main" xmlns:r="http://schemas.openxmlformats.org/officeDocument/2006/relationships" xmlns:p="http://schemas.openxmlformats.org/presentationml/2006/main">
+  <p:cSld>
+    <p:spTree>
+      <p:nvGrpSpPr>
+        <p:cNvPr id="1" name=""/>
+        <p:cNvGrpSpPr/>
+        <p:nvPr/>
+      </p:nvGrpSpPr>
+      <p:grpSpPr>
+        <a:xfrm>
+          <a:off x="0" y="0"/>
+          <a:ext cx="0" cy="0"/>
+          <a:chOff x="0" y="0"/>
+          <a:chExt cx="0" cy="0"/>
+        </a:xfrm>
+      </p:grpSpPr>
+      <p:sp>
+        <p:nvSpPr>
+          <p:cNvPr id="2" name="Title 1"/>
+          <p:cNvSpPr>
+            <a:spLocks noGrp="1"/>
+          </p:cNvSpPr>
+          <p:nvPr>
+            <p:ph type="title"/>
+          </p:nvPr>
+        </p:nvSpPr>
+        <p:spPr>
+          <a:xfrm>
+            <a:off x="838198" y="360420"/>
+            <a:ext cx="10515600" cy="851279"/>
+          </a:xfrm>
+        </p:spPr>
+        <p:txBody>
+          <a:bodyPr>
+            <a:normAutofit/>
+          </a:bodyPr>
+          <a:lstStyle/>
+          <a:p>
+            <a:pPr algn="ctr"/>
+            <a:r>
+              <a:rPr lang="en-GB" sz="4000" dirty="0"/>
+              <a:t>Train the SOM</a:t>
+            </a:r>
+          </a:p>
+        </p:txBody>
+      </p:sp>
+      <p:sp>
+        <p:nvSpPr>
+          <p:cNvPr id="3" name="Content Placeholder 2"/>
+          <p:cNvSpPr>
+            <a:spLocks noGrp="1"/>
+          </p:cNvSpPr>
+          <p:nvPr>
+            <p:ph idx="1"/>
+          </p:nvPr>
+        </p:nvSpPr>
+        <p:spPr>
+          <a:xfrm>
+            <a:off x="838198" y="2768366"/>
+            <a:ext cx="8834306" cy="3204595"/>
+          </a:xfrm>
+          <a:solidFill>
+            <a:schemeClr val="tx1">
+              <a:lumMod val="95000"/>
+              <a:lumOff val="5000"/>
+            </a:schemeClr>
+          </a:solidFill>
+        </p:spPr>
+        <p:txBody>
+          <a:bodyPr>
+            <a:noAutofit/>
+          </a:bodyPr>
+          <a:lstStyle/>
+          <a:p>
+            <a:pPr marL="0" indent="0">
+              <a:spcBef>
+                <a:spcPts val="0"/>
+              </a:spcBef>
+              <a:buNone/>
+            </a:pPr>
+            <a:r>
+              <a:rPr lang="en-GB" sz="1400" dirty="0" err="1">
+                <a:solidFill>
+                  <a:schemeClr val="bg2"/>
+                </a:solidFill>
+                <a:latin typeface="Courier New" panose="02070309020205020404" pitchFamily="49" charset="0"/>
+                <a:cs typeface="Courier New" panose="02070309020205020404" pitchFamily="49" charset="0"/>
+              </a:rPr>
+              <a:t>trainSOM</a:t>
+            </a:r>
+            <a:r>
+              <a:rPr lang="en-GB" sz="1400" dirty="0">
+                <a:solidFill>
+                  <a:schemeClr val="bg2"/>
+                </a:solidFill>
+                <a:latin typeface="Courier New" panose="02070309020205020404" pitchFamily="49" charset="0"/>
+                <a:cs typeface="Courier New" panose="02070309020205020404" pitchFamily="49" charset="0"/>
+              </a:rPr>
+              <a:t> &lt;- function(dims, </a:t>
+            </a:r>
+            <a:r>
+              <a:rPr lang="en-GB" sz="1400" dirty="0" err="1">
+                <a:solidFill>
+                  <a:schemeClr val="bg2"/>
+                </a:solidFill>
+                <a:latin typeface="Courier New" panose="02070309020205020404" pitchFamily="49" charset="0"/>
+                <a:cs typeface="Courier New" panose="02070309020205020404" pitchFamily="49" charset="0"/>
+              </a:rPr>
+              <a:t>lrn</a:t>
+            </a:r>
+            <a:r>
+              <a:rPr lang="en-GB" sz="1400" dirty="0">
+                <a:solidFill>
+                  <a:schemeClr val="bg2"/>
+                </a:solidFill>
+                <a:latin typeface="Courier New" panose="02070309020205020404" pitchFamily="49" charset="0"/>
+                <a:cs typeface="Courier New" panose="02070309020205020404" pitchFamily="49" charset="0"/>
+              </a:rPr>
+              <a:t>, file, folder) {</a:t>
+            </a:r>
+          </a:p>
+          <a:p>
+            <a:pPr marL="0" indent="0">
+              <a:spcBef>
+                <a:spcPts val="0"/>
+              </a:spcBef>
+              <a:buNone/>
+            </a:pPr>
+            <a:endParaRPr lang="en-GB" sz="1400" dirty="0">
+              <a:solidFill>
+                <a:schemeClr val="bg2"/>
+              </a:solidFill>
+              <a:latin typeface="Courier New" panose="02070309020205020404" pitchFamily="49" charset="0"/>
+              <a:cs typeface="Courier New" panose="02070309020205020404" pitchFamily="49" charset="0"/>
+            </a:endParaRPr>
+          </a:p>
+          <a:p>
+            <a:pPr marL="0" indent="0">
+              <a:spcBef>
+                <a:spcPts val="0"/>
+              </a:spcBef>
+              <a:buNone/>
+            </a:pPr>
+            <a:r>
+              <a:rPr lang="en-GB" sz="1400" dirty="0">
+                <a:solidFill>
+                  <a:schemeClr val="bg2"/>
+                </a:solidFill>
+                <a:latin typeface="Courier New" panose="02070309020205020404" pitchFamily="49" charset="0"/>
+                <a:cs typeface="Courier New" panose="02070309020205020404" pitchFamily="49" charset="0"/>
+              </a:rPr>
+              <a:t>  </a:t>
+            </a:r>
+            <a:r>
+              <a:rPr lang="en-GB" sz="1400" dirty="0" err="1">
+                <a:solidFill>
+                  <a:schemeClr val="bg2"/>
+                </a:solidFill>
+                <a:latin typeface="Courier New" panose="02070309020205020404" pitchFamily="49" charset="0"/>
+                <a:cs typeface="Courier New" panose="02070309020205020404" pitchFamily="49" charset="0"/>
+              </a:rPr>
+              <a:t>dataTrainMatrix</a:t>
+            </a:r>
+            <a:r>
+              <a:rPr lang="en-GB" sz="1400" dirty="0">
+                <a:solidFill>
+                  <a:schemeClr val="bg2"/>
+                </a:solidFill>
+                <a:latin typeface="Courier New" panose="02070309020205020404" pitchFamily="49" charset="0"/>
+                <a:cs typeface="Courier New" panose="02070309020205020404" pitchFamily="49" charset="0"/>
+              </a:rPr>
+              <a:t> &lt;- </a:t>
+            </a:r>
+            <a:r>
+              <a:rPr lang="en-GB" sz="1400" dirty="0" err="1">
+                <a:solidFill>
+                  <a:schemeClr val="bg2"/>
+                </a:solidFill>
+                <a:latin typeface="Courier New" panose="02070309020205020404" pitchFamily="49" charset="0"/>
+                <a:cs typeface="Courier New" panose="02070309020205020404" pitchFamily="49" charset="0"/>
+              </a:rPr>
+              <a:t>as.matrix</a:t>
+            </a:r>
+            <a:r>
+              <a:rPr lang="en-GB" sz="1400" dirty="0">
+                <a:solidFill>
+                  <a:schemeClr val="bg2"/>
+                </a:solidFill>
+                <a:latin typeface="Courier New" panose="02070309020205020404" pitchFamily="49" charset="0"/>
+                <a:cs typeface="Courier New" panose="02070309020205020404" pitchFamily="49" charset="0"/>
+              </a:rPr>
+              <a:t>(scale(</a:t>
+            </a:r>
+            <a:r>
+              <a:rPr lang="en-GB" sz="1400" dirty="0" err="1">
+                <a:solidFill>
+                  <a:schemeClr val="bg2"/>
+                </a:solidFill>
+                <a:latin typeface="Courier New" panose="02070309020205020404" pitchFamily="49" charset="0"/>
+                <a:cs typeface="Courier New" panose="02070309020205020404" pitchFamily="49" charset="0"/>
+              </a:rPr>
+              <a:t>dataTrain</a:t>
+            </a:r>
+            <a:r>
+              <a:rPr lang="en-GB" sz="1400" dirty="0">
+                <a:solidFill>
+                  <a:schemeClr val="bg2"/>
+                </a:solidFill>
+                <a:latin typeface="Courier New" panose="02070309020205020404" pitchFamily="49" charset="0"/>
+                <a:cs typeface="Courier New" panose="02070309020205020404" pitchFamily="49" charset="0"/>
+              </a:rPr>
+              <a:t>))</a:t>
+            </a:r>
+          </a:p>
+          <a:p>
+            <a:pPr marL="0" indent="0">
+              <a:spcBef>
+                <a:spcPts val="0"/>
+              </a:spcBef>
+              <a:buNone/>
+            </a:pPr>
+            <a:r>
+              <a:rPr lang="en-GB" sz="1400" dirty="0">
+                <a:solidFill>
+                  <a:schemeClr val="bg2"/>
+                </a:solidFill>
+                <a:latin typeface="Courier New" panose="02070309020205020404" pitchFamily="49" charset="0"/>
+                <a:cs typeface="Courier New" panose="02070309020205020404" pitchFamily="49" charset="0"/>
+              </a:rPr>
+              <a:t>  </a:t>
+            </a:r>
+          </a:p>
+          <a:p>
+            <a:pPr marL="0" indent="0">
+              <a:spcBef>
+                <a:spcPts val="0"/>
+              </a:spcBef>
+              <a:buNone/>
+            </a:pPr>
+            <a:r>
+              <a:rPr lang="en-GB" sz="1400" dirty="0">
+                <a:solidFill>
+                  <a:schemeClr val="bg2"/>
+                </a:solidFill>
+                <a:latin typeface="Courier New" panose="02070309020205020404" pitchFamily="49" charset="0"/>
+                <a:cs typeface="Courier New" panose="02070309020205020404" pitchFamily="49" charset="0"/>
+              </a:rPr>
+              <a:t>  </a:t>
+            </a:r>
+            <a:r>
+              <a:rPr lang="en-GB" sz="1400" dirty="0" err="1">
+                <a:solidFill>
+                  <a:schemeClr val="bg2"/>
+                </a:solidFill>
+                <a:latin typeface="Courier New" panose="02070309020205020404" pitchFamily="49" charset="0"/>
+                <a:cs typeface="Courier New" panose="02070309020205020404" pitchFamily="49" charset="0"/>
+              </a:rPr>
+              <a:t>somGrid</a:t>
+            </a:r>
+            <a:r>
+              <a:rPr lang="en-GB" sz="1400" dirty="0">
+                <a:solidFill>
+                  <a:schemeClr val="bg2"/>
+                </a:solidFill>
+                <a:latin typeface="Courier New" panose="02070309020205020404" pitchFamily="49" charset="0"/>
+                <a:cs typeface="Courier New" panose="02070309020205020404" pitchFamily="49" charset="0"/>
+              </a:rPr>
+              <a:t> &lt;- </a:t>
+            </a:r>
+            <a:r>
+              <a:rPr lang="en-GB" sz="1400" dirty="0" err="1">
+                <a:solidFill>
+                  <a:schemeClr val="bg2"/>
+                </a:solidFill>
+                <a:latin typeface="Courier New" panose="02070309020205020404" pitchFamily="49" charset="0"/>
+                <a:cs typeface="Courier New" panose="02070309020205020404" pitchFamily="49" charset="0"/>
+              </a:rPr>
+              <a:t>somgrid</a:t>
+            </a:r>
+            <a:r>
+              <a:rPr lang="en-GB" sz="1400" dirty="0">
+                <a:solidFill>
+                  <a:schemeClr val="bg2"/>
+                </a:solidFill>
+                <a:latin typeface="Courier New" panose="02070309020205020404" pitchFamily="49" charset="0"/>
+                <a:cs typeface="Courier New" panose="02070309020205020404" pitchFamily="49" charset="0"/>
+              </a:rPr>
+              <a:t>(</a:t>
+            </a:r>
+            <a:r>
+              <a:rPr lang="en-GB" sz="1400" dirty="0" err="1">
+                <a:solidFill>
+                  <a:schemeClr val="bg2"/>
+                </a:solidFill>
+                <a:latin typeface="Courier New" panose="02070309020205020404" pitchFamily="49" charset="0"/>
+                <a:cs typeface="Courier New" panose="02070309020205020404" pitchFamily="49" charset="0"/>
+              </a:rPr>
+              <a:t>xdim</a:t>
+            </a:r>
+            <a:r>
+              <a:rPr lang="en-GB" sz="1400" dirty="0">
+                <a:solidFill>
+                  <a:schemeClr val="bg2"/>
+                </a:solidFill>
+                <a:latin typeface="Courier New" panose="02070309020205020404" pitchFamily="49" charset="0"/>
+                <a:cs typeface="Courier New" panose="02070309020205020404" pitchFamily="49" charset="0"/>
+              </a:rPr>
+              <a:t> = dims[1], </a:t>
+            </a:r>
+            <a:r>
+              <a:rPr lang="en-GB" sz="1400" dirty="0" err="1">
+                <a:solidFill>
+                  <a:schemeClr val="bg2"/>
+                </a:solidFill>
+                <a:latin typeface="Courier New" panose="02070309020205020404" pitchFamily="49" charset="0"/>
+                <a:cs typeface="Courier New" panose="02070309020205020404" pitchFamily="49" charset="0"/>
+              </a:rPr>
+              <a:t>ydim</a:t>
+            </a:r>
+            <a:r>
+              <a:rPr lang="en-GB" sz="1400" dirty="0">
+                <a:solidFill>
+                  <a:schemeClr val="bg2"/>
+                </a:solidFill>
+                <a:latin typeface="Courier New" panose="02070309020205020404" pitchFamily="49" charset="0"/>
+                <a:cs typeface="Courier New" panose="02070309020205020404" pitchFamily="49" charset="0"/>
+              </a:rPr>
+              <a:t> = dims[2], </a:t>
+            </a:r>
+            <a:r>
+              <a:rPr lang="en-GB" sz="1400" dirty="0" err="1">
+                <a:solidFill>
+                  <a:schemeClr val="bg2"/>
+                </a:solidFill>
+                <a:latin typeface="Courier New" panose="02070309020205020404" pitchFamily="49" charset="0"/>
+                <a:cs typeface="Courier New" panose="02070309020205020404" pitchFamily="49" charset="0"/>
+              </a:rPr>
+              <a:t>topo</a:t>
+            </a:r>
+            <a:r>
+              <a:rPr lang="en-GB" sz="1400" dirty="0">
+                <a:solidFill>
+                  <a:schemeClr val="bg2"/>
+                </a:solidFill>
+                <a:latin typeface="Courier New" panose="02070309020205020404" pitchFamily="49" charset="0"/>
+                <a:cs typeface="Courier New" panose="02070309020205020404" pitchFamily="49" charset="0"/>
+              </a:rPr>
+              <a:t> = "hexagonal")</a:t>
+            </a:r>
+          </a:p>
+          <a:p>
+            <a:pPr marL="0" indent="0">
+              <a:spcBef>
+                <a:spcPts val="0"/>
+              </a:spcBef>
+              <a:buNone/>
+            </a:pPr>
+            <a:r>
+              <a:rPr lang="en-GB" sz="1400" dirty="0">
+                <a:solidFill>
+                  <a:schemeClr val="bg2"/>
+                </a:solidFill>
+                <a:latin typeface="Courier New" panose="02070309020205020404" pitchFamily="49" charset="0"/>
+                <a:cs typeface="Courier New" panose="02070309020205020404" pitchFamily="49" charset="0"/>
+              </a:rPr>
+              <a:t>  </a:t>
+            </a:r>
+          </a:p>
+          <a:p>
+            <a:pPr marL="0" indent="0">
+              <a:spcBef>
+                <a:spcPts val="0"/>
+              </a:spcBef>
+              <a:buNone/>
+            </a:pPr>
+            <a:r>
+              <a:rPr lang="en-GB" sz="1400" dirty="0">
+                <a:solidFill>
+                  <a:schemeClr val="bg2"/>
+                </a:solidFill>
+                <a:latin typeface="Courier New" panose="02070309020205020404" pitchFamily="49" charset="0"/>
+                <a:cs typeface="Courier New" panose="02070309020205020404" pitchFamily="49" charset="0"/>
+              </a:rPr>
+              <a:t>  model &lt;- </a:t>
+            </a:r>
+            <a:r>
+              <a:rPr lang="en-GB" sz="1400" dirty="0" err="1">
+                <a:solidFill>
+                  <a:schemeClr val="bg2"/>
+                </a:solidFill>
+                <a:latin typeface="Courier New" panose="02070309020205020404" pitchFamily="49" charset="0"/>
+                <a:cs typeface="Courier New" panose="02070309020205020404" pitchFamily="49" charset="0"/>
+              </a:rPr>
+              <a:t>som</a:t>
+            </a:r>
+            <a:r>
+              <a:rPr lang="en-GB" sz="1400" dirty="0">
+                <a:solidFill>
+                  <a:schemeClr val="bg2"/>
+                </a:solidFill>
+                <a:latin typeface="Courier New" panose="02070309020205020404" pitchFamily="49" charset="0"/>
+                <a:cs typeface="Courier New" panose="02070309020205020404" pitchFamily="49" charset="0"/>
+              </a:rPr>
+              <a:t>(</a:t>
+            </a:r>
+            <a:r>
+              <a:rPr lang="en-GB" sz="1400" dirty="0" err="1">
+                <a:solidFill>
+                  <a:schemeClr val="bg2"/>
+                </a:solidFill>
+                <a:latin typeface="Courier New" panose="02070309020205020404" pitchFamily="49" charset="0"/>
+                <a:cs typeface="Courier New" panose="02070309020205020404" pitchFamily="49" charset="0"/>
+              </a:rPr>
+              <a:t>dataTrainMatrix</a:t>
+            </a:r>
+            <a:r>
+              <a:rPr lang="en-GB" sz="1400" dirty="0">
+                <a:solidFill>
+                  <a:schemeClr val="bg2"/>
+                </a:solidFill>
+                <a:latin typeface="Courier New" panose="02070309020205020404" pitchFamily="49" charset="0"/>
+                <a:cs typeface="Courier New" panose="02070309020205020404" pitchFamily="49" charset="0"/>
+              </a:rPr>
+              <a:t>,</a:t>
+            </a:r>
+          </a:p>
+          <a:p>
+            <a:pPr marL="0" indent="0">
+              <a:spcBef>
+                <a:spcPts val="0"/>
+              </a:spcBef>
+              <a:buNone/>
+            </a:pPr>
+            <a:r>
+              <a:rPr lang="en-GB" sz="1400" dirty="0">
+                <a:solidFill>
+                  <a:schemeClr val="bg2"/>
+                </a:solidFill>
+                <a:latin typeface="Courier New" panose="02070309020205020404" pitchFamily="49" charset="0"/>
+                <a:cs typeface="Courier New" panose="02070309020205020404" pitchFamily="49" charset="0"/>
+              </a:rPr>
+              <a:t>                  grid = </a:t>
+            </a:r>
+            <a:r>
+              <a:rPr lang="en-GB" sz="1400" dirty="0" err="1">
+                <a:solidFill>
+                  <a:schemeClr val="bg2"/>
+                </a:solidFill>
+                <a:latin typeface="Courier New" panose="02070309020205020404" pitchFamily="49" charset="0"/>
+                <a:cs typeface="Courier New" panose="02070309020205020404" pitchFamily="49" charset="0"/>
+              </a:rPr>
+              <a:t>somGrid</a:t>
+            </a:r>
+            <a:r>
+              <a:rPr lang="en-GB" sz="1400" dirty="0">
+                <a:solidFill>
+                  <a:schemeClr val="bg2"/>
+                </a:solidFill>
+                <a:latin typeface="Courier New" panose="02070309020205020404" pitchFamily="49" charset="0"/>
+                <a:cs typeface="Courier New" panose="02070309020205020404" pitchFamily="49" charset="0"/>
+              </a:rPr>
+              <a:t>,</a:t>
+            </a:r>
+          </a:p>
+          <a:p>
+            <a:pPr marL="0" indent="0">
+              <a:spcBef>
+                <a:spcPts val="0"/>
+              </a:spcBef>
+              <a:buNone/>
+            </a:pPr>
+            <a:r>
+              <a:rPr lang="en-GB" sz="1400" dirty="0">
+                <a:solidFill>
+                  <a:schemeClr val="bg2"/>
+                </a:solidFill>
+                <a:latin typeface="Courier New" panose="02070309020205020404" pitchFamily="49" charset="0"/>
+                <a:cs typeface="Courier New" panose="02070309020205020404" pitchFamily="49" charset="0"/>
+              </a:rPr>
+              <a:t>                  </a:t>
+            </a:r>
+            <a:r>
+              <a:rPr lang="en-GB" sz="1400" dirty="0" err="1">
+                <a:solidFill>
+                  <a:schemeClr val="bg2"/>
+                </a:solidFill>
+                <a:latin typeface="Courier New" panose="02070309020205020404" pitchFamily="49" charset="0"/>
+                <a:cs typeface="Courier New" panose="02070309020205020404" pitchFamily="49" charset="0"/>
+              </a:rPr>
+              <a:t>rlen</a:t>
+            </a:r>
+            <a:r>
+              <a:rPr lang="en-GB" sz="1400" dirty="0">
+                <a:solidFill>
+                  <a:schemeClr val="bg2"/>
+                </a:solidFill>
+                <a:latin typeface="Courier New" panose="02070309020205020404" pitchFamily="49" charset="0"/>
+                <a:cs typeface="Courier New" panose="02070309020205020404" pitchFamily="49" charset="0"/>
+              </a:rPr>
+              <a:t> = </a:t>
+            </a:r>
+            <a:r>
+              <a:rPr lang="en-GB" sz="1400" dirty="0" err="1">
+                <a:solidFill>
+                  <a:schemeClr val="bg2"/>
+                </a:solidFill>
+                <a:latin typeface="Courier New" panose="02070309020205020404" pitchFamily="49" charset="0"/>
+                <a:cs typeface="Courier New" panose="02070309020205020404" pitchFamily="49" charset="0"/>
+              </a:rPr>
+              <a:t>lrn</a:t>
+            </a:r>
+            <a:r>
+              <a:rPr lang="en-GB" sz="1400" dirty="0">
+                <a:solidFill>
+                  <a:schemeClr val="bg2"/>
+                </a:solidFill>
+                <a:latin typeface="Courier New" panose="02070309020205020404" pitchFamily="49" charset="0"/>
+                <a:cs typeface="Courier New" panose="02070309020205020404" pitchFamily="49" charset="0"/>
+              </a:rPr>
+              <a:t>,</a:t>
+            </a:r>
+          </a:p>
+          <a:p>
+            <a:pPr marL="0" indent="0">
+              <a:spcBef>
+                <a:spcPts val="0"/>
+              </a:spcBef>
+              <a:buNone/>
+            </a:pPr>
+            <a:r>
+              <a:rPr lang="en-GB" sz="1400" dirty="0">
+                <a:solidFill>
+                  <a:schemeClr val="bg2"/>
+                </a:solidFill>
+                <a:latin typeface="Courier New" panose="02070309020205020404" pitchFamily="49" charset="0"/>
+                <a:cs typeface="Courier New" panose="02070309020205020404" pitchFamily="49" charset="0"/>
+              </a:rPr>
+              <a:t>                  alpha = c(0.05,0.01),</a:t>
+            </a:r>
+          </a:p>
+          <a:p>
+            <a:pPr marL="0" indent="0">
+              <a:spcBef>
+                <a:spcPts val="0"/>
+              </a:spcBef>
+              <a:buNone/>
+            </a:pPr>
+            <a:r>
+              <a:rPr lang="en-GB" sz="1400" dirty="0">
+                <a:solidFill>
+                  <a:schemeClr val="bg2"/>
+                </a:solidFill>
+                <a:latin typeface="Courier New" panose="02070309020205020404" pitchFamily="49" charset="0"/>
+                <a:cs typeface="Courier New" panose="02070309020205020404" pitchFamily="49" charset="0"/>
+              </a:rPr>
+              <a:t>                  </a:t>
+            </a:r>
+            <a:r>
+              <a:rPr lang="en-GB" sz="1400" dirty="0" err="1">
+                <a:solidFill>
+                  <a:schemeClr val="bg2"/>
+                </a:solidFill>
+                <a:latin typeface="Courier New" panose="02070309020205020404" pitchFamily="49" charset="0"/>
+                <a:cs typeface="Courier New" panose="02070309020205020404" pitchFamily="49" charset="0"/>
+              </a:rPr>
+              <a:t>keep.data</a:t>
+            </a:r>
+            <a:r>
+              <a:rPr lang="en-GB" sz="1400" dirty="0">
+                <a:solidFill>
+                  <a:schemeClr val="bg2"/>
+                </a:solidFill>
+                <a:latin typeface="Courier New" panose="02070309020205020404" pitchFamily="49" charset="0"/>
+                <a:cs typeface="Courier New" panose="02070309020205020404" pitchFamily="49" charset="0"/>
+              </a:rPr>
+              <a:t> = TRUE)</a:t>
+            </a:r>
+          </a:p>
+          <a:p>
+            <a:pPr marL="0" indent="0">
+              <a:spcBef>
+                <a:spcPts val="0"/>
+              </a:spcBef>
+              <a:buNone/>
+            </a:pPr>
+            <a:r>
+              <a:rPr lang="en-GB" sz="1400" dirty="0">
+                <a:solidFill>
+                  <a:schemeClr val="bg2"/>
+                </a:solidFill>
+                <a:latin typeface="Courier New" panose="02070309020205020404" pitchFamily="49" charset="0"/>
+                <a:cs typeface="Courier New" panose="02070309020205020404" pitchFamily="49" charset="0"/>
+              </a:rPr>
+              <a:t>  </a:t>
+            </a:r>
+          </a:p>
+          <a:p>
+            <a:pPr marL="0" indent="0">
+              <a:spcBef>
+                <a:spcPts val="0"/>
+              </a:spcBef>
+              <a:buNone/>
+            </a:pPr>
+            <a:r>
+              <a:rPr lang="en-GB" sz="1400" dirty="0">
+                <a:solidFill>
+                  <a:schemeClr val="bg2"/>
+                </a:solidFill>
+                <a:latin typeface="Courier New" panose="02070309020205020404" pitchFamily="49" charset="0"/>
+                <a:cs typeface="Courier New" panose="02070309020205020404" pitchFamily="49" charset="0"/>
+              </a:rPr>
+              <a:t>  return(model)</a:t>
+            </a:r>
+          </a:p>
+          <a:p>
+            <a:pPr marL="0" indent="0">
+              <a:spcBef>
+                <a:spcPts val="0"/>
+              </a:spcBef>
+              <a:buNone/>
+            </a:pPr>
+            <a:r>
+              <a:rPr lang="en-GB" sz="1400" dirty="0">
+                <a:solidFill>
+                  <a:schemeClr val="bg2"/>
+                </a:solidFill>
+                <a:latin typeface="Courier New" panose="02070309020205020404" pitchFamily="49" charset="0"/>
+                <a:cs typeface="Courier New" panose="02070309020205020404" pitchFamily="49" charset="0"/>
+              </a:rPr>
+              <a:t>}</a:t>
+            </a:r>
+          </a:p>
+        </p:txBody>
+      </p:sp>
+      <p:sp>
+        <p:nvSpPr>
+          <p:cNvPr id="4" name="Content Placeholder 2"/>
+          <p:cNvSpPr txBox="1">
+            <a:spLocks/>
+          </p:cNvSpPr>
+          <p:nvPr/>
+        </p:nvSpPr>
+        <p:spPr>
+          <a:xfrm>
+            <a:off x="576042" y="1346433"/>
+            <a:ext cx="11039913" cy="1186022"/>
+          </a:xfrm>
+          <a:prstGeom prst="rect">
+            <a:avLst/>
+          </a:prstGeom>
+        </p:spPr>
+        <p:txBody>
+          <a:bodyPr vert="horz" lIns="91440" tIns="45720" rIns="91440" bIns="45720" rtlCol="0">
+            <a:normAutofit/>
+          </a:bodyPr>
+          <a:lstStyle>
+            <a:lvl1pPr marL="228600" indent="-228600" algn="l" defTabSz="914400" rtl="0" eaLnBrk="1" latinLnBrk="0" hangingPunct="1">
+              <a:lnSpc>
+                <a:spcPct val="90000"/>
+              </a:lnSpc>
+              <a:spcBef>
+                <a:spcPts val="1000"/>
+              </a:spcBef>
+              <a:buFont typeface="Arial" panose="020B0604020202020204" pitchFamily="34" charset="0"/>
+              <a:buChar char="•"/>
+              <a:defRPr sz="2800" kern="1200">
+                <a:solidFill>
+                  <a:schemeClr val="tx1"/>
+                </a:solidFill>
+                <a:latin typeface="+mn-lt"/>
+                <a:ea typeface="+mn-ea"/>
+                <a:cs typeface="+mn-cs"/>
+              </a:defRPr>
+            </a:lvl1pPr>
+            <a:lvl2pPr marL="685800" indent="-228600" algn="l" defTabSz="914400" rtl="0" eaLnBrk="1" latinLnBrk="0" hangingPunct="1">
+              <a:lnSpc>
+                <a:spcPct val="90000"/>
+              </a:lnSpc>
+              <a:spcBef>
+                <a:spcPts val="500"/>
+              </a:spcBef>
+              <a:buFont typeface="Arial" panose="020B0604020202020204" pitchFamily="34" charset="0"/>
+              <a:buChar char="•"/>
+              <a:defRPr sz="2400" kern="1200">
+                <a:solidFill>
+                  <a:schemeClr val="tx1"/>
+                </a:solidFill>
+                <a:latin typeface="+mn-lt"/>
+                <a:ea typeface="+mn-ea"/>
+                <a:cs typeface="+mn-cs"/>
+              </a:defRPr>
+            </a:lvl2pPr>
+            <a:lvl3pPr marL="1143000" indent="-228600" algn="l" defTabSz="914400" rtl="0" eaLnBrk="1" latinLnBrk="0" hangingPunct="1">
+              <a:lnSpc>
+                <a:spcPct val="90000"/>
+              </a:lnSpc>
+              <a:spcBef>
+                <a:spcPts val="500"/>
+              </a:spcBef>
+              <a:buFont typeface="Arial" panose="020B0604020202020204" pitchFamily="34" charset="0"/>
+              <a:buChar char="•"/>
+              <a:defRPr sz="2000" kern="1200">
+                <a:solidFill>
+                  <a:schemeClr val="tx1"/>
+                </a:solidFill>
+                <a:latin typeface="+mn-lt"/>
+                <a:ea typeface="+mn-ea"/>
+                <a:cs typeface="+mn-cs"/>
+              </a:defRPr>
+            </a:lvl3pPr>
+            <a:lvl4pPr marL="1600200" indent="-228600" algn="l" defTabSz="914400" rtl="0" eaLnBrk="1" latinLnBrk="0" hangingPunct="1">
+              <a:lnSpc>
+                <a:spcPct val="90000"/>
+              </a:lnSpc>
+              <a:spcBef>
+                <a:spcPts val="500"/>
+              </a:spcBef>
+              <a:buFont typeface="Arial" panose="020B0604020202020204" pitchFamily="34" charset="0"/>
+              <a:buChar char="•"/>
+              <a:defRPr sz="1800" kern="1200">
+                <a:solidFill>
+                  <a:schemeClr val="tx1"/>
+                </a:solidFill>
+                <a:latin typeface="+mn-lt"/>
+                <a:ea typeface="+mn-ea"/>
+                <a:cs typeface="+mn-cs"/>
+              </a:defRPr>
+            </a:lvl4pPr>
+            <a:lvl5pPr marL="2057400" indent="-228600" algn="l" defTabSz="914400" rtl="0" eaLnBrk="1" latinLnBrk="0" hangingPunct="1">
+              <a:lnSpc>
+                <a:spcPct val="90000"/>
+              </a:lnSpc>
+              <a:spcBef>
+                <a:spcPts val="500"/>
+              </a:spcBef>
+              <a:buFont typeface="Arial" panose="020B0604020202020204" pitchFamily="34" charset="0"/>
+              <a:buChar char="•"/>
+              <a:defRPr sz="1800" kern="1200">
+                <a:solidFill>
+                  <a:schemeClr val="tx1"/>
+                </a:solidFill>
+                <a:latin typeface="+mn-lt"/>
+                <a:ea typeface="+mn-ea"/>
+                <a:cs typeface="+mn-cs"/>
+              </a:defRPr>
+            </a:lvl5pPr>
+            <a:lvl6pPr marL="2514600" indent="-228600" algn="l" defTabSz="914400" rtl="0" eaLnBrk="1" latinLnBrk="0" hangingPunct="1">
+              <a:lnSpc>
+                <a:spcPct val="90000"/>
+              </a:lnSpc>
+              <a:spcBef>
+                <a:spcPts val="500"/>
+              </a:spcBef>
+              <a:buFont typeface="Arial" panose="020B0604020202020204" pitchFamily="34" charset="0"/>
+              <a:buChar char="•"/>
+              <a:defRPr sz="1800" kern="1200">
+                <a:solidFill>
+                  <a:schemeClr val="tx1"/>
+                </a:solidFill>
+                <a:latin typeface="+mn-lt"/>
+                <a:ea typeface="+mn-ea"/>
+                <a:cs typeface="+mn-cs"/>
+              </a:defRPr>
+            </a:lvl6pPr>
+            <a:lvl7pPr marL="2971800" indent="-228600" algn="l" defTabSz="914400" rtl="0" eaLnBrk="1" latinLnBrk="0" hangingPunct="1">
+              <a:lnSpc>
+                <a:spcPct val="90000"/>
+              </a:lnSpc>
+              <a:spcBef>
+                <a:spcPts val="500"/>
+              </a:spcBef>
+              <a:buFont typeface="Arial" panose="020B0604020202020204" pitchFamily="34" charset="0"/>
+              <a:buChar char="•"/>
+              <a:defRPr sz="1800" kern="1200">
+                <a:solidFill>
+                  <a:schemeClr val="tx1"/>
+                </a:solidFill>
+                <a:latin typeface="+mn-lt"/>
+                <a:ea typeface="+mn-ea"/>
+                <a:cs typeface="+mn-cs"/>
+              </a:defRPr>
+            </a:lvl7pPr>
+            <a:lvl8pPr marL="3429000" indent="-228600" algn="l" defTabSz="914400" rtl="0" eaLnBrk="1" latinLnBrk="0" hangingPunct="1">
+              <a:lnSpc>
+                <a:spcPct val="90000"/>
+              </a:lnSpc>
+              <a:spcBef>
+                <a:spcPts val="500"/>
+              </a:spcBef>
+              <a:buFont typeface="Arial" panose="020B0604020202020204" pitchFamily="34" charset="0"/>
+              <a:buChar char="•"/>
+              <a:defRPr sz="1800" kern="1200">
+                <a:solidFill>
+                  <a:schemeClr val="tx1"/>
+                </a:solidFill>
+                <a:latin typeface="+mn-lt"/>
+                <a:ea typeface="+mn-ea"/>
+                <a:cs typeface="+mn-cs"/>
+              </a:defRPr>
+            </a:lvl8pPr>
+            <a:lvl9pPr marL="3886200" indent="-228600" algn="l" defTabSz="914400" rtl="0" eaLnBrk="1" latinLnBrk="0" hangingPunct="1">
+              <a:lnSpc>
+                <a:spcPct val="90000"/>
+              </a:lnSpc>
+              <a:spcBef>
+                <a:spcPts val="500"/>
+              </a:spcBef>
+              <a:buFont typeface="Arial" panose="020B0604020202020204" pitchFamily="34" charset="0"/>
+              <a:buChar char="•"/>
+              <a:defRPr sz="1800" kern="1200">
+                <a:solidFill>
+                  <a:schemeClr val="tx1"/>
+                </a:solidFill>
+                <a:latin typeface="+mn-lt"/>
+                <a:ea typeface="+mn-ea"/>
+                <a:cs typeface="+mn-cs"/>
+              </a:defRPr>
+            </a:lvl9pPr>
+          </a:lstStyle>
+          <a:p>
+            <a:r>
+              <a:rPr lang="en-GB" dirty="0"/>
+              <a:t>Select dimension of SOM: 10 x10 = 100 nodes</a:t>
+            </a:r>
+          </a:p>
+          <a:p>
+            <a:r>
+              <a:rPr lang="en-GB" dirty="0"/>
+              <a:t>Select the number of learning iterations (</a:t>
+            </a:r>
+            <a:r>
+              <a:rPr lang="en-GB" dirty="0" err="1"/>
+              <a:t>rlen</a:t>
+            </a:r>
+            <a:r>
+              <a:rPr lang="en-GB" dirty="0"/>
+              <a:t>): 400</a:t>
             </a:r>
           </a:p>
         </p:txBody>
@@ -3508,7 +12164,7 @@
     </p:spTree>
     <p:extLst>
       <p:ext uri="{BB962C8B-B14F-4D97-AF65-F5344CB8AC3E}">
-        <p14:creationId xmlns:p14="http://schemas.microsoft.com/office/powerpoint/2010/main" val="3738509050"/>
+        <p14:creationId xmlns:p14="http://schemas.microsoft.com/office/powerpoint/2010/main" val="1551482839"/>
       </p:ext>
     </p:extLst>
   </p:cSld>

--- a/Mapping London’s crime with R.pptx
+++ b/Mapping London’s crime with R.pptx
@@ -6376,7 +6376,7 @@
           <a:p>
             <a:r>
               <a:rPr lang="en-GB" dirty="0"/>
-              <a:t>Map untrained/real world data to the trained SOM (using the prediction method)</a:t>
+              <a:t>Map untrained data to the trained SOM (using the prediction method)</a:t>
             </a:r>
           </a:p>
         </p:txBody>
